--- a/projects/group2/mid_slide.pptx
+++ b/projects/group2/mid_slide.pptx
@@ -112,6 +112,11 @@
       </a:defRPr>
     </a:lvl9pPr>
   </p:defaultTextStyle>
+  <p:extLst>
+    <p:ext uri="{EFAFB233-063F-42B5-8137-9DF3F51BA10A}">
+      <p15:sldGuideLst xmlns:p15="http://schemas.microsoft.com/office/powerpoint/2012/main"/>
+    </p:ext>
+  </p:extLst>
 </p:presentation>
 </file>
 
@@ -264,7 +269,7 @@
           <a:p>
             <a:fld id="{BA759A12-2595-43BB-889B-763B23529FAF}" type="datetimeFigureOut">
               <a:rPr lang="en-CA" smtClean="0"/>
-              <a:t>2023-03-10</a:t>
+              <a:t>2023-03-11</a:t>
             </a:fld>
             <a:endParaRPr lang="en-CA"/>
           </a:p>
@@ -464,7 +469,7 @@
           <a:p>
             <a:fld id="{BA759A12-2595-43BB-889B-763B23529FAF}" type="datetimeFigureOut">
               <a:rPr lang="en-CA" smtClean="0"/>
-              <a:t>2023-03-10</a:t>
+              <a:t>2023-03-11</a:t>
             </a:fld>
             <a:endParaRPr lang="en-CA"/>
           </a:p>
@@ -674,7 +679,7 @@
           <a:p>
             <a:fld id="{BA759A12-2595-43BB-889B-763B23529FAF}" type="datetimeFigureOut">
               <a:rPr lang="en-CA" smtClean="0"/>
-              <a:t>2023-03-10</a:t>
+              <a:t>2023-03-11</a:t>
             </a:fld>
             <a:endParaRPr lang="en-CA"/>
           </a:p>
@@ -874,7 +879,7 @@
           <a:p>
             <a:fld id="{BA759A12-2595-43BB-889B-763B23529FAF}" type="datetimeFigureOut">
               <a:rPr lang="en-CA" smtClean="0"/>
-              <a:t>2023-03-10</a:t>
+              <a:t>2023-03-11</a:t>
             </a:fld>
             <a:endParaRPr lang="en-CA"/>
           </a:p>
@@ -1150,7 +1155,7 @@
           <a:p>
             <a:fld id="{BA759A12-2595-43BB-889B-763B23529FAF}" type="datetimeFigureOut">
               <a:rPr lang="en-CA" smtClean="0"/>
-              <a:t>2023-03-10</a:t>
+              <a:t>2023-03-11</a:t>
             </a:fld>
             <a:endParaRPr lang="en-CA"/>
           </a:p>
@@ -1418,7 +1423,7 @@
           <a:p>
             <a:fld id="{BA759A12-2595-43BB-889B-763B23529FAF}" type="datetimeFigureOut">
               <a:rPr lang="en-CA" smtClean="0"/>
-              <a:t>2023-03-10</a:t>
+              <a:t>2023-03-11</a:t>
             </a:fld>
             <a:endParaRPr lang="en-CA"/>
           </a:p>
@@ -1833,7 +1838,7 @@
           <a:p>
             <a:fld id="{BA759A12-2595-43BB-889B-763B23529FAF}" type="datetimeFigureOut">
               <a:rPr lang="en-CA" smtClean="0"/>
-              <a:t>2023-03-10</a:t>
+              <a:t>2023-03-11</a:t>
             </a:fld>
             <a:endParaRPr lang="en-CA"/>
           </a:p>
@@ -1975,7 +1980,7 @@
           <a:p>
             <a:fld id="{BA759A12-2595-43BB-889B-763B23529FAF}" type="datetimeFigureOut">
               <a:rPr lang="en-CA" smtClean="0"/>
-              <a:t>2023-03-10</a:t>
+              <a:t>2023-03-11</a:t>
             </a:fld>
             <a:endParaRPr lang="en-CA"/>
           </a:p>
@@ -2088,7 +2093,7 @@
           <a:p>
             <a:fld id="{BA759A12-2595-43BB-889B-763B23529FAF}" type="datetimeFigureOut">
               <a:rPr lang="en-CA" smtClean="0"/>
-              <a:t>2023-03-10</a:t>
+              <a:t>2023-03-11</a:t>
             </a:fld>
             <a:endParaRPr lang="en-CA"/>
           </a:p>
@@ -2401,7 +2406,7 @@
           <a:p>
             <a:fld id="{BA759A12-2595-43BB-889B-763B23529FAF}" type="datetimeFigureOut">
               <a:rPr lang="en-CA" smtClean="0"/>
-              <a:t>2023-03-10</a:t>
+              <a:t>2023-03-11</a:t>
             </a:fld>
             <a:endParaRPr lang="en-CA"/>
           </a:p>
@@ -2690,7 +2695,7 @@
           <a:p>
             <a:fld id="{BA759A12-2595-43BB-889B-763B23529FAF}" type="datetimeFigureOut">
               <a:rPr lang="en-CA" smtClean="0"/>
-              <a:t>2023-03-10</a:t>
+              <a:t>2023-03-11</a:t>
             </a:fld>
             <a:endParaRPr lang="en-CA"/>
           </a:p>
@@ -2936,7 +2941,7 @@
           <a:p>
             <a:fld id="{BA759A12-2595-43BB-889B-763B23529FAF}" type="datetimeFigureOut">
               <a:rPr lang="en-CA" smtClean="0"/>
-              <a:t>2023-03-10</a:t>
+              <a:t>2023-03-11</a:t>
             </a:fld>
             <a:endParaRPr lang="en-CA"/>
           </a:p>
@@ -4353,7 +4358,7 @@
         </p:nvSpPr>
         <p:spPr>
           <a:xfrm>
-            <a:off x="1852612" y="5172075"/>
+            <a:off x="1852612" y="5441016"/>
             <a:ext cx="8258175" cy="923330"/>
           </a:xfrm>
           <a:prstGeom prst="rect">
@@ -4376,6 +4381,181 @@
               <a:t>They can be used to make almost equally complex models with only 25% of the weights of the real version. This makes prediction whole lot more easier in low end devices.</a:t>
             </a:r>
             <a:endParaRPr lang="en-CA" dirty="0">
+              <a:solidFill>
+                <a:schemeClr val="bg1"/>
+              </a:solidFill>
+            </a:endParaRPr>
+          </a:p>
+        </p:txBody>
+      </p:sp>
+      <p:sp>
+        <p:nvSpPr>
+          <p:cNvPr id="2" name="TextBox 1">
+            <a:extLst>
+              <a:ext uri="{FF2B5EF4-FFF2-40B4-BE49-F238E27FC236}">
+                <a16:creationId xmlns:a16="http://schemas.microsoft.com/office/drawing/2014/main" id="{A1457268-0733-4E2F-943C-64C17C63BBB4}"/>
+              </a:ext>
+            </a:extLst>
+          </p:cNvPr>
+          <p:cNvSpPr txBox="1"/>
+          <p:nvPr/>
+        </p:nvSpPr>
+        <p:spPr>
+          <a:xfrm>
+            <a:off x="2218925" y="4778713"/>
+            <a:ext cx="8135147" cy="400110"/>
+          </a:xfrm>
+          <a:prstGeom prst="rect">
+            <a:avLst/>
+          </a:prstGeom>
+          <a:noFill/>
+        </p:spPr>
+        <p:txBody>
+          <a:bodyPr wrap="square" rtlCol="0">
+            <a:spAutoFit/>
+          </a:bodyPr>
+          <a:lstStyle/>
+          <a:p>
+            <a:pPr algn="ctr"/>
+            <a:r>
+              <a:rPr lang="en-US" sz="1000" dirty="0">
+                <a:solidFill>
+                  <a:schemeClr val="bg1"/>
+                </a:solidFill>
+              </a:rPr>
+              <a:t>This image has been taken from </a:t>
+            </a:r>
+            <a:r>
+              <a:rPr lang="en-US" sz="1000" dirty="0">
+                <a:solidFill>
+                  <a:schemeClr val="accent1"/>
+                </a:solidFill>
+                <a:hlinkClick r:id="rId3">
+                  <a:extLst>
+                    <a:ext uri="{A12FA001-AC4F-418D-AE19-62706E023703}">
+                      <ahyp:hlinkClr xmlns:ahyp="http://schemas.microsoft.com/office/drawing/2018/hyperlinkcolor" val="tx"/>
+                    </a:ext>
+                  </a:extLst>
+                </a:hlinkClick>
+              </a:rPr>
+              <a:t>this</a:t>
+            </a:r>
+            <a:r>
+              <a:rPr lang="en-US" sz="1000" dirty="0">
+                <a:solidFill>
+                  <a:schemeClr val="bg1"/>
+                </a:solidFill>
+              </a:rPr>
+              <a:t> paper.</a:t>
+            </a:r>
+          </a:p>
+          <a:p>
+            <a:pPr algn="ctr"/>
+            <a:r>
+              <a:rPr lang="en-CA" sz="1000" dirty="0" err="1">
+                <a:solidFill>
+                  <a:schemeClr val="bg1"/>
+                </a:solidFill>
+              </a:rPr>
+              <a:t>Titouan</a:t>
+            </a:r>
+            <a:r>
+              <a:rPr lang="en-CA" sz="1000" dirty="0">
+                <a:solidFill>
+                  <a:schemeClr val="bg1"/>
+                </a:solidFill>
+              </a:rPr>
+              <a:t> </a:t>
+            </a:r>
+            <a:r>
+              <a:rPr lang="en-CA" sz="1000" dirty="0" err="1">
+                <a:solidFill>
+                  <a:schemeClr val="bg1"/>
+                </a:solidFill>
+              </a:rPr>
+              <a:t>Parcollet</a:t>
+            </a:r>
+            <a:r>
+              <a:rPr lang="en-CA" sz="1000" dirty="0">
+                <a:solidFill>
+                  <a:schemeClr val="bg1"/>
+                </a:solidFill>
+              </a:rPr>
+              <a:t>, </a:t>
+            </a:r>
+            <a:r>
+              <a:rPr lang="en-CA" sz="1000" dirty="0" err="1">
+                <a:solidFill>
+                  <a:schemeClr val="bg1"/>
+                </a:solidFill>
+              </a:rPr>
+              <a:t>Mirco</a:t>
+            </a:r>
+            <a:r>
+              <a:rPr lang="en-CA" sz="1000" dirty="0">
+                <a:solidFill>
+                  <a:schemeClr val="bg1"/>
+                </a:solidFill>
+              </a:rPr>
+              <a:t> </a:t>
+            </a:r>
+            <a:r>
+              <a:rPr lang="en-CA" sz="1000" dirty="0" err="1">
+                <a:solidFill>
+                  <a:schemeClr val="bg1"/>
+                </a:solidFill>
+              </a:rPr>
+              <a:t>Ravanelli</a:t>
+            </a:r>
+            <a:r>
+              <a:rPr lang="en-CA" sz="1000" dirty="0">
+                <a:solidFill>
+                  <a:schemeClr val="bg1"/>
+                </a:solidFill>
+              </a:rPr>
+              <a:t>, Mohamed </a:t>
+            </a:r>
+            <a:r>
+              <a:rPr lang="en-CA" sz="1000" dirty="0" err="1">
+                <a:solidFill>
+                  <a:schemeClr val="bg1"/>
+                </a:solidFill>
+              </a:rPr>
+              <a:t>Morchid</a:t>
+            </a:r>
+            <a:r>
+              <a:rPr lang="en-CA" sz="1000" dirty="0">
+                <a:solidFill>
+                  <a:schemeClr val="bg1"/>
+                </a:solidFill>
+              </a:rPr>
+              <a:t>, Georges </a:t>
+            </a:r>
+            <a:r>
+              <a:rPr lang="en-CA" sz="1000" dirty="0" err="1">
+                <a:solidFill>
+                  <a:schemeClr val="bg1"/>
+                </a:solidFill>
+              </a:rPr>
+              <a:t>Linarès</a:t>
+            </a:r>
+            <a:r>
+              <a:rPr lang="en-CA" sz="1000" dirty="0">
+                <a:solidFill>
+                  <a:schemeClr val="bg1"/>
+                </a:solidFill>
+              </a:rPr>
+              <a:t>, and </a:t>
+            </a:r>
+            <a:r>
+              <a:rPr lang="en-US" sz="1000" dirty="0">
+                <a:solidFill>
+                  <a:schemeClr val="bg1"/>
+                </a:solidFill>
+              </a:rPr>
+              <a:t>Renato De Mori. 2018. Speech recognition with quaternion neural networks. </a:t>
+            </a:r>
+            <a:endParaRPr lang="en-CA" sz="1000" dirty="0">
               <a:solidFill>
                 <a:schemeClr val="bg1"/>
               </a:solidFill>

--- a/projects/group2/mid_slide.pptx
+++ b/projects/group2/mid_slide.pptx
@@ -1,19 +1,23 @@
 
 <file path=ppt/presentation.xml><?xml version="1.0" encoding="utf-8"?>
-<p:presentation xmlns:a="http://schemas.openxmlformats.org/drawingml/2006/main" xmlns:r="http://schemas.openxmlformats.org/officeDocument/2006/relationships" xmlns:p="http://schemas.openxmlformats.org/presentationml/2006/main" saveSubsetFonts="1">
+<p:presentation xmlns:a="http://schemas.openxmlformats.org/drawingml/2006/main" xmlns:r="http://schemas.openxmlformats.org/officeDocument/2006/relationships" xmlns:p="http://schemas.openxmlformats.org/presentationml/2006/main" showSpecialPlsOnTitleSld="0" saveSubsetFonts="1">
   <p:sldMasterIdLst>
     <p:sldMasterId id="2147483648" r:id="rId1"/>
   </p:sldMasterIdLst>
+  <p:notesMasterIdLst>
+    <p:notesMasterId r:id="rId12"/>
+  </p:notesMasterIdLst>
   <p:sldIdLst>
     <p:sldId id="256" r:id="rId2"/>
     <p:sldId id="257" r:id="rId3"/>
     <p:sldId id="258" r:id="rId4"/>
-    <p:sldId id="259" r:id="rId5"/>
-    <p:sldId id="260" r:id="rId6"/>
-    <p:sldId id="262" r:id="rId7"/>
-    <p:sldId id="261" r:id="rId8"/>
-    <p:sldId id="263" r:id="rId9"/>
-    <p:sldId id="264" r:id="rId10"/>
+    <p:sldId id="265" r:id="rId5"/>
+    <p:sldId id="266" r:id="rId6"/>
+    <p:sldId id="259" r:id="rId7"/>
+    <p:sldId id="260" r:id="rId8"/>
+    <p:sldId id="262" r:id="rId9"/>
+    <p:sldId id="263" r:id="rId10"/>
+    <p:sldId id="264" r:id="rId11"/>
   </p:sldIdLst>
   <p:sldSz cx="12192000" cy="6858000"/>
   <p:notesSz cx="6858000" cy="9144000"/>
@@ -114,10 +118,359 @@
   </p:defaultTextStyle>
   <p:extLst>
     <p:ext uri="{EFAFB233-063F-42B5-8137-9DF3F51BA10A}">
-      <p15:sldGuideLst xmlns:p15="http://schemas.microsoft.com/office/powerpoint/2012/main"/>
+      <p15:sldGuideLst xmlns:p15="http://schemas.microsoft.com/office/powerpoint/2012/main" xmlns=""/>
     </p:ext>
   </p:extLst>
 </p:presentation>
+</file>
+
+<file path=ppt/notesMasters/notesMaster1.xml><?xml version="1.0" encoding="utf-8"?>
+<p:notesMaster xmlns:a="http://schemas.openxmlformats.org/drawingml/2006/main" xmlns:r="http://schemas.openxmlformats.org/officeDocument/2006/relationships" xmlns:p="http://schemas.openxmlformats.org/presentationml/2006/main">
+  <p:cSld>
+    <p:bg>
+      <p:bgRef idx="1001">
+        <a:schemeClr val="bg1"/>
+      </p:bgRef>
+    </p:bg>
+    <p:spTree>
+      <p:nvGrpSpPr>
+        <p:cNvPr id="1" name=""/>
+        <p:cNvGrpSpPr/>
+        <p:nvPr/>
+      </p:nvGrpSpPr>
+      <p:grpSpPr>
+        <a:xfrm>
+          <a:off x="0" y="0"/>
+          <a:ext cx="0" cy="0"/>
+          <a:chOff x="0" y="0"/>
+          <a:chExt cx="0" cy="0"/>
+        </a:xfrm>
+      </p:grpSpPr>
+      <p:sp>
+        <p:nvSpPr>
+          <p:cNvPr id="2" name="Header Placeholder 1"/>
+          <p:cNvSpPr>
+            <a:spLocks noGrp="1"/>
+          </p:cNvSpPr>
+          <p:nvPr>
+            <p:ph type="hdr" sz="quarter"/>
+          </p:nvPr>
+        </p:nvSpPr>
+        <p:spPr>
+          <a:xfrm>
+            <a:off x="0" y="0"/>
+            <a:ext cx="2971800" cy="457200"/>
+          </a:xfrm>
+          <a:prstGeom prst="rect">
+            <a:avLst/>
+          </a:prstGeom>
+        </p:spPr>
+        <p:txBody>
+          <a:bodyPr vert="horz" lIns="91440" tIns="45720" rIns="91440" bIns="45720" rtlCol="0"/>
+          <a:lstStyle>
+            <a:lvl1pPr algn="l">
+              <a:defRPr sz="1200"/>
+            </a:lvl1pPr>
+          </a:lstStyle>
+          <a:p>
+            <a:endParaRPr lang="en-US"/>
+          </a:p>
+        </p:txBody>
+      </p:sp>
+      <p:sp>
+        <p:nvSpPr>
+          <p:cNvPr id="3" name="Date Placeholder 2"/>
+          <p:cNvSpPr>
+            <a:spLocks noGrp="1"/>
+          </p:cNvSpPr>
+          <p:nvPr>
+            <p:ph type="dt" idx="1"/>
+          </p:nvPr>
+        </p:nvSpPr>
+        <p:spPr>
+          <a:xfrm>
+            <a:off x="3884613" y="0"/>
+            <a:ext cx="2971800" cy="457200"/>
+          </a:xfrm>
+          <a:prstGeom prst="rect">
+            <a:avLst/>
+          </a:prstGeom>
+        </p:spPr>
+        <p:txBody>
+          <a:bodyPr vert="horz" lIns="91440" tIns="45720" rIns="91440" bIns="45720" rtlCol="0"/>
+          <a:lstStyle>
+            <a:lvl1pPr algn="r">
+              <a:defRPr sz="1200"/>
+            </a:lvl1pPr>
+          </a:lstStyle>
+          <a:p>
+            <a:fld id="{B9564DDA-C048-42C6-9161-3DB167856F71}" type="datetimeFigureOut">
+              <a:rPr lang="en-US" smtClean="0"/>
+              <a:pPr/>
+              <a:t>3/20/2023</a:t>
+            </a:fld>
+            <a:endParaRPr lang="en-US"/>
+          </a:p>
+        </p:txBody>
+      </p:sp>
+      <p:sp>
+        <p:nvSpPr>
+          <p:cNvPr id="4" name="Slide Image Placeholder 3"/>
+          <p:cNvSpPr>
+            <a:spLocks noGrp="1" noRot="1" noChangeAspect="1"/>
+          </p:cNvSpPr>
+          <p:nvPr>
+            <p:ph type="sldImg" idx="2"/>
+          </p:nvPr>
+        </p:nvSpPr>
+        <p:spPr>
+          <a:xfrm>
+            <a:off x="381000" y="685800"/>
+            <a:ext cx="6096000" cy="3429000"/>
+          </a:xfrm>
+          <a:prstGeom prst="rect">
+            <a:avLst/>
+          </a:prstGeom>
+          <a:noFill/>
+          <a:ln w="12700">
+            <a:solidFill>
+              <a:prstClr val="black"/>
+            </a:solidFill>
+          </a:ln>
+        </p:spPr>
+        <p:txBody>
+          <a:bodyPr vert="horz" lIns="91440" tIns="45720" rIns="91440" bIns="45720" rtlCol="0" anchor="ctr"/>
+          <a:lstStyle/>
+          <a:p>
+            <a:endParaRPr lang="en-US"/>
+          </a:p>
+        </p:txBody>
+      </p:sp>
+      <p:sp>
+        <p:nvSpPr>
+          <p:cNvPr id="5" name="Notes Placeholder 4"/>
+          <p:cNvSpPr>
+            <a:spLocks noGrp="1"/>
+          </p:cNvSpPr>
+          <p:nvPr>
+            <p:ph type="body" sz="quarter" idx="3"/>
+          </p:nvPr>
+        </p:nvSpPr>
+        <p:spPr>
+          <a:xfrm>
+            <a:off x="685800" y="4343400"/>
+            <a:ext cx="5486400" cy="4114800"/>
+          </a:xfrm>
+          <a:prstGeom prst="rect">
+            <a:avLst/>
+          </a:prstGeom>
+        </p:spPr>
+        <p:txBody>
+          <a:bodyPr vert="horz" lIns="91440" tIns="45720" rIns="91440" bIns="45720" rtlCol="0">
+            <a:normAutofit/>
+          </a:bodyPr>
+          <a:lstStyle/>
+          <a:p>
+            <a:pPr lvl="0"/>
+            <a:r>
+              <a:rPr lang="en-US" smtClean="0"/>
+              <a:t>Click to edit Master text styles</a:t>
+            </a:r>
+          </a:p>
+          <a:p>
+            <a:pPr lvl="1"/>
+            <a:r>
+              <a:rPr lang="en-US" smtClean="0"/>
+              <a:t>Second level</a:t>
+            </a:r>
+          </a:p>
+          <a:p>
+            <a:pPr lvl="2"/>
+            <a:r>
+              <a:rPr lang="en-US" smtClean="0"/>
+              <a:t>Third level</a:t>
+            </a:r>
+          </a:p>
+          <a:p>
+            <a:pPr lvl="3"/>
+            <a:r>
+              <a:rPr lang="en-US" smtClean="0"/>
+              <a:t>Fourth level</a:t>
+            </a:r>
+          </a:p>
+          <a:p>
+            <a:pPr lvl="4"/>
+            <a:r>
+              <a:rPr lang="en-US" smtClean="0"/>
+              <a:t>Fifth level</a:t>
+            </a:r>
+            <a:endParaRPr lang="en-US"/>
+          </a:p>
+        </p:txBody>
+      </p:sp>
+      <p:sp>
+        <p:nvSpPr>
+          <p:cNvPr id="6" name="Footer Placeholder 5"/>
+          <p:cNvSpPr>
+            <a:spLocks noGrp="1"/>
+          </p:cNvSpPr>
+          <p:nvPr>
+            <p:ph type="ftr" sz="quarter" idx="4"/>
+          </p:nvPr>
+        </p:nvSpPr>
+        <p:spPr>
+          <a:xfrm>
+            <a:off x="0" y="8685213"/>
+            <a:ext cx="2971800" cy="457200"/>
+          </a:xfrm>
+          <a:prstGeom prst="rect">
+            <a:avLst/>
+          </a:prstGeom>
+        </p:spPr>
+        <p:txBody>
+          <a:bodyPr vert="horz" lIns="91440" tIns="45720" rIns="91440" bIns="45720" rtlCol="0" anchor="b"/>
+          <a:lstStyle>
+            <a:lvl1pPr algn="l">
+              <a:defRPr sz="1200"/>
+            </a:lvl1pPr>
+          </a:lstStyle>
+          <a:p>
+            <a:endParaRPr lang="en-US"/>
+          </a:p>
+        </p:txBody>
+      </p:sp>
+      <p:sp>
+        <p:nvSpPr>
+          <p:cNvPr id="7" name="Slide Number Placeholder 6"/>
+          <p:cNvSpPr>
+            <a:spLocks noGrp="1"/>
+          </p:cNvSpPr>
+          <p:nvPr>
+            <p:ph type="sldNum" sz="quarter" idx="5"/>
+          </p:nvPr>
+        </p:nvSpPr>
+        <p:spPr>
+          <a:xfrm>
+            <a:off x="3884613" y="8685213"/>
+            <a:ext cx="2971800" cy="457200"/>
+          </a:xfrm>
+          <a:prstGeom prst="rect">
+            <a:avLst/>
+          </a:prstGeom>
+        </p:spPr>
+        <p:txBody>
+          <a:bodyPr vert="horz" lIns="91440" tIns="45720" rIns="91440" bIns="45720" rtlCol="0" anchor="b"/>
+          <a:lstStyle>
+            <a:lvl1pPr algn="r">
+              <a:defRPr sz="1200"/>
+            </a:lvl1pPr>
+          </a:lstStyle>
+          <a:p>
+            <a:fld id="{86114574-82D6-453F-A6F0-F3B352BE8946}" type="slidenum">
+              <a:rPr lang="en-US" smtClean="0"/>
+              <a:pPr/>
+              <a:t>‹#›</a:t>
+            </a:fld>
+            <a:endParaRPr lang="en-US"/>
+          </a:p>
+        </p:txBody>
+      </p:sp>
+    </p:spTree>
+  </p:cSld>
+  <p:clrMap bg1="lt1" tx1="dk1" bg2="lt2" tx2="dk2" accent1="accent1" accent2="accent2" accent3="accent3" accent4="accent4" accent5="accent5" accent6="accent6" hlink="hlink" folHlink="folHlink"/>
+  <p:notesStyle>
+    <a:lvl1pPr marL="0" algn="l" defTabSz="914400" rtl="0" eaLnBrk="1" latinLnBrk="0" hangingPunct="1">
+      <a:defRPr sz="1200" kern="1200">
+        <a:solidFill>
+          <a:schemeClr val="tx1"/>
+        </a:solidFill>
+        <a:latin typeface="+mn-lt"/>
+        <a:ea typeface="+mn-ea"/>
+        <a:cs typeface="+mn-cs"/>
+      </a:defRPr>
+    </a:lvl1pPr>
+    <a:lvl2pPr marL="457200" algn="l" defTabSz="914400" rtl="0" eaLnBrk="1" latinLnBrk="0" hangingPunct="1">
+      <a:defRPr sz="1200" kern="1200">
+        <a:solidFill>
+          <a:schemeClr val="tx1"/>
+        </a:solidFill>
+        <a:latin typeface="+mn-lt"/>
+        <a:ea typeface="+mn-ea"/>
+        <a:cs typeface="+mn-cs"/>
+      </a:defRPr>
+    </a:lvl2pPr>
+    <a:lvl3pPr marL="914400" algn="l" defTabSz="914400" rtl="0" eaLnBrk="1" latinLnBrk="0" hangingPunct="1">
+      <a:defRPr sz="1200" kern="1200">
+        <a:solidFill>
+          <a:schemeClr val="tx1"/>
+        </a:solidFill>
+        <a:latin typeface="+mn-lt"/>
+        <a:ea typeface="+mn-ea"/>
+        <a:cs typeface="+mn-cs"/>
+      </a:defRPr>
+    </a:lvl3pPr>
+    <a:lvl4pPr marL="1371600" algn="l" defTabSz="914400" rtl="0" eaLnBrk="1" latinLnBrk="0" hangingPunct="1">
+      <a:defRPr sz="1200" kern="1200">
+        <a:solidFill>
+          <a:schemeClr val="tx1"/>
+        </a:solidFill>
+        <a:latin typeface="+mn-lt"/>
+        <a:ea typeface="+mn-ea"/>
+        <a:cs typeface="+mn-cs"/>
+      </a:defRPr>
+    </a:lvl4pPr>
+    <a:lvl5pPr marL="1828800" algn="l" defTabSz="914400" rtl="0" eaLnBrk="1" latinLnBrk="0" hangingPunct="1">
+      <a:defRPr sz="1200" kern="1200">
+        <a:solidFill>
+          <a:schemeClr val="tx1"/>
+        </a:solidFill>
+        <a:latin typeface="+mn-lt"/>
+        <a:ea typeface="+mn-ea"/>
+        <a:cs typeface="+mn-cs"/>
+      </a:defRPr>
+    </a:lvl5pPr>
+    <a:lvl6pPr marL="2286000" algn="l" defTabSz="914400" rtl="0" eaLnBrk="1" latinLnBrk="0" hangingPunct="1">
+      <a:defRPr sz="1200" kern="1200">
+        <a:solidFill>
+          <a:schemeClr val="tx1"/>
+        </a:solidFill>
+        <a:latin typeface="+mn-lt"/>
+        <a:ea typeface="+mn-ea"/>
+        <a:cs typeface="+mn-cs"/>
+      </a:defRPr>
+    </a:lvl6pPr>
+    <a:lvl7pPr marL="2743200" algn="l" defTabSz="914400" rtl="0" eaLnBrk="1" latinLnBrk="0" hangingPunct="1">
+      <a:defRPr sz="1200" kern="1200">
+        <a:solidFill>
+          <a:schemeClr val="tx1"/>
+        </a:solidFill>
+        <a:latin typeface="+mn-lt"/>
+        <a:ea typeface="+mn-ea"/>
+        <a:cs typeface="+mn-cs"/>
+      </a:defRPr>
+    </a:lvl7pPr>
+    <a:lvl8pPr marL="3200400" algn="l" defTabSz="914400" rtl="0" eaLnBrk="1" latinLnBrk="0" hangingPunct="1">
+      <a:defRPr sz="1200" kern="1200">
+        <a:solidFill>
+          <a:schemeClr val="tx1"/>
+        </a:solidFill>
+        <a:latin typeface="+mn-lt"/>
+        <a:ea typeface="+mn-ea"/>
+        <a:cs typeface="+mn-cs"/>
+      </a:defRPr>
+    </a:lvl8pPr>
+    <a:lvl9pPr marL="3657600" algn="l" defTabSz="914400" rtl="0" eaLnBrk="1" latinLnBrk="0" hangingPunct="1">
+      <a:defRPr sz="1200" kern="1200">
+        <a:solidFill>
+          <a:schemeClr val="tx1"/>
+        </a:solidFill>
+        <a:latin typeface="+mn-lt"/>
+        <a:ea typeface="+mn-ea"/>
+        <a:cs typeface="+mn-cs"/>
+      </a:defRPr>
+    </a:lvl9pPr>
+  </p:notesStyle>
+</p:notesMaster>
 </file>
 
 <file path=ppt/slideLayouts/slideLayout1.xml><?xml version="1.0" encoding="utf-8"?>
@@ -142,7 +495,7 @@
           <p:cNvPr id="2" name="Title 1">
             <a:extLst>
               <a:ext uri="{FF2B5EF4-FFF2-40B4-BE49-F238E27FC236}">
-                <a16:creationId xmlns:a16="http://schemas.microsoft.com/office/drawing/2014/main" id="{542ACA93-7549-44D1-A4C1-5B9A6ED20EE8}"/>
+                <a16:creationId xmlns:a16="http://schemas.microsoft.com/office/drawing/2014/main" xmlns="" id="{542ACA93-7549-44D1-A4C1-5B9A6ED20EE8}"/>
               </a:ext>
             </a:extLst>
           </p:cNvPr>
@@ -180,7 +533,7 @@
           <p:cNvPr id="3" name="Subtitle 2">
             <a:extLst>
               <a:ext uri="{FF2B5EF4-FFF2-40B4-BE49-F238E27FC236}">
-                <a16:creationId xmlns:a16="http://schemas.microsoft.com/office/drawing/2014/main" id="{5F608DE6-6CFE-4992-BACA-D400DC1ADB3F}"/>
+                <a16:creationId xmlns:a16="http://schemas.microsoft.com/office/drawing/2014/main" xmlns="" id="{5F608DE6-6CFE-4992-BACA-D400DC1ADB3F}"/>
               </a:ext>
             </a:extLst>
           </p:cNvPr>
@@ -251,7 +604,7 @@
           <p:cNvPr id="4" name="Date Placeholder 3">
             <a:extLst>
               <a:ext uri="{FF2B5EF4-FFF2-40B4-BE49-F238E27FC236}">
-                <a16:creationId xmlns:a16="http://schemas.microsoft.com/office/drawing/2014/main" id="{373F3BDD-0F5C-4CEA-9479-78FC6BEE076D}"/>
+                <a16:creationId xmlns:a16="http://schemas.microsoft.com/office/drawing/2014/main" xmlns="" id="{373F3BDD-0F5C-4CEA-9479-78FC6BEE076D}"/>
               </a:ext>
             </a:extLst>
           </p:cNvPr>
@@ -267,45 +620,49 @@
           <a:bodyPr/>
           <a:lstStyle/>
           <a:p>
-            <a:fld id="{BA759A12-2595-43BB-889B-763B23529FAF}" type="datetimeFigureOut">
+            <a:r>
+              <a:rPr lang="en-US" smtClean="0"/>
+              <a:t>Adhil &amp; Aritra</a:t>
+            </a:r>
+            <a:endParaRPr lang="en-CA"/>
+          </a:p>
+        </p:txBody>
+      </p:sp>
+      <p:sp>
+        <p:nvSpPr>
+          <p:cNvPr id="5" name="Footer Placeholder 4">
+            <a:extLst>
+              <a:ext uri="{FF2B5EF4-FFF2-40B4-BE49-F238E27FC236}">
+                <a16:creationId xmlns:a16="http://schemas.microsoft.com/office/drawing/2014/main" xmlns="" id="{F8895A4A-FDD7-407F-8BCC-1D33B1F33E85}"/>
+              </a:ext>
+            </a:extLst>
+          </p:cNvPr>
+          <p:cNvSpPr>
+            <a:spLocks noGrp="1"/>
+          </p:cNvSpPr>
+          <p:nvPr>
+            <p:ph type="ftr" sz="quarter" idx="11"/>
+          </p:nvPr>
+        </p:nvSpPr>
+        <p:spPr/>
+        <p:txBody>
+          <a:bodyPr/>
+          <a:lstStyle/>
+          <a:p>
+            <a:r>
               <a:rPr lang="en-CA" smtClean="0"/>
-              <a:t>2023-03-11</a:t>
-            </a:fld>
+              <a:t>Midway Report</a:t>
+            </a:r>
             <a:endParaRPr lang="en-CA"/>
           </a:p>
         </p:txBody>
       </p:sp>
       <p:sp>
         <p:nvSpPr>
-          <p:cNvPr id="5" name="Footer Placeholder 4">
-            <a:extLst>
-              <a:ext uri="{FF2B5EF4-FFF2-40B4-BE49-F238E27FC236}">
-                <a16:creationId xmlns:a16="http://schemas.microsoft.com/office/drawing/2014/main" id="{F8895A4A-FDD7-407F-8BCC-1D33B1F33E85}"/>
-              </a:ext>
-            </a:extLst>
-          </p:cNvPr>
-          <p:cNvSpPr>
-            <a:spLocks noGrp="1"/>
-          </p:cNvSpPr>
-          <p:nvPr>
-            <p:ph type="ftr" sz="quarter" idx="11"/>
-          </p:nvPr>
-        </p:nvSpPr>
-        <p:spPr/>
-        <p:txBody>
-          <a:bodyPr/>
-          <a:lstStyle/>
-          <a:p>
-            <a:endParaRPr lang="en-CA"/>
-          </a:p>
-        </p:txBody>
-      </p:sp>
-      <p:sp>
-        <p:nvSpPr>
           <p:cNvPr id="6" name="Slide Number Placeholder 5">
             <a:extLst>
               <a:ext uri="{FF2B5EF4-FFF2-40B4-BE49-F238E27FC236}">
-                <a16:creationId xmlns:a16="http://schemas.microsoft.com/office/drawing/2014/main" id="{2A8CF641-BAD9-4BE3-881D-8E2D90AEF8CC}"/>
+                <a16:creationId xmlns:a16="http://schemas.microsoft.com/office/drawing/2014/main" xmlns="" id="{2A8CF641-BAD9-4BE3-881D-8E2D90AEF8CC}"/>
               </a:ext>
             </a:extLst>
           </p:cNvPr>
@@ -323,6 +680,7 @@
           <a:p>
             <a:fld id="{A615E1DC-8E13-4503-89D3-46AAEB115BB1}" type="slidenum">
               <a:rPr lang="en-CA" smtClean="0"/>
+              <a:pPr/>
               <a:t>‹#›</a:t>
             </a:fld>
             <a:endParaRPr lang="en-CA"/>
@@ -332,7 +690,7 @@
     </p:spTree>
     <p:extLst>
       <p:ext uri="{BB962C8B-B14F-4D97-AF65-F5344CB8AC3E}">
-        <p14:creationId xmlns:p14="http://schemas.microsoft.com/office/powerpoint/2010/main" val="2987964561"/>
+        <p14:creationId xmlns:p14="http://schemas.microsoft.com/office/powerpoint/2010/main" xmlns="" val="2987964561"/>
       </p:ext>
     </p:extLst>
   </p:cSld>
@@ -364,7 +722,7 @@
           <p:cNvPr id="2" name="Title 1">
             <a:extLst>
               <a:ext uri="{FF2B5EF4-FFF2-40B4-BE49-F238E27FC236}">
-                <a16:creationId xmlns:a16="http://schemas.microsoft.com/office/drawing/2014/main" id="{3550E262-7EB3-4CF0-BBAA-88F9D3194021}"/>
+                <a16:creationId xmlns:a16="http://schemas.microsoft.com/office/drawing/2014/main" xmlns="" id="{3550E262-7EB3-4CF0-BBAA-88F9D3194021}"/>
               </a:ext>
             </a:extLst>
           </p:cNvPr>
@@ -393,7 +751,7 @@
           <p:cNvPr id="3" name="Vertical Text Placeholder 2">
             <a:extLst>
               <a:ext uri="{FF2B5EF4-FFF2-40B4-BE49-F238E27FC236}">
-                <a16:creationId xmlns:a16="http://schemas.microsoft.com/office/drawing/2014/main" id="{46B28FBF-71F3-45F3-98E2-2457BC624BA5}"/>
+                <a16:creationId xmlns:a16="http://schemas.microsoft.com/office/drawing/2014/main" xmlns="" id="{46B28FBF-71F3-45F3-98E2-2457BC624BA5}"/>
               </a:ext>
             </a:extLst>
           </p:cNvPr>
@@ -451,7 +809,7 @@
           <p:cNvPr id="4" name="Date Placeholder 3">
             <a:extLst>
               <a:ext uri="{FF2B5EF4-FFF2-40B4-BE49-F238E27FC236}">
-                <a16:creationId xmlns:a16="http://schemas.microsoft.com/office/drawing/2014/main" id="{30C0A27B-C8E6-41C9-BF4A-64CC1B340061}"/>
+                <a16:creationId xmlns:a16="http://schemas.microsoft.com/office/drawing/2014/main" xmlns="" id="{30C0A27B-C8E6-41C9-BF4A-64CC1B340061}"/>
               </a:ext>
             </a:extLst>
           </p:cNvPr>
@@ -467,45 +825,49 @@
           <a:bodyPr/>
           <a:lstStyle/>
           <a:p>
-            <a:fld id="{BA759A12-2595-43BB-889B-763B23529FAF}" type="datetimeFigureOut">
+            <a:r>
+              <a:rPr lang="en-US" smtClean="0"/>
+              <a:t>Adhil &amp; Aritra</a:t>
+            </a:r>
+            <a:endParaRPr lang="en-CA"/>
+          </a:p>
+        </p:txBody>
+      </p:sp>
+      <p:sp>
+        <p:nvSpPr>
+          <p:cNvPr id="5" name="Footer Placeholder 4">
+            <a:extLst>
+              <a:ext uri="{FF2B5EF4-FFF2-40B4-BE49-F238E27FC236}">
+                <a16:creationId xmlns:a16="http://schemas.microsoft.com/office/drawing/2014/main" xmlns="" id="{745F0296-5898-423B-A3B1-B8336161F9B8}"/>
+              </a:ext>
+            </a:extLst>
+          </p:cNvPr>
+          <p:cNvSpPr>
+            <a:spLocks noGrp="1"/>
+          </p:cNvSpPr>
+          <p:nvPr>
+            <p:ph type="ftr" sz="quarter" idx="11"/>
+          </p:nvPr>
+        </p:nvSpPr>
+        <p:spPr/>
+        <p:txBody>
+          <a:bodyPr/>
+          <a:lstStyle/>
+          <a:p>
+            <a:r>
               <a:rPr lang="en-CA" smtClean="0"/>
-              <a:t>2023-03-11</a:t>
-            </a:fld>
+              <a:t>Midway Report</a:t>
+            </a:r>
             <a:endParaRPr lang="en-CA"/>
           </a:p>
         </p:txBody>
       </p:sp>
       <p:sp>
         <p:nvSpPr>
-          <p:cNvPr id="5" name="Footer Placeholder 4">
-            <a:extLst>
-              <a:ext uri="{FF2B5EF4-FFF2-40B4-BE49-F238E27FC236}">
-                <a16:creationId xmlns:a16="http://schemas.microsoft.com/office/drawing/2014/main" id="{745F0296-5898-423B-A3B1-B8336161F9B8}"/>
-              </a:ext>
-            </a:extLst>
-          </p:cNvPr>
-          <p:cNvSpPr>
-            <a:spLocks noGrp="1"/>
-          </p:cNvSpPr>
-          <p:nvPr>
-            <p:ph type="ftr" sz="quarter" idx="11"/>
-          </p:nvPr>
-        </p:nvSpPr>
-        <p:spPr/>
-        <p:txBody>
-          <a:bodyPr/>
-          <a:lstStyle/>
-          <a:p>
-            <a:endParaRPr lang="en-CA"/>
-          </a:p>
-        </p:txBody>
-      </p:sp>
-      <p:sp>
-        <p:nvSpPr>
           <p:cNvPr id="6" name="Slide Number Placeholder 5">
             <a:extLst>
               <a:ext uri="{FF2B5EF4-FFF2-40B4-BE49-F238E27FC236}">
-                <a16:creationId xmlns:a16="http://schemas.microsoft.com/office/drawing/2014/main" id="{421DF692-0603-4EAB-99DA-C25A156B0ABF}"/>
+                <a16:creationId xmlns:a16="http://schemas.microsoft.com/office/drawing/2014/main" xmlns="" id="{421DF692-0603-4EAB-99DA-C25A156B0ABF}"/>
               </a:ext>
             </a:extLst>
           </p:cNvPr>
@@ -523,6 +885,7 @@
           <a:p>
             <a:fld id="{A615E1DC-8E13-4503-89D3-46AAEB115BB1}" type="slidenum">
               <a:rPr lang="en-CA" smtClean="0"/>
+              <a:pPr/>
               <a:t>‹#›</a:t>
             </a:fld>
             <a:endParaRPr lang="en-CA"/>
@@ -532,7 +895,7 @@
     </p:spTree>
     <p:extLst>
       <p:ext uri="{BB962C8B-B14F-4D97-AF65-F5344CB8AC3E}">
-        <p14:creationId xmlns:p14="http://schemas.microsoft.com/office/powerpoint/2010/main" val="2091271766"/>
+        <p14:creationId xmlns:p14="http://schemas.microsoft.com/office/powerpoint/2010/main" xmlns="" val="2091271766"/>
       </p:ext>
     </p:extLst>
   </p:cSld>
@@ -564,7 +927,7 @@
           <p:cNvPr id="2" name="Vertical Title 1">
             <a:extLst>
               <a:ext uri="{FF2B5EF4-FFF2-40B4-BE49-F238E27FC236}">
-                <a16:creationId xmlns:a16="http://schemas.microsoft.com/office/drawing/2014/main" id="{609B54B1-F435-4366-91BB-7050574D214E}"/>
+                <a16:creationId xmlns:a16="http://schemas.microsoft.com/office/drawing/2014/main" xmlns="" id="{609B54B1-F435-4366-91BB-7050574D214E}"/>
               </a:ext>
             </a:extLst>
           </p:cNvPr>
@@ -598,7 +961,7 @@
           <p:cNvPr id="3" name="Vertical Text Placeholder 2">
             <a:extLst>
               <a:ext uri="{FF2B5EF4-FFF2-40B4-BE49-F238E27FC236}">
-                <a16:creationId xmlns:a16="http://schemas.microsoft.com/office/drawing/2014/main" id="{1A24D014-F11E-45DF-83E6-5EC80775AC78}"/>
+                <a16:creationId xmlns:a16="http://schemas.microsoft.com/office/drawing/2014/main" xmlns="" id="{1A24D014-F11E-45DF-83E6-5EC80775AC78}"/>
               </a:ext>
             </a:extLst>
           </p:cNvPr>
@@ -661,7 +1024,7 @@
           <p:cNvPr id="4" name="Date Placeholder 3">
             <a:extLst>
               <a:ext uri="{FF2B5EF4-FFF2-40B4-BE49-F238E27FC236}">
-                <a16:creationId xmlns:a16="http://schemas.microsoft.com/office/drawing/2014/main" id="{61102AC7-0196-4219-9FE7-3F8F1F615CD9}"/>
+                <a16:creationId xmlns:a16="http://schemas.microsoft.com/office/drawing/2014/main" xmlns="" id="{61102AC7-0196-4219-9FE7-3F8F1F615CD9}"/>
               </a:ext>
             </a:extLst>
           </p:cNvPr>
@@ -677,45 +1040,49 @@
           <a:bodyPr/>
           <a:lstStyle/>
           <a:p>
-            <a:fld id="{BA759A12-2595-43BB-889B-763B23529FAF}" type="datetimeFigureOut">
+            <a:r>
+              <a:rPr lang="en-US" smtClean="0"/>
+              <a:t>Adhil &amp; Aritra</a:t>
+            </a:r>
+            <a:endParaRPr lang="en-CA"/>
+          </a:p>
+        </p:txBody>
+      </p:sp>
+      <p:sp>
+        <p:nvSpPr>
+          <p:cNvPr id="5" name="Footer Placeholder 4">
+            <a:extLst>
+              <a:ext uri="{FF2B5EF4-FFF2-40B4-BE49-F238E27FC236}">
+                <a16:creationId xmlns:a16="http://schemas.microsoft.com/office/drawing/2014/main" xmlns="" id="{52C106A2-D471-43E9-9813-E708B5BA3FD8}"/>
+              </a:ext>
+            </a:extLst>
+          </p:cNvPr>
+          <p:cNvSpPr>
+            <a:spLocks noGrp="1"/>
+          </p:cNvSpPr>
+          <p:nvPr>
+            <p:ph type="ftr" sz="quarter" idx="11"/>
+          </p:nvPr>
+        </p:nvSpPr>
+        <p:spPr/>
+        <p:txBody>
+          <a:bodyPr/>
+          <a:lstStyle/>
+          <a:p>
+            <a:r>
               <a:rPr lang="en-CA" smtClean="0"/>
-              <a:t>2023-03-11</a:t>
-            </a:fld>
+              <a:t>Midway Report</a:t>
+            </a:r>
             <a:endParaRPr lang="en-CA"/>
           </a:p>
         </p:txBody>
       </p:sp>
       <p:sp>
         <p:nvSpPr>
-          <p:cNvPr id="5" name="Footer Placeholder 4">
-            <a:extLst>
-              <a:ext uri="{FF2B5EF4-FFF2-40B4-BE49-F238E27FC236}">
-                <a16:creationId xmlns:a16="http://schemas.microsoft.com/office/drawing/2014/main" id="{52C106A2-D471-43E9-9813-E708B5BA3FD8}"/>
-              </a:ext>
-            </a:extLst>
-          </p:cNvPr>
-          <p:cNvSpPr>
-            <a:spLocks noGrp="1"/>
-          </p:cNvSpPr>
-          <p:nvPr>
-            <p:ph type="ftr" sz="quarter" idx="11"/>
-          </p:nvPr>
-        </p:nvSpPr>
-        <p:spPr/>
-        <p:txBody>
-          <a:bodyPr/>
-          <a:lstStyle/>
-          <a:p>
-            <a:endParaRPr lang="en-CA"/>
-          </a:p>
-        </p:txBody>
-      </p:sp>
-      <p:sp>
-        <p:nvSpPr>
           <p:cNvPr id="6" name="Slide Number Placeholder 5">
             <a:extLst>
               <a:ext uri="{FF2B5EF4-FFF2-40B4-BE49-F238E27FC236}">
-                <a16:creationId xmlns:a16="http://schemas.microsoft.com/office/drawing/2014/main" id="{DEB9E1C8-4167-4491-8641-0A18BCBF2D5F}"/>
+                <a16:creationId xmlns:a16="http://schemas.microsoft.com/office/drawing/2014/main" xmlns="" id="{DEB9E1C8-4167-4491-8641-0A18BCBF2D5F}"/>
               </a:ext>
             </a:extLst>
           </p:cNvPr>
@@ -733,6 +1100,7 @@
           <a:p>
             <a:fld id="{A615E1DC-8E13-4503-89D3-46AAEB115BB1}" type="slidenum">
               <a:rPr lang="en-CA" smtClean="0"/>
+              <a:pPr/>
               <a:t>‹#›</a:t>
             </a:fld>
             <a:endParaRPr lang="en-CA"/>
@@ -742,7 +1110,7 @@
     </p:spTree>
     <p:extLst>
       <p:ext uri="{BB962C8B-B14F-4D97-AF65-F5344CB8AC3E}">
-        <p14:creationId xmlns:p14="http://schemas.microsoft.com/office/powerpoint/2010/main" val="678606908"/>
+        <p14:creationId xmlns:p14="http://schemas.microsoft.com/office/powerpoint/2010/main" xmlns="" val="678606908"/>
       </p:ext>
     </p:extLst>
   </p:cSld>
@@ -774,7 +1142,7 @@
           <p:cNvPr id="2" name="Title 1">
             <a:extLst>
               <a:ext uri="{FF2B5EF4-FFF2-40B4-BE49-F238E27FC236}">
-                <a16:creationId xmlns:a16="http://schemas.microsoft.com/office/drawing/2014/main" id="{91554E66-F3C8-4DD2-AA16-2CC40C8D314A}"/>
+                <a16:creationId xmlns:a16="http://schemas.microsoft.com/office/drawing/2014/main" xmlns="" id="{91554E66-F3C8-4DD2-AA16-2CC40C8D314A}"/>
               </a:ext>
             </a:extLst>
           </p:cNvPr>
@@ -803,7 +1171,7 @@
           <p:cNvPr id="3" name="Content Placeholder 2">
             <a:extLst>
               <a:ext uri="{FF2B5EF4-FFF2-40B4-BE49-F238E27FC236}">
-                <a16:creationId xmlns:a16="http://schemas.microsoft.com/office/drawing/2014/main" id="{E14F265B-3F65-4B16-AFC4-5DA823FAE331}"/>
+                <a16:creationId xmlns:a16="http://schemas.microsoft.com/office/drawing/2014/main" xmlns="" id="{E14F265B-3F65-4B16-AFC4-5DA823FAE331}"/>
               </a:ext>
             </a:extLst>
           </p:cNvPr>
@@ -861,7 +1229,7 @@
           <p:cNvPr id="4" name="Date Placeholder 3">
             <a:extLst>
               <a:ext uri="{FF2B5EF4-FFF2-40B4-BE49-F238E27FC236}">
-                <a16:creationId xmlns:a16="http://schemas.microsoft.com/office/drawing/2014/main" id="{CA2D8282-96E9-4C86-8F74-EF231DF3471E}"/>
+                <a16:creationId xmlns:a16="http://schemas.microsoft.com/office/drawing/2014/main" xmlns="" id="{CA2D8282-96E9-4C86-8F74-EF231DF3471E}"/>
               </a:ext>
             </a:extLst>
           </p:cNvPr>
@@ -877,45 +1245,49 @@
           <a:bodyPr/>
           <a:lstStyle/>
           <a:p>
-            <a:fld id="{BA759A12-2595-43BB-889B-763B23529FAF}" type="datetimeFigureOut">
+            <a:r>
+              <a:rPr lang="en-US" smtClean="0"/>
+              <a:t>Adhil &amp; Aritra</a:t>
+            </a:r>
+            <a:endParaRPr lang="en-CA"/>
+          </a:p>
+        </p:txBody>
+      </p:sp>
+      <p:sp>
+        <p:nvSpPr>
+          <p:cNvPr id="5" name="Footer Placeholder 4">
+            <a:extLst>
+              <a:ext uri="{FF2B5EF4-FFF2-40B4-BE49-F238E27FC236}">
+                <a16:creationId xmlns:a16="http://schemas.microsoft.com/office/drawing/2014/main" xmlns="" id="{BEDD001A-1896-4CDA-A4D6-12C93B5D7073}"/>
+              </a:ext>
+            </a:extLst>
+          </p:cNvPr>
+          <p:cNvSpPr>
+            <a:spLocks noGrp="1"/>
+          </p:cNvSpPr>
+          <p:nvPr>
+            <p:ph type="ftr" sz="quarter" idx="11"/>
+          </p:nvPr>
+        </p:nvSpPr>
+        <p:spPr/>
+        <p:txBody>
+          <a:bodyPr/>
+          <a:lstStyle/>
+          <a:p>
+            <a:r>
               <a:rPr lang="en-CA" smtClean="0"/>
-              <a:t>2023-03-11</a:t>
-            </a:fld>
+              <a:t>Midway Report</a:t>
+            </a:r>
             <a:endParaRPr lang="en-CA"/>
           </a:p>
         </p:txBody>
       </p:sp>
       <p:sp>
         <p:nvSpPr>
-          <p:cNvPr id="5" name="Footer Placeholder 4">
-            <a:extLst>
-              <a:ext uri="{FF2B5EF4-FFF2-40B4-BE49-F238E27FC236}">
-                <a16:creationId xmlns:a16="http://schemas.microsoft.com/office/drawing/2014/main" id="{BEDD001A-1896-4CDA-A4D6-12C93B5D7073}"/>
-              </a:ext>
-            </a:extLst>
-          </p:cNvPr>
-          <p:cNvSpPr>
-            <a:spLocks noGrp="1"/>
-          </p:cNvSpPr>
-          <p:nvPr>
-            <p:ph type="ftr" sz="quarter" idx="11"/>
-          </p:nvPr>
-        </p:nvSpPr>
-        <p:spPr/>
-        <p:txBody>
-          <a:bodyPr/>
-          <a:lstStyle/>
-          <a:p>
-            <a:endParaRPr lang="en-CA"/>
-          </a:p>
-        </p:txBody>
-      </p:sp>
-      <p:sp>
-        <p:nvSpPr>
           <p:cNvPr id="6" name="Slide Number Placeholder 5">
             <a:extLst>
               <a:ext uri="{FF2B5EF4-FFF2-40B4-BE49-F238E27FC236}">
-                <a16:creationId xmlns:a16="http://schemas.microsoft.com/office/drawing/2014/main" id="{34AC51D1-866B-4258-864B-E0600DBD9DBA}"/>
+                <a16:creationId xmlns:a16="http://schemas.microsoft.com/office/drawing/2014/main" xmlns="" id="{34AC51D1-866B-4258-864B-E0600DBD9DBA}"/>
               </a:ext>
             </a:extLst>
           </p:cNvPr>
@@ -933,6 +1305,7 @@
           <a:p>
             <a:fld id="{A615E1DC-8E13-4503-89D3-46AAEB115BB1}" type="slidenum">
               <a:rPr lang="en-CA" smtClean="0"/>
+              <a:pPr/>
               <a:t>‹#›</a:t>
             </a:fld>
             <a:endParaRPr lang="en-CA"/>
@@ -942,7 +1315,7 @@
     </p:spTree>
     <p:extLst>
       <p:ext uri="{BB962C8B-B14F-4D97-AF65-F5344CB8AC3E}">
-        <p14:creationId xmlns:p14="http://schemas.microsoft.com/office/powerpoint/2010/main" val="504026215"/>
+        <p14:creationId xmlns:p14="http://schemas.microsoft.com/office/powerpoint/2010/main" xmlns="" val="504026215"/>
       </p:ext>
     </p:extLst>
   </p:cSld>
@@ -974,7 +1347,7 @@
           <p:cNvPr id="2" name="Title 1">
             <a:extLst>
               <a:ext uri="{FF2B5EF4-FFF2-40B4-BE49-F238E27FC236}">
-                <a16:creationId xmlns:a16="http://schemas.microsoft.com/office/drawing/2014/main" id="{BD305B5D-3FB8-41B2-99FD-002B6B99F82A}"/>
+                <a16:creationId xmlns:a16="http://schemas.microsoft.com/office/drawing/2014/main" xmlns="" id="{BD305B5D-3FB8-41B2-99FD-002B6B99F82A}"/>
               </a:ext>
             </a:extLst>
           </p:cNvPr>
@@ -1012,7 +1385,7 @@
           <p:cNvPr id="3" name="Text Placeholder 2">
             <a:extLst>
               <a:ext uri="{FF2B5EF4-FFF2-40B4-BE49-F238E27FC236}">
-                <a16:creationId xmlns:a16="http://schemas.microsoft.com/office/drawing/2014/main" id="{CABA14D0-36B1-42F5-A499-65D3E43B59B5}"/>
+                <a16:creationId xmlns:a16="http://schemas.microsoft.com/office/drawing/2014/main" xmlns="" id="{CABA14D0-36B1-42F5-A499-65D3E43B59B5}"/>
               </a:ext>
             </a:extLst>
           </p:cNvPr>
@@ -1137,7 +1510,7 @@
           <p:cNvPr id="4" name="Date Placeholder 3">
             <a:extLst>
               <a:ext uri="{FF2B5EF4-FFF2-40B4-BE49-F238E27FC236}">
-                <a16:creationId xmlns:a16="http://schemas.microsoft.com/office/drawing/2014/main" id="{2F988974-BFDB-49D7-8C27-75FFCFC45CFB}"/>
+                <a16:creationId xmlns:a16="http://schemas.microsoft.com/office/drawing/2014/main" xmlns="" id="{2F988974-BFDB-49D7-8C27-75FFCFC45CFB}"/>
               </a:ext>
             </a:extLst>
           </p:cNvPr>
@@ -1153,45 +1526,49 @@
           <a:bodyPr/>
           <a:lstStyle/>
           <a:p>
-            <a:fld id="{BA759A12-2595-43BB-889B-763B23529FAF}" type="datetimeFigureOut">
+            <a:r>
+              <a:rPr lang="en-US" smtClean="0"/>
+              <a:t>Adhil &amp; Aritra</a:t>
+            </a:r>
+            <a:endParaRPr lang="en-CA"/>
+          </a:p>
+        </p:txBody>
+      </p:sp>
+      <p:sp>
+        <p:nvSpPr>
+          <p:cNvPr id="5" name="Footer Placeholder 4">
+            <a:extLst>
+              <a:ext uri="{FF2B5EF4-FFF2-40B4-BE49-F238E27FC236}">
+                <a16:creationId xmlns:a16="http://schemas.microsoft.com/office/drawing/2014/main" xmlns="" id="{60145551-4F43-4BBF-8674-17E7A56720B3}"/>
+              </a:ext>
+            </a:extLst>
+          </p:cNvPr>
+          <p:cNvSpPr>
+            <a:spLocks noGrp="1"/>
+          </p:cNvSpPr>
+          <p:nvPr>
+            <p:ph type="ftr" sz="quarter" idx="11"/>
+          </p:nvPr>
+        </p:nvSpPr>
+        <p:spPr/>
+        <p:txBody>
+          <a:bodyPr/>
+          <a:lstStyle/>
+          <a:p>
+            <a:r>
               <a:rPr lang="en-CA" smtClean="0"/>
-              <a:t>2023-03-11</a:t>
-            </a:fld>
+              <a:t>Midway Report</a:t>
+            </a:r>
             <a:endParaRPr lang="en-CA"/>
           </a:p>
         </p:txBody>
       </p:sp>
       <p:sp>
         <p:nvSpPr>
-          <p:cNvPr id="5" name="Footer Placeholder 4">
-            <a:extLst>
-              <a:ext uri="{FF2B5EF4-FFF2-40B4-BE49-F238E27FC236}">
-                <a16:creationId xmlns:a16="http://schemas.microsoft.com/office/drawing/2014/main" id="{60145551-4F43-4BBF-8674-17E7A56720B3}"/>
-              </a:ext>
-            </a:extLst>
-          </p:cNvPr>
-          <p:cNvSpPr>
-            <a:spLocks noGrp="1"/>
-          </p:cNvSpPr>
-          <p:nvPr>
-            <p:ph type="ftr" sz="quarter" idx="11"/>
-          </p:nvPr>
-        </p:nvSpPr>
-        <p:spPr/>
-        <p:txBody>
-          <a:bodyPr/>
-          <a:lstStyle/>
-          <a:p>
-            <a:endParaRPr lang="en-CA"/>
-          </a:p>
-        </p:txBody>
-      </p:sp>
-      <p:sp>
-        <p:nvSpPr>
           <p:cNvPr id="6" name="Slide Number Placeholder 5">
             <a:extLst>
               <a:ext uri="{FF2B5EF4-FFF2-40B4-BE49-F238E27FC236}">
-                <a16:creationId xmlns:a16="http://schemas.microsoft.com/office/drawing/2014/main" id="{D4909F18-18D1-4E18-B34E-08DA43768DA1}"/>
+                <a16:creationId xmlns:a16="http://schemas.microsoft.com/office/drawing/2014/main" xmlns="" id="{D4909F18-18D1-4E18-B34E-08DA43768DA1}"/>
               </a:ext>
             </a:extLst>
           </p:cNvPr>
@@ -1209,6 +1586,7 @@
           <a:p>
             <a:fld id="{A615E1DC-8E13-4503-89D3-46AAEB115BB1}" type="slidenum">
               <a:rPr lang="en-CA" smtClean="0"/>
+              <a:pPr/>
               <a:t>‹#›</a:t>
             </a:fld>
             <a:endParaRPr lang="en-CA"/>
@@ -1218,7 +1596,7 @@
     </p:spTree>
     <p:extLst>
       <p:ext uri="{BB962C8B-B14F-4D97-AF65-F5344CB8AC3E}">
-        <p14:creationId xmlns:p14="http://schemas.microsoft.com/office/powerpoint/2010/main" val="46360209"/>
+        <p14:creationId xmlns:p14="http://schemas.microsoft.com/office/powerpoint/2010/main" xmlns="" val="46360209"/>
       </p:ext>
     </p:extLst>
   </p:cSld>
@@ -1250,7 +1628,7 @@
           <p:cNvPr id="2" name="Title 1">
             <a:extLst>
               <a:ext uri="{FF2B5EF4-FFF2-40B4-BE49-F238E27FC236}">
-                <a16:creationId xmlns:a16="http://schemas.microsoft.com/office/drawing/2014/main" id="{C8383855-95FD-4EB2-AAF9-E2E6D9085EFD}"/>
+                <a16:creationId xmlns:a16="http://schemas.microsoft.com/office/drawing/2014/main" xmlns="" id="{C8383855-95FD-4EB2-AAF9-E2E6D9085EFD}"/>
               </a:ext>
             </a:extLst>
           </p:cNvPr>
@@ -1279,7 +1657,7 @@
           <p:cNvPr id="3" name="Content Placeholder 2">
             <a:extLst>
               <a:ext uri="{FF2B5EF4-FFF2-40B4-BE49-F238E27FC236}">
-                <a16:creationId xmlns:a16="http://schemas.microsoft.com/office/drawing/2014/main" id="{12112361-EF56-4C51-BAC2-05B4C2C95EF4}"/>
+                <a16:creationId xmlns:a16="http://schemas.microsoft.com/office/drawing/2014/main" xmlns="" id="{12112361-EF56-4C51-BAC2-05B4C2C95EF4}"/>
               </a:ext>
             </a:extLst>
           </p:cNvPr>
@@ -1342,7 +1720,7 @@
           <p:cNvPr id="4" name="Content Placeholder 3">
             <a:extLst>
               <a:ext uri="{FF2B5EF4-FFF2-40B4-BE49-F238E27FC236}">
-                <a16:creationId xmlns:a16="http://schemas.microsoft.com/office/drawing/2014/main" id="{98CD0FEA-3728-41C5-866E-A5D433C6BECC}"/>
+                <a16:creationId xmlns:a16="http://schemas.microsoft.com/office/drawing/2014/main" xmlns="" id="{98CD0FEA-3728-41C5-866E-A5D433C6BECC}"/>
               </a:ext>
             </a:extLst>
           </p:cNvPr>
@@ -1405,7 +1783,7 @@
           <p:cNvPr id="5" name="Date Placeholder 4">
             <a:extLst>
               <a:ext uri="{FF2B5EF4-FFF2-40B4-BE49-F238E27FC236}">
-                <a16:creationId xmlns:a16="http://schemas.microsoft.com/office/drawing/2014/main" id="{8F8EFF37-291B-44F0-A39A-DE116A0BE5E1}"/>
+                <a16:creationId xmlns:a16="http://schemas.microsoft.com/office/drawing/2014/main" xmlns="" id="{8F8EFF37-291B-44F0-A39A-DE116A0BE5E1}"/>
               </a:ext>
             </a:extLst>
           </p:cNvPr>
@@ -1421,45 +1799,49 @@
           <a:bodyPr/>
           <a:lstStyle/>
           <a:p>
-            <a:fld id="{BA759A12-2595-43BB-889B-763B23529FAF}" type="datetimeFigureOut">
+            <a:r>
+              <a:rPr lang="en-US" smtClean="0"/>
+              <a:t>Adhil &amp; Aritra</a:t>
+            </a:r>
+            <a:endParaRPr lang="en-CA"/>
+          </a:p>
+        </p:txBody>
+      </p:sp>
+      <p:sp>
+        <p:nvSpPr>
+          <p:cNvPr id="6" name="Footer Placeholder 5">
+            <a:extLst>
+              <a:ext uri="{FF2B5EF4-FFF2-40B4-BE49-F238E27FC236}">
+                <a16:creationId xmlns:a16="http://schemas.microsoft.com/office/drawing/2014/main" xmlns="" id="{4D2711D8-E96C-4F4E-BBB9-FD188256D10D}"/>
+              </a:ext>
+            </a:extLst>
+          </p:cNvPr>
+          <p:cNvSpPr>
+            <a:spLocks noGrp="1"/>
+          </p:cNvSpPr>
+          <p:nvPr>
+            <p:ph type="ftr" sz="quarter" idx="11"/>
+          </p:nvPr>
+        </p:nvSpPr>
+        <p:spPr/>
+        <p:txBody>
+          <a:bodyPr/>
+          <a:lstStyle/>
+          <a:p>
+            <a:r>
               <a:rPr lang="en-CA" smtClean="0"/>
-              <a:t>2023-03-11</a:t>
-            </a:fld>
+              <a:t>Midway Report</a:t>
+            </a:r>
             <a:endParaRPr lang="en-CA"/>
           </a:p>
         </p:txBody>
       </p:sp>
       <p:sp>
         <p:nvSpPr>
-          <p:cNvPr id="6" name="Footer Placeholder 5">
-            <a:extLst>
-              <a:ext uri="{FF2B5EF4-FFF2-40B4-BE49-F238E27FC236}">
-                <a16:creationId xmlns:a16="http://schemas.microsoft.com/office/drawing/2014/main" id="{4D2711D8-E96C-4F4E-BBB9-FD188256D10D}"/>
-              </a:ext>
-            </a:extLst>
-          </p:cNvPr>
-          <p:cNvSpPr>
-            <a:spLocks noGrp="1"/>
-          </p:cNvSpPr>
-          <p:nvPr>
-            <p:ph type="ftr" sz="quarter" idx="11"/>
-          </p:nvPr>
-        </p:nvSpPr>
-        <p:spPr/>
-        <p:txBody>
-          <a:bodyPr/>
-          <a:lstStyle/>
-          <a:p>
-            <a:endParaRPr lang="en-CA"/>
-          </a:p>
-        </p:txBody>
-      </p:sp>
-      <p:sp>
-        <p:nvSpPr>
           <p:cNvPr id="7" name="Slide Number Placeholder 6">
             <a:extLst>
               <a:ext uri="{FF2B5EF4-FFF2-40B4-BE49-F238E27FC236}">
-                <a16:creationId xmlns:a16="http://schemas.microsoft.com/office/drawing/2014/main" id="{B389AAB8-8903-403D-8C23-213AFACE37C6}"/>
+                <a16:creationId xmlns:a16="http://schemas.microsoft.com/office/drawing/2014/main" xmlns="" id="{B389AAB8-8903-403D-8C23-213AFACE37C6}"/>
               </a:ext>
             </a:extLst>
           </p:cNvPr>
@@ -1477,6 +1859,7 @@
           <a:p>
             <a:fld id="{A615E1DC-8E13-4503-89D3-46AAEB115BB1}" type="slidenum">
               <a:rPr lang="en-CA" smtClean="0"/>
+              <a:pPr/>
               <a:t>‹#›</a:t>
             </a:fld>
             <a:endParaRPr lang="en-CA"/>
@@ -1486,7 +1869,7 @@
     </p:spTree>
     <p:extLst>
       <p:ext uri="{BB962C8B-B14F-4D97-AF65-F5344CB8AC3E}">
-        <p14:creationId xmlns:p14="http://schemas.microsoft.com/office/powerpoint/2010/main" val="352329371"/>
+        <p14:creationId xmlns:p14="http://schemas.microsoft.com/office/powerpoint/2010/main" xmlns="" val="352329371"/>
       </p:ext>
     </p:extLst>
   </p:cSld>
@@ -1518,7 +1901,7 @@
           <p:cNvPr id="2" name="Title 1">
             <a:extLst>
               <a:ext uri="{FF2B5EF4-FFF2-40B4-BE49-F238E27FC236}">
-                <a16:creationId xmlns:a16="http://schemas.microsoft.com/office/drawing/2014/main" id="{8467C6F9-8323-4ADF-89EC-B6ECAA8CB00D}"/>
+                <a16:creationId xmlns:a16="http://schemas.microsoft.com/office/drawing/2014/main" xmlns="" id="{8467C6F9-8323-4ADF-89EC-B6ECAA8CB00D}"/>
               </a:ext>
             </a:extLst>
           </p:cNvPr>
@@ -1552,7 +1935,7 @@
           <p:cNvPr id="3" name="Text Placeholder 2">
             <a:extLst>
               <a:ext uri="{FF2B5EF4-FFF2-40B4-BE49-F238E27FC236}">
-                <a16:creationId xmlns:a16="http://schemas.microsoft.com/office/drawing/2014/main" id="{532F469E-D8D8-4D5E-835B-1D7BDF87D1D1}"/>
+                <a16:creationId xmlns:a16="http://schemas.microsoft.com/office/drawing/2014/main" xmlns="" id="{532F469E-D8D8-4D5E-835B-1D7BDF87D1D1}"/>
               </a:ext>
             </a:extLst>
           </p:cNvPr>
@@ -1623,7 +2006,7 @@
           <p:cNvPr id="4" name="Content Placeholder 3">
             <a:extLst>
               <a:ext uri="{FF2B5EF4-FFF2-40B4-BE49-F238E27FC236}">
-                <a16:creationId xmlns:a16="http://schemas.microsoft.com/office/drawing/2014/main" id="{4F57369A-BE23-4C77-A663-259A2D3D25DE}"/>
+                <a16:creationId xmlns:a16="http://schemas.microsoft.com/office/drawing/2014/main" xmlns="" id="{4F57369A-BE23-4C77-A663-259A2D3D25DE}"/>
               </a:ext>
             </a:extLst>
           </p:cNvPr>
@@ -1686,7 +2069,7 @@
           <p:cNvPr id="5" name="Text Placeholder 4">
             <a:extLst>
               <a:ext uri="{FF2B5EF4-FFF2-40B4-BE49-F238E27FC236}">
-                <a16:creationId xmlns:a16="http://schemas.microsoft.com/office/drawing/2014/main" id="{D5B2CEDB-772A-4EC7-B022-6210F4A0D91D}"/>
+                <a16:creationId xmlns:a16="http://schemas.microsoft.com/office/drawing/2014/main" xmlns="" id="{D5B2CEDB-772A-4EC7-B022-6210F4A0D91D}"/>
               </a:ext>
             </a:extLst>
           </p:cNvPr>
@@ -1757,7 +2140,7 @@
           <p:cNvPr id="6" name="Content Placeholder 5">
             <a:extLst>
               <a:ext uri="{FF2B5EF4-FFF2-40B4-BE49-F238E27FC236}">
-                <a16:creationId xmlns:a16="http://schemas.microsoft.com/office/drawing/2014/main" id="{CB89B29B-22E1-4FEA-880E-4525549F16B0}"/>
+                <a16:creationId xmlns:a16="http://schemas.microsoft.com/office/drawing/2014/main" xmlns="" id="{CB89B29B-22E1-4FEA-880E-4525549F16B0}"/>
               </a:ext>
             </a:extLst>
           </p:cNvPr>
@@ -1820,7 +2203,7 @@
           <p:cNvPr id="7" name="Date Placeholder 6">
             <a:extLst>
               <a:ext uri="{FF2B5EF4-FFF2-40B4-BE49-F238E27FC236}">
-                <a16:creationId xmlns:a16="http://schemas.microsoft.com/office/drawing/2014/main" id="{6FB5372E-3382-4927-A559-B9E183A2949B}"/>
+                <a16:creationId xmlns:a16="http://schemas.microsoft.com/office/drawing/2014/main" xmlns="" id="{6FB5372E-3382-4927-A559-B9E183A2949B}"/>
               </a:ext>
             </a:extLst>
           </p:cNvPr>
@@ -1836,45 +2219,49 @@
           <a:bodyPr/>
           <a:lstStyle/>
           <a:p>
-            <a:fld id="{BA759A12-2595-43BB-889B-763B23529FAF}" type="datetimeFigureOut">
+            <a:r>
+              <a:rPr lang="en-US" smtClean="0"/>
+              <a:t>Adhil &amp; Aritra</a:t>
+            </a:r>
+            <a:endParaRPr lang="en-CA"/>
+          </a:p>
+        </p:txBody>
+      </p:sp>
+      <p:sp>
+        <p:nvSpPr>
+          <p:cNvPr id="8" name="Footer Placeholder 7">
+            <a:extLst>
+              <a:ext uri="{FF2B5EF4-FFF2-40B4-BE49-F238E27FC236}">
+                <a16:creationId xmlns:a16="http://schemas.microsoft.com/office/drawing/2014/main" xmlns="" id="{047A6A65-749B-4735-8BDE-A6432588D659}"/>
+              </a:ext>
+            </a:extLst>
+          </p:cNvPr>
+          <p:cNvSpPr>
+            <a:spLocks noGrp="1"/>
+          </p:cNvSpPr>
+          <p:nvPr>
+            <p:ph type="ftr" sz="quarter" idx="11"/>
+          </p:nvPr>
+        </p:nvSpPr>
+        <p:spPr/>
+        <p:txBody>
+          <a:bodyPr/>
+          <a:lstStyle/>
+          <a:p>
+            <a:r>
               <a:rPr lang="en-CA" smtClean="0"/>
-              <a:t>2023-03-11</a:t>
-            </a:fld>
+              <a:t>Midway Report</a:t>
+            </a:r>
             <a:endParaRPr lang="en-CA"/>
           </a:p>
         </p:txBody>
       </p:sp>
       <p:sp>
         <p:nvSpPr>
-          <p:cNvPr id="8" name="Footer Placeholder 7">
-            <a:extLst>
-              <a:ext uri="{FF2B5EF4-FFF2-40B4-BE49-F238E27FC236}">
-                <a16:creationId xmlns:a16="http://schemas.microsoft.com/office/drawing/2014/main" id="{047A6A65-749B-4735-8BDE-A6432588D659}"/>
-              </a:ext>
-            </a:extLst>
-          </p:cNvPr>
-          <p:cNvSpPr>
-            <a:spLocks noGrp="1"/>
-          </p:cNvSpPr>
-          <p:nvPr>
-            <p:ph type="ftr" sz="quarter" idx="11"/>
-          </p:nvPr>
-        </p:nvSpPr>
-        <p:spPr/>
-        <p:txBody>
-          <a:bodyPr/>
-          <a:lstStyle/>
-          <a:p>
-            <a:endParaRPr lang="en-CA"/>
-          </a:p>
-        </p:txBody>
-      </p:sp>
-      <p:sp>
-        <p:nvSpPr>
           <p:cNvPr id="9" name="Slide Number Placeholder 8">
             <a:extLst>
               <a:ext uri="{FF2B5EF4-FFF2-40B4-BE49-F238E27FC236}">
-                <a16:creationId xmlns:a16="http://schemas.microsoft.com/office/drawing/2014/main" id="{7ECDD799-D94A-471B-8426-5DC881FF0D77}"/>
+                <a16:creationId xmlns:a16="http://schemas.microsoft.com/office/drawing/2014/main" xmlns="" id="{7ECDD799-D94A-471B-8426-5DC881FF0D77}"/>
               </a:ext>
             </a:extLst>
           </p:cNvPr>
@@ -1892,6 +2279,7 @@
           <a:p>
             <a:fld id="{A615E1DC-8E13-4503-89D3-46AAEB115BB1}" type="slidenum">
               <a:rPr lang="en-CA" smtClean="0"/>
+              <a:pPr/>
               <a:t>‹#›</a:t>
             </a:fld>
             <a:endParaRPr lang="en-CA"/>
@@ -1901,7 +2289,7 @@
     </p:spTree>
     <p:extLst>
       <p:ext uri="{BB962C8B-B14F-4D97-AF65-F5344CB8AC3E}">
-        <p14:creationId xmlns:p14="http://schemas.microsoft.com/office/powerpoint/2010/main" val="2646864200"/>
+        <p14:creationId xmlns:p14="http://schemas.microsoft.com/office/powerpoint/2010/main" xmlns="" val="2646864200"/>
       </p:ext>
     </p:extLst>
   </p:cSld>
@@ -1933,7 +2321,7 @@
           <p:cNvPr id="2" name="Title 1">
             <a:extLst>
               <a:ext uri="{FF2B5EF4-FFF2-40B4-BE49-F238E27FC236}">
-                <a16:creationId xmlns:a16="http://schemas.microsoft.com/office/drawing/2014/main" id="{67620BA1-F5FB-4DD5-A6B6-ADA552A2D56D}"/>
+                <a16:creationId xmlns:a16="http://schemas.microsoft.com/office/drawing/2014/main" xmlns="" id="{67620BA1-F5FB-4DD5-A6B6-ADA552A2D56D}"/>
               </a:ext>
             </a:extLst>
           </p:cNvPr>
@@ -1962,7 +2350,7 @@
           <p:cNvPr id="3" name="Date Placeholder 2">
             <a:extLst>
               <a:ext uri="{FF2B5EF4-FFF2-40B4-BE49-F238E27FC236}">
-                <a16:creationId xmlns:a16="http://schemas.microsoft.com/office/drawing/2014/main" id="{277362D3-3352-478C-B2B6-3680F61D10DB}"/>
+                <a16:creationId xmlns:a16="http://schemas.microsoft.com/office/drawing/2014/main" xmlns="" id="{277362D3-3352-478C-B2B6-3680F61D10DB}"/>
               </a:ext>
             </a:extLst>
           </p:cNvPr>
@@ -1978,45 +2366,49 @@
           <a:bodyPr/>
           <a:lstStyle/>
           <a:p>
-            <a:fld id="{BA759A12-2595-43BB-889B-763B23529FAF}" type="datetimeFigureOut">
+            <a:r>
+              <a:rPr lang="en-US" smtClean="0"/>
+              <a:t>Adhil &amp; Aritra</a:t>
+            </a:r>
+            <a:endParaRPr lang="en-CA"/>
+          </a:p>
+        </p:txBody>
+      </p:sp>
+      <p:sp>
+        <p:nvSpPr>
+          <p:cNvPr id="4" name="Footer Placeholder 3">
+            <a:extLst>
+              <a:ext uri="{FF2B5EF4-FFF2-40B4-BE49-F238E27FC236}">
+                <a16:creationId xmlns:a16="http://schemas.microsoft.com/office/drawing/2014/main" xmlns="" id="{F38B60F5-3450-40CD-A5AB-5B01ADB1D25F}"/>
+              </a:ext>
+            </a:extLst>
+          </p:cNvPr>
+          <p:cNvSpPr>
+            <a:spLocks noGrp="1"/>
+          </p:cNvSpPr>
+          <p:nvPr>
+            <p:ph type="ftr" sz="quarter" idx="11"/>
+          </p:nvPr>
+        </p:nvSpPr>
+        <p:spPr/>
+        <p:txBody>
+          <a:bodyPr/>
+          <a:lstStyle/>
+          <a:p>
+            <a:r>
               <a:rPr lang="en-CA" smtClean="0"/>
-              <a:t>2023-03-11</a:t>
-            </a:fld>
+              <a:t>Midway Report</a:t>
+            </a:r>
             <a:endParaRPr lang="en-CA"/>
           </a:p>
         </p:txBody>
       </p:sp>
       <p:sp>
         <p:nvSpPr>
-          <p:cNvPr id="4" name="Footer Placeholder 3">
-            <a:extLst>
-              <a:ext uri="{FF2B5EF4-FFF2-40B4-BE49-F238E27FC236}">
-                <a16:creationId xmlns:a16="http://schemas.microsoft.com/office/drawing/2014/main" id="{F38B60F5-3450-40CD-A5AB-5B01ADB1D25F}"/>
-              </a:ext>
-            </a:extLst>
-          </p:cNvPr>
-          <p:cNvSpPr>
-            <a:spLocks noGrp="1"/>
-          </p:cNvSpPr>
-          <p:nvPr>
-            <p:ph type="ftr" sz="quarter" idx="11"/>
-          </p:nvPr>
-        </p:nvSpPr>
-        <p:spPr/>
-        <p:txBody>
-          <a:bodyPr/>
-          <a:lstStyle/>
-          <a:p>
-            <a:endParaRPr lang="en-CA"/>
-          </a:p>
-        </p:txBody>
-      </p:sp>
-      <p:sp>
-        <p:nvSpPr>
           <p:cNvPr id="5" name="Slide Number Placeholder 4">
             <a:extLst>
               <a:ext uri="{FF2B5EF4-FFF2-40B4-BE49-F238E27FC236}">
-                <a16:creationId xmlns:a16="http://schemas.microsoft.com/office/drawing/2014/main" id="{08DF4E6C-A8F7-4BC3-B4A1-C87989BCECCE}"/>
+                <a16:creationId xmlns:a16="http://schemas.microsoft.com/office/drawing/2014/main" xmlns="" id="{08DF4E6C-A8F7-4BC3-B4A1-C87989BCECCE}"/>
               </a:ext>
             </a:extLst>
           </p:cNvPr>
@@ -2034,6 +2426,7 @@
           <a:p>
             <a:fld id="{A615E1DC-8E13-4503-89D3-46AAEB115BB1}" type="slidenum">
               <a:rPr lang="en-CA" smtClean="0"/>
+              <a:pPr/>
               <a:t>‹#›</a:t>
             </a:fld>
             <a:endParaRPr lang="en-CA"/>
@@ -2043,7 +2436,7 @@
     </p:spTree>
     <p:extLst>
       <p:ext uri="{BB962C8B-B14F-4D97-AF65-F5344CB8AC3E}">
-        <p14:creationId xmlns:p14="http://schemas.microsoft.com/office/powerpoint/2010/main" val="1990315758"/>
+        <p14:creationId xmlns:p14="http://schemas.microsoft.com/office/powerpoint/2010/main" xmlns="" val="1990315758"/>
       </p:ext>
     </p:extLst>
   </p:cSld>
@@ -2075,7 +2468,7 @@
           <p:cNvPr id="2" name="Date Placeholder 1">
             <a:extLst>
               <a:ext uri="{FF2B5EF4-FFF2-40B4-BE49-F238E27FC236}">
-                <a16:creationId xmlns:a16="http://schemas.microsoft.com/office/drawing/2014/main" id="{41B97A1C-F588-4B91-BD02-B3010E3F5318}"/>
+                <a16:creationId xmlns:a16="http://schemas.microsoft.com/office/drawing/2014/main" xmlns="" id="{41B97A1C-F588-4B91-BD02-B3010E3F5318}"/>
               </a:ext>
             </a:extLst>
           </p:cNvPr>
@@ -2091,45 +2484,49 @@
           <a:bodyPr/>
           <a:lstStyle/>
           <a:p>
-            <a:fld id="{BA759A12-2595-43BB-889B-763B23529FAF}" type="datetimeFigureOut">
+            <a:r>
+              <a:rPr lang="en-US" smtClean="0"/>
+              <a:t>Adhil &amp; Aritra</a:t>
+            </a:r>
+            <a:endParaRPr lang="en-CA"/>
+          </a:p>
+        </p:txBody>
+      </p:sp>
+      <p:sp>
+        <p:nvSpPr>
+          <p:cNvPr id="3" name="Footer Placeholder 2">
+            <a:extLst>
+              <a:ext uri="{FF2B5EF4-FFF2-40B4-BE49-F238E27FC236}">
+                <a16:creationId xmlns:a16="http://schemas.microsoft.com/office/drawing/2014/main" xmlns="" id="{38E4AC1F-0595-49E5-833E-E884F4A660EA}"/>
+              </a:ext>
+            </a:extLst>
+          </p:cNvPr>
+          <p:cNvSpPr>
+            <a:spLocks noGrp="1"/>
+          </p:cNvSpPr>
+          <p:nvPr>
+            <p:ph type="ftr" sz="quarter" idx="11"/>
+          </p:nvPr>
+        </p:nvSpPr>
+        <p:spPr/>
+        <p:txBody>
+          <a:bodyPr/>
+          <a:lstStyle/>
+          <a:p>
+            <a:r>
               <a:rPr lang="en-CA" smtClean="0"/>
-              <a:t>2023-03-11</a:t>
-            </a:fld>
+              <a:t>Midway Report</a:t>
+            </a:r>
             <a:endParaRPr lang="en-CA"/>
           </a:p>
         </p:txBody>
       </p:sp>
       <p:sp>
         <p:nvSpPr>
-          <p:cNvPr id="3" name="Footer Placeholder 2">
-            <a:extLst>
-              <a:ext uri="{FF2B5EF4-FFF2-40B4-BE49-F238E27FC236}">
-                <a16:creationId xmlns:a16="http://schemas.microsoft.com/office/drawing/2014/main" id="{38E4AC1F-0595-49E5-833E-E884F4A660EA}"/>
-              </a:ext>
-            </a:extLst>
-          </p:cNvPr>
-          <p:cNvSpPr>
-            <a:spLocks noGrp="1"/>
-          </p:cNvSpPr>
-          <p:nvPr>
-            <p:ph type="ftr" sz="quarter" idx="11"/>
-          </p:nvPr>
-        </p:nvSpPr>
-        <p:spPr/>
-        <p:txBody>
-          <a:bodyPr/>
-          <a:lstStyle/>
-          <a:p>
-            <a:endParaRPr lang="en-CA"/>
-          </a:p>
-        </p:txBody>
-      </p:sp>
-      <p:sp>
-        <p:nvSpPr>
           <p:cNvPr id="4" name="Slide Number Placeholder 3">
             <a:extLst>
               <a:ext uri="{FF2B5EF4-FFF2-40B4-BE49-F238E27FC236}">
-                <a16:creationId xmlns:a16="http://schemas.microsoft.com/office/drawing/2014/main" id="{40E08EED-84FC-4217-84E9-196A2D66F463}"/>
+                <a16:creationId xmlns:a16="http://schemas.microsoft.com/office/drawing/2014/main" xmlns="" id="{40E08EED-84FC-4217-84E9-196A2D66F463}"/>
               </a:ext>
             </a:extLst>
           </p:cNvPr>
@@ -2147,6 +2544,7 @@
           <a:p>
             <a:fld id="{A615E1DC-8E13-4503-89D3-46AAEB115BB1}" type="slidenum">
               <a:rPr lang="en-CA" smtClean="0"/>
+              <a:pPr/>
               <a:t>‹#›</a:t>
             </a:fld>
             <a:endParaRPr lang="en-CA"/>
@@ -2156,7 +2554,7 @@
     </p:spTree>
     <p:extLst>
       <p:ext uri="{BB962C8B-B14F-4D97-AF65-F5344CB8AC3E}">
-        <p14:creationId xmlns:p14="http://schemas.microsoft.com/office/powerpoint/2010/main" val="3657552976"/>
+        <p14:creationId xmlns:p14="http://schemas.microsoft.com/office/powerpoint/2010/main" xmlns="" val="3657552976"/>
       </p:ext>
     </p:extLst>
   </p:cSld>
@@ -2188,7 +2586,7 @@
           <p:cNvPr id="2" name="Title 1">
             <a:extLst>
               <a:ext uri="{FF2B5EF4-FFF2-40B4-BE49-F238E27FC236}">
-                <a16:creationId xmlns:a16="http://schemas.microsoft.com/office/drawing/2014/main" id="{58C49456-292E-4E15-B34B-887261A40318}"/>
+                <a16:creationId xmlns:a16="http://schemas.microsoft.com/office/drawing/2014/main" xmlns="" id="{58C49456-292E-4E15-B34B-887261A40318}"/>
               </a:ext>
             </a:extLst>
           </p:cNvPr>
@@ -2226,7 +2624,7 @@
           <p:cNvPr id="3" name="Content Placeholder 2">
             <a:extLst>
               <a:ext uri="{FF2B5EF4-FFF2-40B4-BE49-F238E27FC236}">
-                <a16:creationId xmlns:a16="http://schemas.microsoft.com/office/drawing/2014/main" id="{54B1C9EA-58BB-44CE-A00F-08D3777B3225}"/>
+                <a16:creationId xmlns:a16="http://schemas.microsoft.com/office/drawing/2014/main" xmlns="" id="{54B1C9EA-58BB-44CE-A00F-08D3777B3225}"/>
               </a:ext>
             </a:extLst>
           </p:cNvPr>
@@ -2317,7 +2715,7 @@
           <p:cNvPr id="4" name="Text Placeholder 3">
             <a:extLst>
               <a:ext uri="{FF2B5EF4-FFF2-40B4-BE49-F238E27FC236}">
-                <a16:creationId xmlns:a16="http://schemas.microsoft.com/office/drawing/2014/main" id="{49B6AE6F-A66F-4F7C-82AD-CA154BB66FC1}"/>
+                <a16:creationId xmlns:a16="http://schemas.microsoft.com/office/drawing/2014/main" xmlns="" id="{49B6AE6F-A66F-4F7C-82AD-CA154BB66FC1}"/>
               </a:ext>
             </a:extLst>
           </p:cNvPr>
@@ -2388,7 +2786,7 @@
           <p:cNvPr id="5" name="Date Placeholder 4">
             <a:extLst>
               <a:ext uri="{FF2B5EF4-FFF2-40B4-BE49-F238E27FC236}">
-                <a16:creationId xmlns:a16="http://schemas.microsoft.com/office/drawing/2014/main" id="{FF442ED0-7BC0-469F-9EE5-83C0F0E2B680}"/>
+                <a16:creationId xmlns:a16="http://schemas.microsoft.com/office/drawing/2014/main" xmlns="" id="{FF442ED0-7BC0-469F-9EE5-83C0F0E2B680}"/>
               </a:ext>
             </a:extLst>
           </p:cNvPr>
@@ -2404,45 +2802,49 @@
           <a:bodyPr/>
           <a:lstStyle/>
           <a:p>
-            <a:fld id="{BA759A12-2595-43BB-889B-763B23529FAF}" type="datetimeFigureOut">
+            <a:r>
+              <a:rPr lang="en-US" smtClean="0"/>
+              <a:t>Adhil &amp; Aritra</a:t>
+            </a:r>
+            <a:endParaRPr lang="en-CA"/>
+          </a:p>
+        </p:txBody>
+      </p:sp>
+      <p:sp>
+        <p:nvSpPr>
+          <p:cNvPr id="6" name="Footer Placeholder 5">
+            <a:extLst>
+              <a:ext uri="{FF2B5EF4-FFF2-40B4-BE49-F238E27FC236}">
+                <a16:creationId xmlns:a16="http://schemas.microsoft.com/office/drawing/2014/main" xmlns="" id="{F38ABA13-73B0-4E4D-B3AC-1D0386AA4F57}"/>
+              </a:ext>
+            </a:extLst>
+          </p:cNvPr>
+          <p:cNvSpPr>
+            <a:spLocks noGrp="1"/>
+          </p:cNvSpPr>
+          <p:nvPr>
+            <p:ph type="ftr" sz="quarter" idx="11"/>
+          </p:nvPr>
+        </p:nvSpPr>
+        <p:spPr/>
+        <p:txBody>
+          <a:bodyPr/>
+          <a:lstStyle/>
+          <a:p>
+            <a:r>
               <a:rPr lang="en-CA" smtClean="0"/>
-              <a:t>2023-03-11</a:t>
-            </a:fld>
+              <a:t>Midway Report</a:t>
+            </a:r>
             <a:endParaRPr lang="en-CA"/>
           </a:p>
         </p:txBody>
       </p:sp>
       <p:sp>
         <p:nvSpPr>
-          <p:cNvPr id="6" name="Footer Placeholder 5">
-            <a:extLst>
-              <a:ext uri="{FF2B5EF4-FFF2-40B4-BE49-F238E27FC236}">
-                <a16:creationId xmlns:a16="http://schemas.microsoft.com/office/drawing/2014/main" id="{F38ABA13-73B0-4E4D-B3AC-1D0386AA4F57}"/>
-              </a:ext>
-            </a:extLst>
-          </p:cNvPr>
-          <p:cNvSpPr>
-            <a:spLocks noGrp="1"/>
-          </p:cNvSpPr>
-          <p:nvPr>
-            <p:ph type="ftr" sz="quarter" idx="11"/>
-          </p:nvPr>
-        </p:nvSpPr>
-        <p:spPr/>
-        <p:txBody>
-          <a:bodyPr/>
-          <a:lstStyle/>
-          <a:p>
-            <a:endParaRPr lang="en-CA"/>
-          </a:p>
-        </p:txBody>
-      </p:sp>
-      <p:sp>
-        <p:nvSpPr>
           <p:cNvPr id="7" name="Slide Number Placeholder 6">
             <a:extLst>
               <a:ext uri="{FF2B5EF4-FFF2-40B4-BE49-F238E27FC236}">
-                <a16:creationId xmlns:a16="http://schemas.microsoft.com/office/drawing/2014/main" id="{6046F8C3-9AFF-411D-B0AB-D7D5146A0760}"/>
+                <a16:creationId xmlns:a16="http://schemas.microsoft.com/office/drawing/2014/main" xmlns="" id="{6046F8C3-9AFF-411D-B0AB-D7D5146A0760}"/>
               </a:ext>
             </a:extLst>
           </p:cNvPr>
@@ -2460,6 +2862,7 @@
           <a:p>
             <a:fld id="{A615E1DC-8E13-4503-89D3-46AAEB115BB1}" type="slidenum">
               <a:rPr lang="en-CA" smtClean="0"/>
+              <a:pPr/>
               <a:t>‹#›</a:t>
             </a:fld>
             <a:endParaRPr lang="en-CA"/>
@@ -2469,7 +2872,7 @@
     </p:spTree>
     <p:extLst>
       <p:ext uri="{BB962C8B-B14F-4D97-AF65-F5344CB8AC3E}">
-        <p14:creationId xmlns:p14="http://schemas.microsoft.com/office/powerpoint/2010/main" val="3542108037"/>
+        <p14:creationId xmlns:p14="http://schemas.microsoft.com/office/powerpoint/2010/main" xmlns="" val="3542108037"/>
       </p:ext>
     </p:extLst>
   </p:cSld>
@@ -2501,7 +2904,7 @@
           <p:cNvPr id="2" name="Title 1">
             <a:extLst>
               <a:ext uri="{FF2B5EF4-FFF2-40B4-BE49-F238E27FC236}">
-                <a16:creationId xmlns:a16="http://schemas.microsoft.com/office/drawing/2014/main" id="{8CB6F54C-61D4-4A65-ADE6-4DB35F3DA2E6}"/>
+                <a16:creationId xmlns:a16="http://schemas.microsoft.com/office/drawing/2014/main" xmlns="" id="{8CB6F54C-61D4-4A65-ADE6-4DB35F3DA2E6}"/>
               </a:ext>
             </a:extLst>
           </p:cNvPr>
@@ -2539,7 +2942,7 @@
           <p:cNvPr id="3" name="Picture Placeholder 2">
             <a:extLst>
               <a:ext uri="{FF2B5EF4-FFF2-40B4-BE49-F238E27FC236}">
-                <a16:creationId xmlns:a16="http://schemas.microsoft.com/office/drawing/2014/main" id="{E1DD1166-6933-4174-A07B-CFC130A6CD84}"/>
+                <a16:creationId xmlns:a16="http://schemas.microsoft.com/office/drawing/2014/main" xmlns="" id="{E1DD1166-6933-4174-A07B-CFC130A6CD84}"/>
               </a:ext>
             </a:extLst>
           </p:cNvPr>
@@ -2606,7 +3009,7 @@
           <p:cNvPr id="4" name="Text Placeholder 3">
             <a:extLst>
               <a:ext uri="{FF2B5EF4-FFF2-40B4-BE49-F238E27FC236}">
-                <a16:creationId xmlns:a16="http://schemas.microsoft.com/office/drawing/2014/main" id="{72911E03-D7FE-49F4-8339-D2A297222615}"/>
+                <a16:creationId xmlns:a16="http://schemas.microsoft.com/office/drawing/2014/main" xmlns="" id="{72911E03-D7FE-49F4-8339-D2A297222615}"/>
               </a:ext>
             </a:extLst>
           </p:cNvPr>
@@ -2677,7 +3080,7 @@
           <p:cNvPr id="5" name="Date Placeholder 4">
             <a:extLst>
               <a:ext uri="{FF2B5EF4-FFF2-40B4-BE49-F238E27FC236}">
-                <a16:creationId xmlns:a16="http://schemas.microsoft.com/office/drawing/2014/main" id="{70934EE2-94B8-4FE6-B83C-556FC26299D7}"/>
+                <a16:creationId xmlns:a16="http://schemas.microsoft.com/office/drawing/2014/main" xmlns="" id="{70934EE2-94B8-4FE6-B83C-556FC26299D7}"/>
               </a:ext>
             </a:extLst>
           </p:cNvPr>
@@ -2693,45 +3096,49 @@
           <a:bodyPr/>
           <a:lstStyle/>
           <a:p>
-            <a:fld id="{BA759A12-2595-43BB-889B-763B23529FAF}" type="datetimeFigureOut">
+            <a:r>
+              <a:rPr lang="en-US" smtClean="0"/>
+              <a:t>Adhil &amp; Aritra</a:t>
+            </a:r>
+            <a:endParaRPr lang="en-CA"/>
+          </a:p>
+        </p:txBody>
+      </p:sp>
+      <p:sp>
+        <p:nvSpPr>
+          <p:cNvPr id="6" name="Footer Placeholder 5">
+            <a:extLst>
+              <a:ext uri="{FF2B5EF4-FFF2-40B4-BE49-F238E27FC236}">
+                <a16:creationId xmlns:a16="http://schemas.microsoft.com/office/drawing/2014/main" xmlns="" id="{6BDA175F-84E3-420C-AD8F-CA24E5D4CC06}"/>
+              </a:ext>
+            </a:extLst>
+          </p:cNvPr>
+          <p:cNvSpPr>
+            <a:spLocks noGrp="1"/>
+          </p:cNvSpPr>
+          <p:nvPr>
+            <p:ph type="ftr" sz="quarter" idx="11"/>
+          </p:nvPr>
+        </p:nvSpPr>
+        <p:spPr/>
+        <p:txBody>
+          <a:bodyPr/>
+          <a:lstStyle/>
+          <a:p>
+            <a:r>
               <a:rPr lang="en-CA" smtClean="0"/>
-              <a:t>2023-03-11</a:t>
-            </a:fld>
+              <a:t>Midway Report</a:t>
+            </a:r>
             <a:endParaRPr lang="en-CA"/>
           </a:p>
         </p:txBody>
       </p:sp>
       <p:sp>
         <p:nvSpPr>
-          <p:cNvPr id="6" name="Footer Placeholder 5">
-            <a:extLst>
-              <a:ext uri="{FF2B5EF4-FFF2-40B4-BE49-F238E27FC236}">
-                <a16:creationId xmlns:a16="http://schemas.microsoft.com/office/drawing/2014/main" id="{6BDA175F-84E3-420C-AD8F-CA24E5D4CC06}"/>
-              </a:ext>
-            </a:extLst>
-          </p:cNvPr>
-          <p:cNvSpPr>
-            <a:spLocks noGrp="1"/>
-          </p:cNvSpPr>
-          <p:nvPr>
-            <p:ph type="ftr" sz="quarter" idx="11"/>
-          </p:nvPr>
-        </p:nvSpPr>
-        <p:spPr/>
-        <p:txBody>
-          <a:bodyPr/>
-          <a:lstStyle/>
-          <a:p>
-            <a:endParaRPr lang="en-CA"/>
-          </a:p>
-        </p:txBody>
-      </p:sp>
-      <p:sp>
-        <p:nvSpPr>
           <p:cNvPr id="7" name="Slide Number Placeholder 6">
             <a:extLst>
               <a:ext uri="{FF2B5EF4-FFF2-40B4-BE49-F238E27FC236}">
-                <a16:creationId xmlns:a16="http://schemas.microsoft.com/office/drawing/2014/main" id="{9565AC14-7D6E-4BF5-8501-081ADCF7A9AC}"/>
+                <a16:creationId xmlns:a16="http://schemas.microsoft.com/office/drawing/2014/main" xmlns="" id="{9565AC14-7D6E-4BF5-8501-081ADCF7A9AC}"/>
               </a:ext>
             </a:extLst>
           </p:cNvPr>
@@ -2749,6 +3156,7 @@
           <a:p>
             <a:fld id="{A615E1DC-8E13-4503-89D3-46AAEB115BB1}" type="slidenum">
               <a:rPr lang="en-CA" smtClean="0"/>
+              <a:pPr/>
               <a:t>‹#›</a:t>
             </a:fld>
             <a:endParaRPr lang="en-CA"/>
@@ -2758,7 +3166,7 @@
     </p:spTree>
     <p:extLst>
       <p:ext uri="{BB962C8B-B14F-4D97-AF65-F5344CB8AC3E}">
-        <p14:creationId xmlns:p14="http://schemas.microsoft.com/office/powerpoint/2010/main" val="2819579244"/>
+        <p14:creationId xmlns:p14="http://schemas.microsoft.com/office/powerpoint/2010/main" xmlns="" val="2819579244"/>
       </p:ext>
     </p:extLst>
   </p:cSld>
@@ -2798,7 +3206,7 @@
           <p:cNvPr id="2" name="Title Placeholder 1">
             <a:extLst>
               <a:ext uri="{FF2B5EF4-FFF2-40B4-BE49-F238E27FC236}">
-                <a16:creationId xmlns:a16="http://schemas.microsoft.com/office/drawing/2014/main" id="{71C04EF5-47D1-48C3-9FEB-C67AF50E2E83}"/>
+                <a16:creationId xmlns:a16="http://schemas.microsoft.com/office/drawing/2014/main" xmlns="" id="{71C04EF5-47D1-48C3-9FEB-C67AF50E2E83}"/>
               </a:ext>
             </a:extLst>
           </p:cNvPr>
@@ -2837,7 +3245,7 @@
           <p:cNvPr id="3" name="Text Placeholder 2">
             <a:extLst>
               <a:ext uri="{FF2B5EF4-FFF2-40B4-BE49-F238E27FC236}">
-                <a16:creationId xmlns:a16="http://schemas.microsoft.com/office/drawing/2014/main" id="{09ED1FC8-28B8-4425-A883-48714C54674F}"/>
+                <a16:creationId xmlns:a16="http://schemas.microsoft.com/office/drawing/2014/main" xmlns="" id="{09ED1FC8-28B8-4425-A883-48714C54674F}"/>
               </a:ext>
             </a:extLst>
           </p:cNvPr>
@@ -2905,7 +3313,7 @@
           <p:cNvPr id="4" name="Date Placeholder 3">
             <a:extLst>
               <a:ext uri="{FF2B5EF4-FFF2-40B4-BE49-F238E27FC236}">
-                <a16:creationId xmlns:a16="http://schemas.microsoft.com/office/drawing/2014/main" id="{588FA61F-5B6B-4213-87EE-B4FEFCDBC5EB}"/>
+                <a16:creationId xmlns:a16="http://schemas.microsoft.com/office/drawing/2014/main" xmlns="" id="{588FA61F-5B6B-4213-87EE-B4FEFCDBC5EB}"/>
               </a:ext>
             </a:extLst>
           </p:cNvPr>
@@ -2939,10 +3347,10 @@
             </a:lvl1pPr>
           </a:lstStyle>
           <a:p>
-            <a:fld id="{BA759A12-2595-43BB-889B-763B23529FAF}" type="datetimeFigureOut">
-              <a:rPr lang="en-CA" smtClean="0"/>
-              <a:t>2023-03-11</a:t>
-            </a:fld>
+            <a:r>
+              <a:rPr lang="en-US" smtClean="0"/>
+              <a:t>Adhil &amp; Aritra</a:t>
+            </a:r>
             <a:endParaRPr lang="en-CA"/>
           </a:p>
         </p:txBody>
@@ -2952,7 +3360,7 @@
           <p:cNvPr id="5" name="Footer Placeholder 4">
             <a:extLst>
               <a:ext uri="{FF2B5EF4-FFF2-40B4-BE49-F238E27FC236}">
-                <a16:creationId xmlns:a16="http://schemas.microsoft.com/office/drawing/2014/main" id="{473568AD-1317-44AA-A340-C5C8BCC6E786}"/>
+                <a16:creationId xmlns:a16="http://schemas.microsoft.com/office/drawing/2014/main" xmlns="" id="{473568AD-1317-44AA-A340-C5C8BCC6E786}"/>
               </a:ext>
             </a:extLst>
           </p:cNvPr>
@@ -2986,6 +3394,10 @@
             </a:lvl1pPr>
           </a:lstStyle>
           <a:p>
+            <a:r>
+              <a:rPr lang="en-CA" smtClean="0"/>
+              <a:t>Midway Report</a:t>
+            </a:r>
             <a:endParaRPr lang="en-CA"/>
           </a:p>
         </p:txBody>
@@ -2995,7 +3407,7 @@
           <p:cNvPr id="6" name="Slide Number Placeholder 5">
             <a:extLst>
               <a:ext uri="{FF2B5EF4-FFF2-40B4-BE49-F238E27FC236}">
-                <a16:creationId xmlns:a16="http://schemas.microsoft.com/office/drawing/2014/main" id="{7B5E77A9-834D-4E00-921A-21DD6DFCCAA7}"/>
+                <a16:creationId xmlns:a16="http://schemas.microsoft.com/office/drawing/2014/main" xmlns="" id="{7B5E77A9-834D-4E00-921A-21DD6DFCCAA7}"/>
               </a:ext>
             </a:extLst>
           </p:cNvPr>
@@ -3031,6 +3443,7 @@
           <a:p>
             <a:fld id="{A615E1DC-8E13-4503-89D3-46AAEB115BB1}" type="slidenum">
               <a:rPr lang="en-CA" smtClean="0"/>
+              <a:pPr/>
               <a:t>‹#›</a:t>
             </a:fld>
             <a:endParaRPr lang="en-CA"/>
@@ -3040,7 +3453,7 @@
     </p:spTree>
     <p:extLst>
       <p:ext uri="{BB962C8B-B14F-4D97-AF65-F5344CB8AC3E}">
-        <p14:creationId xmlns:p14="http://schemas.microsoft.com/office/powerpoint/2010/main" val="1341093654"/>
+        <p14:creationId xmlns:p14="http://schemas.microsoft.com/office/powerpoint/2010/main" xmlns="" val="1341093654"/>
       </p:ext>
     </p:extLst>
   </p:cSld>
@@ -3058,6 +3471,7 @@
     <p:sldLayoutId id="2147483658" r:id="rId10"/>
     <p:sldLayoutId id="2147483659" r:id="rId11"/>
   </p:sldLayoutIdLst>
+  <p:hf hdr="0"/>
   <p:txStyles>
     <p:titleStyle>
       <a:lvl1pPr algn="l" defTabSz="914400" rtl="0" eaLnBrk="1" latinLnBrk="0" hangingPunct="1">
@@ -3363,7 +3777,7 @@
           <p:cNvPr id="4" name="TextBox 3">
             <a:extLst>
               <a:ext uri="{FF2B5EF4-FFF2-40B4-BE49-F238E27FC236}">
-                <a16:creationId xmlns:a16="http://schemas.microsoft.com/office/drawing/2014/main" id="{3D4A837D-53E1-447A-94C3-1EF99F0F3F78}"/>
+                <a16:creationId xmlns:a16="http://schemas.microsoft.com/office/drawing/2014/main" xmlns="" id="{3D4A837D-53E1-447A-94C3-1EF99F0F3F78}"/>
               </a:ext>
             </a:extLst>
           </p:cNvPr>
@@ -3373,7 +3787,7 @@
         <p:spPr>
           <a:xfrm>
             <a:off x="695325" y="400050"/>
-            <a:ext cx="10801350" cy="1200329"/>
+            <a:ext cx="10801350" cy="1077218"/>
           </a:xfrm>
           <a:prstGeom prst="rect">
             <a:avLst/>
@@ -3388,7 +3802,7 @@
           <a:p>
             <a:pPr algn="ctr"/>
             <a:r>
-              <a:rPr lang="en-US" sz="3600" dirty="0">
+              <a:rPr lang="en-US" sz="3200" dirty="0">
                 <a:ln w="0"/>
                 <a:solidFill>
                   <a:schemeClr val="accent1"/>
@@ -3400,10 +3814,65 @@
                     </a:srgbClr>
                   </a:outerShdw>
                 </a:effectLst>
-              </a:rPr>
-              <a:t>Improvement on the Quaternion-based models: extension to larger datasets and Batch Normalization</a:t>
-            </a:r>
-            <a:endParaRPr lang="en-CA" sz="3600" dirty="0">
+                <a:latin typeface="Constantia" pitchFamily="18" charset="0"/>
+              </a:rPr>
+              <a:t>Improvement on the Quaternion-based models</a:t>
+            </a:r>
+            <a:r>
+              <a:rPr lang="en-US" sz="3200" dirty="0" smtClean="0">
+                <a:ln w="0"/>
+                <a:solidFill>
+                  <a:schemeClr val="accent1"/>
+                </a:solidFill>
+                <a:effectLst>
+                  <a:outerShdw blurRad="38100" dist="25400" dir="5400000" algn="ctr" rotWithShape="0">
+                    <a:srgbClr val="6E747A">
+                      <a:alpha val="43000"/>
+                    </a:srgbClr>
+                  </a:outerShdw>
+                </a:effectLst>
+                <a:latin typeface="Constantia" pitchFamily="18" charset="0"/>
+              </a:rPr>
+              <a:t>:</a:t>
+            </a:r>
+          </a:p>
+          <a:p>
+            <a:pPr algn="ctr"/>
+            <a:r>
+              <a:rPr lang="en-US" sz="3200" dirty="0" smtClean="0">
+                <a:ln w="0"/>
+                <a:solidFill>
+                  <a:schemeClr val="accent1"/>
+                </a:solidFill>
+                <a:effectLst>
+                  <a:outerShdw blurRad="38100" dist="25400" dir="5400000" algn="ctr" rotWithShape="0">
+                    <a:srgbClr val="6E747A">
+                      <a:alpha val="43000"/>
+                    </a:srgbClr>
+                  </a:outerShdw>
+                </a:effectLst>
+                <a:latin typeface="Constantia" pitchFamily="18" charset="0"/>
+              </a:rPr>
+              <a:t>extension </a:t>
+            </a:r>
+            <a:r>
+              <a:rPr lang="en-US" sz="3200" dirty="0">
+                <a:ln w="0"/>
+                <a:solidFill>
+                  <a:schemeClr val="accent1"/>
+                </a:solidFill>
+                <a:effectLst>
+                  <a:outerShdw blurRad="38100" dist="25400" dir="5400000" algn="ctr" rotWithShape="0">
+                    <a:srgbClr val="6E747A">
+                      <a:alpha val="43000"/>
+                    </a:srgbClr>
+                  </a:outerShdw>
+                </a:effectLst>
+                <a:latin typeface="Constantia" pitchFamily="18" charset="0"/>
+              </a:rPr>
+              <a:t>to larger datasets and Batch Normalization</a:t>
+            </a:r>
+            <a:endParaRPr lang="en-CA" sz="3200" dirty="0">
               <a:ln w="0"/>
               <a:solidFill>
                 <a:schemeClr val="accent1"/>
@@ -3415,6 +3884,7 @@
                   </a:srgbClr>
                 </a:outerShdw>
               </a:effectLst>
+              <a:latin typeface="Constantia" pitchFamily="18" charset="0"/>
             </a:endParaRPr>
           </a:p>
         </p:txBody>
@@ -3424,7 +3894,7 @@
           <p:cNvPr id="5" name="TextBox 4">
             <a:extLst>
               <a:ext uri="{FF2B5EF4-FFF2-40B4-BE49-F238E27FC236}">
-                <a16:creationId xmlns:a16="http://schemas.microsoft.com/office/drawing/2014/main" id="{9AADECDB-96F6-43D4-A055-A29AE5FD138A}"/>
+                <a16:creationId xmlns:a16="http://schemas.microsoft.com/office/drawing/2014/main" xmlns="" id="{9AADECDB-96F6-43D4-A055-A29AE5FD138A}"/>
               </a:ext>
             </a:extLst>
           </p:cNvPr>
@@ -3433,8 +3903,8 @@
         </p:nvSpPr>
         <p:spPr>
           <a:xfrm>
-            <a:off x="4291012" y="1600379"/>
-            <a:ext cx="3609975" cy="369332"/>
+            <a:off x="0" y="1524000"/>
+            <a:ext cx="12192000" cy="369332"/>
           </a:xfrm>
           <a:prstGeom prst="rect">
             <a:avLst/>
@@ -3449,33 +3919,46 @@
           <a:p>
             <a:pPr algn="ctr"/>
             <a:r>
+              <a:rPr lang="en-IN" b="1" dirty="0">
+                <a:solidFill>
+                  <a:schemeClr val="bg1"/>
+                </a:solidFill>
+                <a:latin typeface="Constantia" pitchFamily="18" charset="0"/>
+              </a:rPr>
+              <a:t>Aritra Mukhopadhyay </a:t>
+            </a:r>
+            <a:r>
               <a:rPr lang="en-IN" dirty="0">
                 <a:solidFill>
                   <a:schemeClr val="bg1"/>
                 </a:solidFill>
-              </a:rPr>
-              <a:t>Aritra Mukhopadhyay &amp; </a:t>
-            </a:r>
-            <a:r>
-              <a:rPr lang="en-IN" dirty="0" err="1">
-                <a:solidFill>
-                  <a:schemeClr val="bg1"/>
-                </a:solidFill>
+                <a:latin typeface="Constantia" pitchFamily="18" charset="0"/>
+              </a:rPr>
+              <a:t>&amp; </a:t>
+            </a:r>
+            <a:r>
+              <a:rPr lang="en-IN" b="1" dirty="0" err="1">
+                <a:solidFill>
+                  <a:schemeClr val="bg1"/>
+                </a:solidFill>
+                <a:latin typeface="Constantia" pitchFamily="18" charset="0"/>
               </a:rPr>
               <a:t>Adhilsha</a:t>
             </a:r>
             <a:r>
-              <a:rPr lang="en-IN" dirty="0">
-                <a:solidFill>
-                  <a:schemeClr val="bg1"/>
-                </a:solidFill>
+              <a:rPr lang="en-IN" b="1" dirty="0">
+                <a:solidFill>
+                  <a:schemeClr val="bg1"/>
+                </a:solidFill>
+                <a:latin typeface="Constantia" pitchFamily="18" charset="0"/>
               </a:rPr>
               <a:t> A</a:t>
             </a:r>
-            <a:endParaRPr lang="en-CA" dirty="0">
+            <a:endParaRPr lang="en-CA" b="1" dirty="0">
               <a:solidFill>
                 <a:schemeClr val="bg1"/>
               </a:solidFill>
+              <a:latin typeface="Constantia" pitchFamily="18" charset="0"/>
             </a:endParaRPr>
           </a:p>
         </p:txBody>
@@ -3485,7 +3968,7 @@
           <p:cNvPr id="14" name="Table 13">
             <a:extLst>
               <a:ext uri="{FF2B5EF4-FFF2-40B4-BE49-F238E27FC236}">
-                <a16:creationId xmlns:a16="http://schemas.microsoft.com/office/drawing/2014/main" id="{E7A40133-0E38-48DB-9665-83DC7137EB7A}"/>
+                <a16:creationId xmlns:a16="http://schemas.microsoft.com/office/drawing/2014/main" xmlns="" id="{E7A40133-0E38-48DB-9665-83DC7137EB7A}"/>
               </a:ext>
             </a:extLst>
           </p:cNvPr>
@@ -3495,14 +3978,14 @@
           <p:nvPr>
             <p:extLst>
               <p:ext uri="{D42A27DB-BD31-4B8C-83A1-F6EECF244321}">
-                <p14:modId xmlns:p14="http://schemas.microsoft.com/office/powerpoint/2010/main" val="1197499722"/>
+                <p14:modId xmlns:p14="http://schemas.microsoft.com/office/powerpoint/2010/main" xmlns="" val="1197499722"/>
               </p:ext>
             </p:extLst>
           </p:nvPr>
         </p:nvGraphicFramePr>
         <p:xfrm>
-          <a:off x="1738311" y="2629258"/>
-          <a:ext cx="9253539" cy="3017520"/>
+          <a:off x="935085" y="3086459"/>
+          <a:ext cx="10153650" cy="2651760"/>
         </p:xfrm>
         <a:graphic>
           <a:graphicData uri="http://schemas.openxmlformats.org/drawingml/2006/table">
@@ -3511,17 +3994,17 @@
                 <a:tableStyleId>{5C22544A-7EE6-4342-B048-85BDC9FD1C3A}</a:tableStyleId>
               </a:tblPr>
               <a:tblGrid>
-                <a:gridCol w="2217598">
+                <a:gridCol w="3049086">
                   <a:extLst>
                     <a:ext uri="{9D8B030D-6E8A-4147-A177-3AD203B41FA5}">
-                      <a16:colId xmlns:a16="http://schemas.microsoft.com/office/drawing/2014/main" val="1512180476"/>
+                      <a16:colId xmlns:a16="http://schemas.microsoft.com/office/drawing/2014/main" xmlns="" val="1512180476"/>
                     </a:ext>
                   </a:extLst>
                 </a:gridCol>
-                <a:gridCol w="7035941">
+                <a:gridCol w="7104564">
                   <a:extLst>
                     <a:ext uri="{9D8B030D-6E8A-4147-A177-3AD203B41FA5}">
-                      <a16:colId xmlns:a16="http://schemas.microsoft.com/office/drawing/2014/main" val="128060825"/>
+                      <a16:colId xmlns:a16="http://schemas.microsoft.com/office/drawing/2014/main" xmlns="" val="128060825"/>
                     </a:ext>
                   </a:extLst>
                 </a:gridCol>
@@ -3538,6 +4021,7 @@
                           <a:solidFill>
                             <a:schemeClr val="bg1"/>
                           </a:solidFill>
+                          <a:latin typeface="Constantia" pitchFamily="18" charset="0"/>
                         </a:rPr>
                         <a:t>Goal</a:t>
                       </a:r>
@@ -3545,6 +4029,7 @@
                         <a:solidFill>
                           <a:schemeClr val="bg1"/>
                         </a:solidFill>
+                        <a:latin typeface="Constantia" pitchFamily="18" charset="0"/>
                       </a:endParaRPr>
                     </a:p>
                   </a:txBody>
@@ -3579,23 +4064,58 @@
                     <a:p>
                       <a:pPr algn="l"/>
                       <a:r>
-                        <a:rPr lang="en-US" dirty="0">
+                        <a:rPr lang="en-US" sz="2000" b="0" dirty="0">
                           <a:solidFill>
                             <a:schemeClr val="bg1"/>
                           </a:solidFill>
+                          <a:latin typeface="Constantia" pitchFamily="18" charset="0"/>
                         </a:rPr>
-                        <a:t>To improve some quaternion models, implement models on larger datasets, and</a:t>
+                        <a:t>To improve some </a:t>
                       </a:r>
-                    </a:p>
-                    <a:p>
-                      <a:pPr algn="l"/>
                       <a:r>
-                        <a:rPr lang="en-CA" dirty="0">
+                        <a:rPr lang="en-US" sz="2000" dirty="0">
                           <a:solidFill>
                             <a:schemeClr val="bg1"/>
                           </a:solidFill>
+                          <a:latin typeface="Constantia" pitchFamily="18" charset="0"/>
                         </a:rPr>
-                        <a:t>implement batch normalization.</a:t>
+                        <a:t>quaternion models, implement models on larger datasets, </a:t>
+                      </a:r>
+                      <a:r>
+                        <a:rPr lang="en-US" sz="2000" b="0" dirty="0" smtClean="0">
+                          <a:solidFill>
+                            <a:schemeClr val="bg1"/>
+                          </a:solidFill>
+                          <a:latin typeface="Constantia" pitchFamily="18" charset="0"/>
+                        </a:rPr>
+                        <a:t>and</a:t>
+                      </a:r>
+                      <a:r>
+                        <a:rPr lang="en-US" sz="2000" baseline="0" dirty="0" smtClean="0">
+                          <a:solidFill>
+                            <a:schemeClr val="bg1"/>
+                          </a:solidFill>
+                          <a:latin typeface="Constantia" pitchFamily="18" charset="0"/>
+                        </a:rPr>
+                        <a:t>   </a:t>
+                      </a:r>
+                      <a:r>
+                        <a:rPr lang="en-CA" sz="2000" b="1" dirty="0" smtClean="0">
+                          <a:solidFill>
+                            <a:schemeClr val="bg1"/>
+                          </a:solidFill>
+                          <a:latin typeface="Constantia" pitchFamily="18" charset="0"/>
+                        </a:rPr>
+                        <a:t>implement </a:t>
+                      </a:r>
+                      <a:r>
+                        <a:rPr lang="en-CA" sz="2000" b="1" dirty="0">
+                          <a:solidFill>
+                            <a:schemeClr val="bg1"/>
+                          </a:solidFill>
+                          <a:latin typeface="Constantia" pitchFamily="18" charset="0"/>
+                        </a:rPr>
+                        <a:t>batch normalization.</a:t>
                       </a:r>
                     </a:p>
                     <a:p>
@@ -3604,6 +4124,7 @@
                         <a:solidFill>
                           <a:schemeClr val="bg1"/>
                         </a:solidFill>
+                        <a:latin typeface="Constantia" pitchFamily="18" charset="0"/>
                       </a:endParaRPr>
                     </a:p>
                   </a:txBody>
@@ -3633,7 +4154,7 @@
                 </a:tc>
                 <a:extLst>
                   <a:ext uri="{0D108BD9-81ED-4DB2-BD59-A6C34878D82A}">
-                    <a16:rowId xmlns:a16="http://schemas.microsoft.com/office/drawing/2014/main" val="2142726337"/>
+                    <a16:rowId xmlns:a16="http://schemas.microsoft.com/office/drawing/2014/main" xmlns="" val="2142726337"/>
                   </a:ext>
                 </a:extLst>
               </a:tr>
@@ -3649,7 +4170,7 @@
                           <a:solidFill>
                             <a:schemeClr val="bg1"/>
                           </a:solidFill>
-                          <a:latin typeface="+mn-lt"/>
+                          <a:latin typeface="Constantia" pitchFamily="18" charset="0"/>
                           <a:ea typeface="+mn-ea"/>
                           <a:cs typeface="+mn-cs"/>
                         </a:rPr>
@@ -3659,7 +4180,7 @@
                         <a:solidFill>
                           <a:schemeClr val="bg1"/>
                         </a:solidFill>
-                        <a:latin typeface="+mn-lt"/>
+                        <a:latin typeface="Constantia" pitchFamily="18" charset="0"/>
                         <a:ea typeface="+mn-ea"/>
                         <a:cs typeface="+mn-cs"/>
                       </a:endParaRPr>
@@ -3712,17 +4233,98 @@
                         <a:defRPr/>
                       </a:pPr>
                       <a:r>
-                        <a:rPr lang="en-US" dirty="0">
+                        <a:rPr lang="en-US" sz="2000" dirty="0">
                           <a:solidFill>
                             <a:schemeClr val="bg1"/>
                           </a:solidFill>
+                          <a:latin typeface="Constantia" pitchFamily="18" charset="0"/>
                         </a:rPr>
-                        <a:t>MNIST, Cifar10 and Cifar100. (more datasets as we develop the models better)</a:t>
+                        <a:t>MNIST, </a:t>
                       </a:r>
-                      <a:endParaRPr lang="en-CA" dirty="0">
+                      <a:r>
+                        <a:rPr lang="en-US" sz="2000" dirty="0" smtClean="0">
+                          <a:solidFill>
+                            <a:schemeClr val="bg1"/>
+                          </a:solidFill>
+                          <a:latin typeface="Constantia" pitchFamily="18" charset="0"/>
+                        </a:rPr>
+                        <a:t>Cifar-10 </a:t>
+                      </a:r>
+                      <a:r>
+                        <a:rPr lang="en-US" sz="2000" dirty="0">
+                          <a:solidFill>
+                            <a:schemeClr val="bg1"/>
+                          </a:solidFill>
+                          <a:latin typeface="Constantia" pitchFamily="18" charset="0"/>
+                        </a:rPr>
+                        <a:t>and </a:t>
+                      </a:r>
+                      <a:r>
+                        <a:rPr lang="en-US" sz="2000" dirty="0" smtClean="0">
+                          <a:solidFill>
+                            <a:schemeClr val="bg1"/>
+                          </a:solidFill>
+                          <a:latin typeface="Constantia" pitchFamily="18" charset="0"/>
+                        </a:rPr>
+                        <a:t>Cifar-100</a:t>
+                      </a:r>
+                      <a:r>
+                        <a:rPr lang="en-US" sz="2000" dirty="0">
+                          <a:solidFill>
+                            <a:schemeClr val="bg1"/>
+                          </a:solidFill>
+                          <a:latin typeface="Constantia" pitchFamily="18" charset="0"/>
+                        </a:rPr>
+                        <a:t>. </a:t>
+                      </a:r>
+                      <a:endParaRPr lang="en-US" sz="2000" dirty="0" smtClean="0">
                         <a:solidFill>
                           <a:schemeClr val="bg1"/>
                         </a:solidFill>
+                        <a:latin typeface="Constantia" pitchFamily="18" charset="0"/>
+                      </a:endParaRPr>
+                    </a:p>
+                    <a:p>
+                      <a:pPr marL="0" marR="0" lvl="0" indent="0" algn="l" defTabSz="914400" rtl="0" eaLnBrk="1" fontAlgn="auto" latinLnBrk="0" hangingPunct="1">
+                        <a:lnSpc>
+                          <a:spcPct val="100000"/>
+                        </a:lnSpc>
+                        <a:spcBef>
+                          <a:spcPts val="0"/>
+                        </a:spcBef>
+                        <a:spcAft>
+                          <a:spcPts val="0"/>
+                        </a:spcAft>
+                        <a:buClrTx/>
+                        <a:buSzTx/>
+                        <a:buFontTx/>
+                        <a:buNone/>
+                        <a:tabLst/>
+                        <a:defRPr/>
+                      </a:pPr>
+                      <a:r>
+                        <a:rPr lang="en-US" sz="2000" dirty="0" smtClean="0">
+                          <a:solidFill>
+                            <a:schemeClr val="bg1"/>
+                          </a:solidFill>
+                          <a:latin typeface="Constantia" pitchFamily="18" charset="0"/>
+                        </a:rPr>
+                        <a:t>(</a:t>
+                      </a:r>
+                      <a:r>
+                        <a:rPr lang="en-US" sz="2000" dirty="0">
+                          <a:solidFill>
+                            <a:schemeClr val="bg1"/>
+                          </a:solidFill>
+                          <a:latin typeface="Constantia" pitchFamily="18" charset="0"/>
+                        </a:rPr>
+                        <a:t>more datasets as we develop the models better)</a:t>
+                      </a:r>
+                      <a:endParaRPr lang="en-CA" sz="2000" dirty="0">
+                        <a:solidFill>
+                          <a:schemeClr val="bg1"/>
+                        </a:solidFill>
+                        <a:latin typeface="Constantia" pitchFamily="18" charset="0"/>
                       </a:endParaRPr>
                     </a:p>
                     <a:p>
@@ -3731,6 +4333,7 @@
                         <a:solidFill>
                           <a:schemeClr val="bg1"/>
                         </a:solidFill>
+                        <a:latin typeface="Constantia" pitchFamily="18" charset="0"/>
                       </a:endParaRPr>
                     </a:p>
                   </a:txBody>
@@ -3760,7 +4363,7 @@
                 </a:tc>
                 <a:extLst>
                   <a:ext uri="{0D108BD9-81ED-4DB2-BD59-A6C34878D82A}">
-                    <a16:rowId xmlns:a16="http://schemas.microsoft.com/office/drawing/2014/main" val="2695664256"/>
+                    <a16:rowId xmlns:a16="http://schemas.microsoft.com/office/drawing/2014/main" xmlns="" val="2695664256"/>
                   </a:ext>
                 </a:extLst>
               </a:tr>
@@ -3772,11 +4375,11 @@
                     <a:p>
                       <a:pPr marL="0" algn="r" defTabSz="914400" rtl="0" eaLnBrk="1" latinLnBrk="0" hangingPunct="1"/>
                       <a:r>
-                        <a:rPr lang="en-IN" sz="2400" b="1" kern="1200" dirty="0">
+                        <a:rPr lang="en-IN" sz="2400" b="1" kern="1200" dirty="0" smtClean="0">
                           <a:solidFill>
                             <a:schemeClr val="bg1"/>
                           </a:solidFill>
-                          <a:latin typeface="+mn-lt"/>
+                          <a:latin typeface="Constantia" pitchFamily="18" charset="0"/>
                           <a:ea typeface="+mn-ea"/>
                           <a:cs typeface="+mn-cs"/>
                         </a:rPr>
@@ -3786,7 +4389,7 @@
                         <a:solidFill>
                           <a:schemeClr val="bg1"/>
                         </a:solidFill>
-                        <a:latin typeface="+mn-lt"/>
+                        <a:latin typeface="Constantia" pitchFamily="18" charset="0"/>
                         <a:ea typeface="+mn-ea"/>
                         <a:cs typeface="+mn-cs"/>
                       </a:endParaRPr>
@@ -3823,55 +4426,100 @@
                     <a:p>
                       <a:pPr algn="l"/>
                       <a:r>
-                        <a:rPr lang="en-US" dirty="0">
+                        <a:rPr lang="en-US" sz="2000" dirty="0">
                           <a:solidFill>
                             <a:schemeClr val="bg1"/>
                           </a:solidFill>
+                          <a:latin typeface="Constantia" pitchFamily="18" charset="0"/>
                         </a:rPr>
-                        <a:t>Lenet-300-100, conv2, conv4, conv6 and later more complex models like</a:t>
+                        <a:t>Lenet-300-100, conv2, conv4, conv6 </a:t>
                       </a:r>
+                      <a:endParaRPr lang="en-US" sz="2000" dirty="0" smtClean="0">
+                        <a:solidFill>
+                          <a:schemeClr val="bg1"/>
+                        </a:solidFill>
+                        <a:latin typeface="Constantia" pitchFamily="18" charset="0"/>
+                      </a:endParaRPr>
                     </a:p>
                     <a:p>
                       <a:pPr algn="l"/>
                       <a:r>
-                        <a:rPr lang="en-CA" dirty="0" err="1">
+                        <a:rPr lang="en-US" sz="2000" dirty="0" smtClean="0">
                           <a:solidFill>
                             <a:schemeClr val="bg1"/>
                           </a:solidFill>
+                          <a:latin typeface="Constantia" pitchFamily="18" charset="0"/>
+                        </a:rPr>
+                        <a:t>later </a:t>
+                      </a:r>
+                      <a:r>
+                        <a:rPr lang="en-US" sz="2000" dirty="0">
+                          <a:solidFill>
+                            <a:schemeClr val="bg1"/>
+                          </a:solidFill>
+                          <a:latin typeface="Constantia" pitchFamily="18" charset="0"/>
+                        </a:rPr>
+                        <a:t>more complex models </a:t>
+                      </a:r>
+                      <a:r>
+                        <a:rPr lang="en-US" sz="2000" dirty="0" smtClean="0">
+                          <a:solidFill>
+                            <a:schemeClr val="bg1"/>
+                          </a:solidFill>
+                          <a:latin typeface="Constantia" pitchFamily="18" charset="0"/>
+                        </a:rPr>
+                        <a:t>like </a:t>
+                      </a:r>
+                      <a:r>
+                        <a:rPr lang="en-CA" sz="2000" dirty="0" err="1" smtClean="0">
+                          <a:solidFill>
+                            <a:schemeClr val="bg1"/>
+                          </a:solidFill>
+                          <a:latin typeface="Constantia" pitchFamily="18" charset="0"/>
                         </a:rPr>
                         <a:t>mobilenet</a:t>
                       </a:r>
                       <a:r>
-                        <a:rPr lang="en-CA" dirty="0">
+                        <a:rPr lang="en-CA" sz="2000" dirty="0" smtClean="0">
                           <a:solidFill>
                             <a:schemeClr val="bg1"/>
                           </a:solidFill>
+                          <a:latin typeface="Constantia" pitchFamily="18" charset="0"/>
                         </a:rPr>
-                        <a:t> and </a:t>
+                        <a:t> </a:t>
                       </a:r>
                       <a:r>
-                        <a:rPr lang="en-CA" dirty="0" err="1">
+                        <a:rPr lang="en-CA" sz="2000" dirty="0">
                           <a:solidFill>
                             <a:schemeClr val="bg1"/>
                           </a:solidFill>
+                          <a:latin typeface="Constantia" pitchFamily="18" charset="0"/>
+                        </a:rPr>
+                        <a:t>and </a:t>
+                      </a:r>
+                      <a:r>
+                        <a:rPr lang="en-CA" sz="2000" dirty="0" err="1">
+                          <a:solidFill>
+                            <a:schemeClr val="bg1"/>
+                          </a:solidFill>
+                          <a:latin typeface="Constantia" pitchFamily="18" charset="0"/>
                         </a:rPr>
                         <a:t>resnet</a:t>
                       </a:r>
                       <a:r>
-                        <a:rPr lang="en-CA" dirty="0">
+                        <a:rPr lang="en-CA" sz="2000" dirty="0" smtClean="0">
                           <a:solidFill>
                             <a:schemeClr val="bg1"/>
                           </a:solidFill>
+                          <a:latin typeface="Constantia" pitchFamily="18" charset="0"/>
                         </a:rPr>
                         <a:t>.</a:t>
                       </a:r>
-                    </a:p>
-                    <a:p>
-                      <a:pPr algn="l"/>
-                      <a:endParaRPr lang="en-CA" dirty="0">
+                      <a:endParaRPr lang="en-CA" sz="2000" dirty="0">
                         <a:solidFill>
                           <a:schemeClr val="bg1"/>
                         </a:solidFill>
+                        <a:latin typeface="Constantia" pitchFamily="18" charset="0"/>
                       </a:endParaRPr>
                     </a:p>
                   </a:txBody>
@@ -3901,7 +4549,7 @@
                 </a:tc>
                 <a:extLst>
                   <a:ext uri="{0D108BD9-81ED-4DB2-BD59-A6C34878D82A}">
-                    <a16:rowId xmlns:a16="http://schemas.microsoft.com/office/drawing/2014/main" val="3189075720"/>
+                    <a16:rowId xmlns:a16="http://schemas.microsoft.com/office/drawing/2014/main" xmlns="" val="3189075720"/>
                   </a:ext>
                 </a:extLst>
               </a:tr>
@@ -3909,16 +4557,437 @@
           </a:graphicData>
         </a:graphic>
       </p:graphicFrame>
+      <p:sp>
+        <p:nvSpPr>
+          <p:cNvPr id="6" name="Date Placeholder 5"/>
+          <p:cNvSpPr>
+            <a:spLocks noGrp="1"/>
+          </p:cNvSpPr>
+          <p:nvPr>
+            <p:ph type="dt" sz="half" idx="10"/>
+          </p:nvPr>
+        </p:nvSpPr>
+        <p:spPr/>
+        <p:txBody>
+          <a:bodyPr/>
+          <a:lstStyle/>
+          <a:p>
+            <a:r>
+              <a:rPr lang="en-US" dirty="0" err="1" smtClean="0"/>
+              <a:t>Adhil</a:t>
+            </a:r>
+            <a:r>
+              <a:rPr lang="en-US" dirty="0" smtClean="0"/>
+              <a:t> &amp; </a:t>
+            </a:r>
+            <a:r>
+              <a:rPr lang="en-US" dirty="0" err="1" smtClean="0"/>
+              <a:t>Aritra</a:t>
+            </a:r>
+            <a:endParaRPr lang="en-CA" dirty="0"/>
+          </a:p>
+        </p:txBody>
+      </p:sp>
+      <p:sp>
+        <p:nvSpPr>
+          <p:cNvPr id="7" name="Slide Number Placeholder 6"/>
+          <p:cNvSpPr>
+            <a:spLocks noGrp="1"/>
+          </p:cNvSpPr>
+          <p:nvPr>
+            <p:ph type="sldNum" sz="quarter" idx="12"/>
+          </p:nvPr>
+        </p:nvSpPr>
+        <p:spPr/>
+        <p:txBody>
+          <a:bodyPr/>
+          <a:lstStyle/>
+          <a:p>
+            <a:fld id="{A615E1DC-8E13-4503-89D3-46AAEB115BB1}" type="slidenum">
+              <a:rPr lang="en-CA" smtClean="0"/>
+              <a:pPr/>
+              <a:t>1</a:t>
+            </a:fld>
+            <a:endParaRPr lang="en-CA"/>
+          </a:p>
+        </p:txBody>
+      </p:sp>
+      <p:sp>
+        <p:nvSpPr>
+          <p:cNvPr id="8" name="Footer Placeholder 7"/>
+          <p:cNvSpPr>
+            <a:spLocks noGrp="1"/>
+          </p:cNvSpPr>
+          <p:nvPr>
+            <p:ph type="ftr" sz="quarter" idx="11"/>
+          </p:nvPr>
+        </p:nvSpPr>
+        <p:spPr/>
+        <p:txBody>
+          <a:bodyPr/>
+          <a:lstStyle/>
+          <a:p>
+            <a:r>
+              <a:rPr lang="en-CA" smtClean="0"/>
+              <a:t>Midway Report</a:t>
+            </a:r>
+            <a:endParaRPr lang="en-CA"/>
+          </a:p>
+        </p:txBody>
+      </p:sp>
+      <p:sp>
+        <p:nvSpPr>
+          <p:cNvPr id="9" name="Rectangle 8"/>
+          <p:cNvSpPr/>
+          <p:nvPr/>
+        </p:nvSpPr>
+        <p:spPr>
+          <a:xfrm>
+            <a:off x="0" y="2422071"/>
+            <a:ext cx="12192000" cy="523220"/>
+          </a:xfrm>
+          <a:prstGeom prst="rect">
+            <a:avLst/>
+          </a:prstGeom>
+        </p:spPr>
+        <p:txBody>
+          <a:bodyPr wrap="square">
+            <a:spAutoFit/>
+          </a:bodyPr>
+          <a:lstStyle/>
+          <a:p>
+            <a:pPr algn="ctr"/>
+            <a:r>
+              <a:rPr lang="en-IN" sz="2800" dirty="0" smtClean="0">
+                <a:solidFill>
+                  <a:schemeClr val="bg2">
+                    <a:lumMod val="75000"/>
+                  </a:schemeClr>
+                </a:solidFill>
+                <a:latin typeface="Constantia" pitchFamily="18" charset="0"/>
+              </a:rPr>
+              <a:t>Recap</a:t>
+            </a:r>
+            <a:endParaRPr lang="en-CA" sz="2800" dirty="0">
+              <a:solidFill>
+                <a:schemeClr val="bg2">
+                  <a:lumMod val="75000"/>
+                </a:schemeClr>
+              </a:solidFill>
+              <a:latin typeface="Constantia" pitchFamily="18" charset="0"/>
+            </a:endParaRPr>
+          </a:p>
+        </p:txBody>
+      </p:sp>
     </p:spTree>
     <p:extLst>
       <p:ext uri="{BB962C8B-B14F-4D97-AF65-F5344CB8AC3E}">
-        <p14:creationId xmlns:p14="http://schemas.microsoft.com/office/powerpoint/2010/main" val="4196713374"/>
+        <p14:creationId xmlns:p14="http://schemas.microsoft.com/office/powerpoint/2010/main" xmlns="" val="4196713374"/>
       </p:ext>
     </p:extLst>
   </p:cSld>
   <p:clrMapOvr>
     <a:masterClrMapping/>
   </p:clrMapOvr>
+  <p:timing>
+    <p:tnLst>
+      <p:par>
+        <p:cTn id="1" dur="indefinite" restart="never" nodeType="tmRoot"/>
+      </p:par>
+    </p:tnLst>
+  </p:timing>
+</p:sld>
+</file>
+
+<file path=ppt/slides/slide10.xml><?xml version="1.0" encoding="utf-8"?>
+<p:sld xmlns:a="http://schemas.openxmlformats.org/drawingml/2006/main" xmlns:r="http://schemas.openxmlformats.org/officeDocument/2006/relationships" xmlns:p="http://schemas.openxmlformats.org/presentationml/2006/main">
+  <p:cSld>
+    <p:spTree>
+      <p:nvGrpSpPr>
+        <p:cNvPr id="1" name=""/>
+        <p:cNvGrpSpPr/>
+        <p:nvPr/>
+      </p:nvGrpSpPr>
+      <p:grpSpPr>
+        <a:xfrm>
+          <a:off x="0" y="0"/>
+          <a:ext cx="0" cy="0"/>
+          <a:chOff x="0" y="0"/>
+          <a:chExt cx="0" cy="0"/>
+        </a:xfrm>
+      </p:grpSpPr>
+      <p:sp>
+        <p:nvSpPr>
+          <p:cNvPr id="4" name="TextBox 3">
+            <a:extLst>
+              <a:ext uri="{FF2B5EF4-FFF2-40B4-BE49-F238E27FC236}">
+                <a16:creationId xmlns:a16="http://schemas.microsoft.com/office/drawing/2014/main" xmlns="" id="{279413F1-EC79-41F3-B452-886252F35367}"/>
+              </a:ext>
+            </a:extLst>
+          </p:cNvPr>
+          <p:cNvSpPr txBox="1"/>
+          <p:nvPr/>
+        </p:nvSpPr>
+        <p:spPr>
+          <a:xfrm>
+            <a:off x="0" y="304799"/>
+            <a:ext cx="12192000" cy="646331"/>
+          </a:xfrm>
+          <a:prstGeom prst="rect">
+            <a:avLst/>
+          </a:prstGeom>
+          <a:noFill/>
+        </p:spPr>
+        <p:txBody>
+          <a:bodyPr wrap="square" rtlCol="0">
+            <a:spAutoFit/>
+          </a:bodyPr>
+          <a:lstStyle/>
+          <a:p>
+            <a:pPr algn="ctr"/>
+            <a:r>
+              <a:rPr lang="en-IN" sz="3600" dirty="0" smtClean="0">
+                <a:ln w="0"/>
+                <a:solidFill>
+                  <a:schemeClr val="accent1"/>
+                </a:solidFill>
+                <a:effectLst>
+                  <a:outerShdw blurRad="38100" dist="25400" dir="5400000" algn="ctr" rotWithShape="0">
+                    <a:srgbClr val="6E747A">
+                      <a:alpha val="43000"/>
+                    </a:srgbClr>
+                  </a:outerShdw>
+                </a:effectLst>
+                <a:latin typeface="Constantia" pitchFamily="18" charset="0"/>
+              </a:rPr>
+              <a:t>Further plans</a:t>
+            </a:r>
+            <a:endParaRPr lang="en-CA" sz="3600" dirty="0">
+              <a:ln w="0"/>
+              <a:solidFill>
+                <a:schemeClr val="accent1"/>
+              </a:solidFill>
+              <a:effectLst>
+                <a:outerShdw blurRad="38100" dist="25400" dir="5400000" algn="ctr" rotWithShape="0">
+                  <a:srgbClr val="6E747A">
+                    <a:alpha val="43000"/>
+                  </a:srgbClr>
+                </a:outerShdw>
+              </a:effectLst>
+              <a:latin typeface="Constantia" pitchFamily="18" charset="0"/>
+            </a:endParaRPr>
+          </a:p>
+        </p:txBody>
+      </p:sp>
+      <p:sp>
+        <p:nvSpPr>
+          <p:cNvPr id="6" name="Date Placeholder 5"/>
+          <p:cNvSpPr>
+            <a:spLocks noGrp="1"/>
+          </p:cNvSpPr>
+          <p:nvPr>
+            <p:ph type="dt" sz="half" idx="10"/>
+          </p:nvPr>
+        </p:nvSpPr>
+        <p:spPr/>
+        <p:txBody>
+          <a:bodyPr/>
+          <a:lstStyle/>
+          <a:p>
+            <a:r>
+              <a:rPr lang="en-US" smtClean="0"/>
+              <a:t>Adhil &amp; Aritra</a:t>
+            </a:r>
+            <a:endParaRPr lang="en-CA"/>
+          </a:p>
+        </p:txBody>
+      </p:sp>
+      <p:sp>
+        <p:nvSpPr>
+          <p:cNvPr id="7" name="Slide Number Placeholder 6"/>
+          <p:cNvSpPr>
+            <a:spLocks noGrp="1"/>
+          </p:cNvSpPr>
+          <p:nvPr>
+            <p:ph type="sldNum" sz="quarter" idx="12"/>
+          </p:nvPr>
+        </p:nvSpPr>
+        <p:spPr/>
+        <p:txBody>
+          <a:bodyPr/>
+          <a:lstStyle/>
+          <a:p>
+            <a:fld id="{A615E1DC-8E13-4503-89D3-46AAEB115BB1}" type="slidenum">
+              <a:rPr lang="en-CA" smtClean="0"/>
+              <a:pPr/>
+              <a:t>10</a:t>
+            </a:fld>
+            <a:endParaRPr lang="en-CA" dirty="0"/>
+          </a:p>
+        </p:txBody>
+      </p:sp>
+      <p:sp>
+        <p:nvSpPr>
+          <p:cNvPr id="8" name="Footer Placeholder 7"/>
+          <p:cNvSpPr>
+            <a:spLocks noGrp="1"/>
+          </p:cNvSpPr>
+          <p:nvPr>
+            <p:ph type="ftr" sz="quarter" idx="11"/>
+          </p:nvPr>
+        </p:nvSpPr>
+        <p:spPr/>
+        <p:txBody>
+          <a:bodyPr/>
+          <a:lstStyle/>
+          <a:p>
+            <a:r>
+              <a:rPr lang="en-CA" dirty="0" smtClean="0"/>
+              <a:t>Midway Report</a:t>
+            </a:r>
+            <a:endParaRPr lang="en-CA" dirty="0"/>
+          </a:p>
+        </p:txBody>
+      </p:sp>
+      <p:sp>
+        <p:nvSpPr>
+          <p:cNvPr id="9" name="TextBox 8">
+            <a:extLst>
+              <a:ext uri="{FF2B5EF4-FFF2-40B4-BE49-F238E27FC236}">
+                <a16:creationId xmlns:a16="http://schemas.microsoft.com/office/drawing/2014/main" xmlns="" id="{E6AD2325-88BD-4C92-A200-73FA91F625B5}"/>
+              </a:ext>
+            </a:extLst>
+          </p:cNvPr>
+          <p:cNvSpPr txBox="1"/>
+          <p:nvPr/>
+        </p:nvSpPr>
+        <p:spPr>
+          <a:xfrm>
+            <a:off x="1353626" y="1277549"/>
+            <a:ext cx="9692640" cy="2554545"/>
+          </a:xfrm>
+          <a:prstGeom prst="rect">
+            <a:avLst/>
+          </a:prstGeom>
+          <a:noFill/>
+        </p:spPr>
+        <p:txBody>
+          <a:bodyPr wrap="square" rtlCol="0">
+            <a:spAutoFit/>
+          </a:bodyPr>
+          <a:lstStyle/>
+          <a:p>
+            <a:pPr algn="just">
+              <a:buFont typeface="Arial" pitchFamily="34" charset="0"/>
+              <a:buChar char="•"/>
+            </a:pPr>
+            <a:r>
+              <a:rPr lang="en-US" sz="2000" dirty="0" smtClean="0">
+                <a:solidFill>
+                  <a:schemeClr val="bg1"/>
+                </a:solidFill>
+                <a:latin typeface="Constantia" pitchFamily="18" charset="0"/>
+              </a:rPr>
+              <a:t>  To implement batch normalization for quaternion models and to train and improve larger models with larger datasets.</a:t>
+            </a:r>
+          </a:p>
+          <a:p>
+            <a:pPr algn="just"/>
+            <a:endParaRPr lang="en-US" sz="2000" dirty="0" smtClean="0">
+              <a:solidFill>
+                <a:schemeClr val="bg1"/>
+              </a:solidFill>
+              <a:latin typeface="Constantia" pitchFamily="18" charset="0"/>
+            </a:endParaRPr>
+          </a:p>
+          <a:p>
+            <a:pPr algn="just">
+              <a:buFont typeface="Arial" pitchFamily="34" charset="0"/>
+              <a:buChar char="•"/>
+            </a:pPr>
+            <a:r>
+              <a:rPr lang="en-US" sz="2000" dirty="0" smtClean="0">
+                <a:solidFill>
+                  <a:schemeClr val="bg1"/>
+                </a:solidFill>
+                <a:latin typeface="Constantia" pitchFamily="18" charset="0"/>
+              </a:rPr>
+              <a:t>  Continuing the pruning and analysis on these improved models.</a:t>
+            </a:r>
+          </a:p>
+          <a:p>
+            <a:pPr algn="just"/>
+            <a:endParaRPr lang="en-US" sz="2000" dirty="0" smtClean="0">
+              <a:solidFill>
+                <a:schemeClr val="bg1"/>
+              </a:solidFill>
+              <a:latin typeface="Constantia" pitchFamily="18" charset="0"/>
+            </a:endParaRPr>
+          </a:p>
+          <a:p>
+            <a:pPr algn="just">
+              <a:buFont typeface="Arial" pitchFamily="34" charset="0"/>
+              <a:buChar char="•"/>
+            </a:pPr>
+            <a:r>
+              <a:rPr lang="en-US" sz="2000" dirty="0" smtClean="0">
+                <a:solidFill>
+                  <a:schemeClr val="bg1"/>
+                </a:solidFill>
+                <a:latin typeface="Constantia" pitchFamily="18" charset="0"/>
+              </a:rPr>
+              <a:t>  Do extensive experiments on different sorts of tasks (like vision, NLP etc.) with different large models to benchmark the performance of </a:t>
+            </a:r>
+            <a:r>
+              <a:rPr lang="en-US" sz="2000" dirty="0" err="1" smtClean="0">
+                <a:solidFill>
+                  <a:schemeClr val="bg1"/>
+                </a:solidFill>
+                <a:latin typeface="Constantia" pitchFamily="18" charset="0"/>
+              </a:rPr>
+              <a:t>quaternions</a:t>
+            </a:r>
+            <a:r>
+              <a:rPr lang="en-US" sz="2000" dirty="0" smtClean="0">
+                <a:solidFill>
+                  <a:schemeClr val="bg1"/>
+                </a:solidFill>
+                <a:latin typeface="Constantia" pitchFamily="18" charset="0"/>
+              </a:rPr>
+              <a:t> in those tasks.</a:t>
+            </a:r>
+          </a:p>
+          <a:p>
+            <a:pPr algn="just">
+              <a:buFont typeface="Arial" pitchFamily="34" charset="0"/>
+              <a:buChar char="•"/>
+            </a:pPr>
+            <a:endParaRPr lang="en-US" sz="2000" dirty="0">
+              <a:solidFill>
+                <a:schemeClr val="bg1"/>
+              </a:solidFill>
+              <a:latin typeface="Constantia" pitchFamily="18" charset="0"/>
+            </a:endParaRPr>
+          </a:p>
+        </p:txBody>
+      </p:sp>
+    </p:spTree>
+    <p:extLst>
+      <p:ext uri="{BB962C8B-B14F-4D97-AF65-F5344CB8AC3E}">
+        <p14:creationId xmlns:p14="http://schemas.microsoft.com/office/powerpoint/2010/main" xmlns="" val="2008169597"/>
+      </p:ext>
+    </p:extLst>
+  </p:cSld>
+  <p:clrMapOvr>
+    <a:masterClrMapping/>
+  </p:clrMapOvr>
+  <p:timing>
+    <p:tnLst>
+      <p:par>
+        <p:cTn id="1" dur="indefinite" restart="never" nodeType="tmRoot"/>
+      </p:par>
+    </p:tnLst>
+  </p:timing>
 </p:sld>
 </file>
 
@@ -3944,7 +5013,7 @@
           <p:cNvPr id="2" name="TextBox 1">
             <a:extLst>
               <a:ext uri="{FF2B5EF4-FFF2-40B4-BE49-F238E27FC236}">
-                <a16:creationId xmlns:a16="http://schemas.microsoft.com/office/drawing/2014/main" id="{A7805E64-72B4-48EF-925D-159E921210FA}"/>
+                <a16:creationId xmlns:a16="http://schemas.microsoft.com/office/drawing/2014/main" xmlns="" id="{A7805E64-72B4-48EF-925D-159E921210FA}"/>
               </a:ext>
             </a:extLst>
           </p:cNvPr>
@@ -3953,8 +5022,8 @@
         </p:nvSpPr>
         <p:spPr>
           <a:xfrm>
-            <a:off x="3681412" y="266699"/>
-            <a:ext cx="4829175" cy="646331"/>
+            <a:off x="0" y="266699"/>
+            <a:ext cx="12192000" cy="646331"/>
           </a:xfrm>
           <a:prstGeom prst="rect">
             <a:avLst/>
@@ -3981,6 +5050,7 @@
                     </a:srgbClr>
                   </a:outerShdw>
                 </a:effectLst>
+                <a:latin typeface="Constantia" pitchFamily="18" charset="0"/>
               </a:rPr>
               <a:t>What Are Quaternions?</a:t>
             </a:r>
@@ -3996,6 +5066,7 @@
                   </a:srgbClr>
                 </a:outerShdw>
               </a:effectLst>
+              <a:latin typeface="Constantia" pitchFamily="18" charset="0"/>
             </a:endParaRPr>
           </a:p>
         </p:txBody>
@@ -4005,7 +5076,7 @@
           <p:cNvPr id="3" name="TextBox 2">
             <a:extLst>
               <a:ext uri="{FF2B5EF4-FFF2-40B4-BE49-F238E27FC236}">
-                <a16:creationId xmlns:a16="http://schemas.microsoft.com/office/drawing/2014/main" id="{29BDC8DC-78F2-4969-A716-4B7A45195A1C}"/>
+                <a16:creationId xmlns:a16="http://schemas.microsoft.com/office/drawing/2014/main" xmlns="" id="{29BDC8DC-78F2-4969-A716-4B7A45195A1C}"/>
               </a:ext>
             </a:extLst>
           </p:cNvPr>
@@ -4014,8 +5085,8 @@
         </p:nvSpPr>
         <p:spPr>
           <a:xfrm>
-            <a:off x="1152525" y="1085850"/>
-            <a:ext cx="9725025" cy="1200329"/>
+            <a:off x="970671" y="984252"/>
+            <a:ext cx="10297551" cy="1323439"/>
           </a:xfrm>
           <a:prstGeom prst="rect">
             <a:avLst/>
@@ -4028,75 +5099,84 @@
           </a:bodyPr>
           <a:lstStyle/>
           <a:p>
-            <a:r>
-              <a:rPr lang="en-US" b="1" dirty="0">
-                <a:solidFill>
-                  <a:schemeClr val="bg1"/>
-                </a:solidFill>
+            <a:pPr algn="just"/>
+            <a:r>
+              <a:rPr lang="en-US" sz="2000" b="1" dirty="0">
+                <a:solidFill>
+                  <a:schemeClr val="bg1"/>
+                </a:solidFill>
+                <a:latin typeface="Constantia" pitchFamily="18" charset="0"/>
               </a:rPr>
               <a:t>Quaternion</a:t>
             </a:r>
             <a:r>
-              <a:rPr lang="en-US" dirty="0">
-                <a:solidFill>
-                  <a:schemeClr val="bg1"/>
-                </a:solidFill>
+              <a:rPr lang="en-US" sz="2000" dirty="0">
+                <a:solidFill>
+                  <a:schemeClr val="bg1"/>
+                </a:solidFill>
+                <a:latin typeface="Constantia" pitchFamily="18" charset="0"/>
               </a:rPr>
               <a:t> is a four-dimensional extension of complex numbers, represented by a vector of the form </a:t>
             </a:r>
             <a:r>
-              <a:rPr lang="en-US" i="1" dirty="0">
-                <a:solidFill>
-                  <a:schemeClr val="bg1"/>
-                </a:solidFill>
+              <a:rPr lang="en-US" sz="2000" i="1" dirty="0">
+                <a:solidFill>
+                  <a:schemeClr val="bg1"/>
+                </a:solidFill>
+                <a:latin typeface="Constantia" pitchFamily="18" charset="0"/>
               </a:rPr>
               <a:t>q = r + xi + </a:t>
             </a:r>
             <a:r>
-              <a:rPr lang="en-US" i="1" dirty="0" err="1">
-                <a:solidFill>
-                  <a:schemeClr val="bg1"/>
-                </a:solidFill>
+              <a:rPr lang="en-US" sz="2000" i="1" dirty="0" err="1">
+                <a:solidFill>
+                  <a:schemeClr val="bg1"/>
+                </a:solidFill>
+                <a:latin typeface="Constantia" pitchFamily="18" charset="0"/>
               </a:rPr>
               <a:t>yj</a:t>
             </a:r>
             <a:r>
-              <a:rPr lang="en-US" i="1" dirty="0">
-                <a:solidFill>
-                  <a:schemeClr val="bg1"/>
-                </a:solidFill>
+              <a:rPr lang="en-US" sz="2000" i="1" dirty="0">
+                <a:solidFill>
+                  <a:schemeClr val="bg1"/>
+                </a:solidFill>
+                <a:latin typeface="Constantia" pitchFamily="18" charset="0"/>
               </a:rPr>
               <a:t> + </a:t>
             </a:r>
             <a:r>
-              <a:rPr lang="en-US" i="1" dirty="0" err="1">
-                <a:solidFill>
-                  <a:schemeClr val="bg1"/>
-                </a:solidFill>
+              <a:rPr lang="en-US" sz="2000" i="1" dirty="0" err="1">
+                <a:solidFill>
+                  <a:schemeClr val="bg1"/>
+                </a:solidFill>
+                <a:latin typeface="Constantia" pitchFamily="18" charset="0"/>
               </a:rPr>
               <a:t>zk</a:t>
             </a:r>
             <a:r>
-              <a:rPr lang="en-US" dirty="0">
-                <a:solidFill>
-                  <a:schemeClr val="bg1"/>
-                </a:solidFill>
+              <a:rPr lang="en-US" sz="2000" dirty="0">
+                <a:solidFill>
+                  <a:schemeClr val="bg1"/>
+                </a:solidFill>
+                <a:latin typeface="Constantia" pitchFamily="18" charset="0"/>
               </a:rPr>
               <a:t>. Given two quaternions 𝑞1 and 𝑞2, their product (known as the Hamilton product) is given by:</a:t>
             </a:r>
-            <a:endParaRPr lang="en-CA" dirty="0">
+            <a:endParaRPr lang="en-CA" sz="2000" dirty="0">
+              <a:solidFill>
+                <a:schemeClr val="bg1"/>
+              </a:solidFill>
+              <a:latin typeface="Constantia" pitchFamily="18" charset="0"/>
+            </a:endParaRPr>
+          </a:p>
+          <a:p>
+            <a:endParaRPr lang="en-CA" sz="2000" dirty="0">
               <a:solidFill>
                 <a:schemeClr val="bg1"/>
               </a:solidFill>
             </a:endParaRPr>
           </a:p>
-          <a:p>
-            <a:endParaRPr lang="en-CA" dirty="0">
-              <a:solidFill>
-                <a:schemeClr val="bg1"/>
-              </a:solidFill>
-            </a:endParaRPr>
-          </a:p>
         </p:txBody>
       </p:sp>
       <p:pic>
@@ -4104,7 +5184,7 @@
           <p:cNvPr id="9" name="Picture 8">
             <a:extLst>
               <a:ext uri="{FF2B5EF4-FFF2-40B4-BE49-F238E27FC236}">
-                <a16:creationId xmlns:a16="http://schemas.microsoft.com/office/drawing/2014/main" id="{35676336-0985-4175-BA77-2138F121740F}"/>
+                <a16:creationId xmlns:a16="http://schemas.microsoft.com/office/drawing/2014/main" xmlns="" id="{35676336-0985-4175-BA77-2138F121740F}"/>
               </a:ext>
             </a:extLst>
           </p:cNvPr>
@@ -4117,7 +5197,7 @@
           <a:blip r:embed="rId2">
             <a:extLst>
               <a:ext uri="{28A0092B-C50C-407E-A947-70E740481C1C}">
-                <a14:useLocalDpi xmlns:a14="http://schemas.microsoft.com/office/drawing/2010/main" val="0"/>
+                <a14:useLocalDpi xmlns:a14="http://schemas.microsoft.com/office/drawing/2010/main" xmlns="" val="0"/>
               </a:ext>
             </a:extLst>
           </a:blip>
@@ -4127,7 +5207,7 @@
         </p:blipFill>
         <p:spPr>
           <a:xfrm>
-            <a:off x="3529012" y="2003112"/>
+            <a:off x="3833811" y="1997637"/>
             <a:ext cx="4497649" cy="1675442"/>
           </a:xfrm>
           <a:prstGeom prst="rect">
@@ -4140,7 +5220,7 @@
           <p:cNvPr id="11" name="TextBox 10">
             <a:extLst>
               <a:ext uri="{FF2B5EF4-FFF2-40B4-BE49-F238E27FC236}">
-                <a16:creationId xmlns:a16="http://schemas.microsoft.com/office/drawing/2014/main" id="{C791718F-DE2F-4E5C-9F25-AA7A790758FC}"/>
+                <a16:creationId xmlns:a16="http://schemas.microsoft.com/office/drawing/2014/main" xmlns="" id="{C791718F-DE2F-4E5C-9F25-AA7A790758FC}"/>
               </a:ext>
             </a:extLst>
           </p:cNvPr>
@@ -4149,8 +5229,8 @@
         </p:nvSpPr>
         <p:spPr>
           <a:xfrm>
-            <a:off x="1152524" y="3995651"/>
-            <a:ext cx="9725025" cy="923330"/>
+            <a:off x="939670" y="3707786"/>
+            <a:ext cx="10353822" cy="1015663"/>
           </a:xfrm>
           <a:prstGeom prst="rect">
             <a:avLst/>
@@ -4163,26 +5243,30 @@
           </a:bodyPr>
           <a:lstStyle/>
           <a:p>
-            <a:r>
-              <a:rPr lang="en-IN" dirty="0">
-                <a:solidFill>
-                  <a:schemeClr val="bg1"/>
-                </a:solidFill>
+            <a:pPr algn="just"/>
+            <a:r>
+              <a:rPr lang="en-IN" sz="2000" dirty="0">
+                <a:solidFill>
+                  <a:schemeClr val="bg1"/>
+                </a:solidFill>
+                <a:latin typeface="Constantia" pitchFamily="18" charset="0"/>
               </a:rPr>
               <a:t>Quaternions multiplications not being commutative, they can be written in terms of 4*4 real matrices </a:t>
             </a:r>
             <a:r>
-              <a:rPr lang="en-US" dirty="0">
-                <a:solidFill>
-                  <a:schemeClr val="bg1"/>
-                </a:solidFill>
+              <a:rPr lang="en-US" sz="2000" dirty="0">
+                <a:solidFill>
+                  <a:schemeClr val="bg1"/>
+                </a:solidFill>
+                <a:latin typeface="Constantia" pitchFamily="18" charset="0"/>
               </a:rPr>
               <a:t>such that the matrix multiplication between such representations are consistent with the Hamilton product:</a:t>
             </a:r>
-            <a:endParaRPr lang="en-CA" dirty="0">
+            <a:endParaRPr lang="en-CA" sz="2000" dirty="0">
               <a:solidFill>
                 <a:schemeClr val="bg1"/>
               </a:solidFill>
+              <a:latin typeface="Constantia" pitchFamily="18" charset="0"/>
             </a:endParaRPr>
           </a:p>
         </p:txBody>
@@ -4192,7 +5276,7 @@
           <p:cNvPr id="13" name="Picture 12">
             <a:extLst>
               <a:ext uri="{FF2B5EF4-FFF2-40B4-BE49-F238E27FC236}">
-                <a16:creationId xmlns:a16="http://schemas.microsoft.com/office/drawing/2014/main" id="{E862B574-249A-49B7-BF79-07961023A9B9}"/>
+                <a16:creationId xmlns:a16="http://schemas.microsoft.com/office/drawing/2014/main" xmlns="" id="{E862B574-249A-49B7-BF79-07961023A9B9}"/>
               </a:ext>
             </a:extLst>
           </p:cNvPr>
@@ -4202,10 +5286,10 @@
           <p:nvPr/>
         </p:nvPicPr>
         <p:blipFill>
-          <a:blip r:embed="rId3">
+          <a:blip r:embed="rId3" cstate="print">
             <a:extLst>
               <a:ext uri="{28A0092B-C50C-407E-A947-70E740481C1C}">
-                <a14:useLocalDpi xmlns:a14="http://schemas.microsoft.com/office/drawing/2010/main" val="0"/>
+                <a14:useLocalDpi xmlns:a14="http://schemas.microsoft.com/office/drawing/2010/main" xmlns="" val="0"/>
               </a:ext>
             </a:extLst>
           </a:blip>
@@ -4215,24 +5299,101 @@
         </p:blipFill>
         <p:spPr>
           <a:xfrm>
-            <a:off x="4022855" y="4851854"/>
-            <a:ext cx="3406645" cy="1734835"/>
+            <a:off x="4431323" y="4674447"/>
+            <a:ext cx="3096651" cy="1576970"/>
           </a:xfrm>
           <a:prstGeom prst="rect">
             <a:avLst/>
           </a:prstGeom>
         </p:spPr>
       </p:pic>
+      <p:sp>
+        <p:nvSpPr>
+          <p:cNvPr id="7" name="Date Placeholder 6"/>
+          <p:cNvSpPr>
+            <a:spLocks noGrp="1"/>
+          </p:cNvSpPr>
+          <p:nvPr>
+            <p:ph type="dt" sz="half" idx="10"/>
+          </p:nvPr>
+        </p:nvSpPr>
+        <p:spPr/>
+        <p:txBody>
+          <a:bodyPr/>
+          <a:lstStyle/>
+          <a:p>
+            <a:r>
+              <a:rPr lang="en-US" smtClean="0"/>
+              <a:t>Adhil &amp; Aritra</a:t>
+            </a:r>
+            <a:endParaRPr lang="en-CA"/>
+          </a:p>
+        </p:txBody>
+      </p:sp>
+      <p:sp>
+        <p:nvSpPr>
+          <p:cNvPr id="8" name="Slide Number Placeholder 7"/>
+          <p:cNvSpPr>
+            <a:spLocks noGrp="1"/>
+          </p:cNvSpPr>
+          <p:nvPr>
+            <p:ph type="sldNum" sz="quarter" idx="12"/>
+          </p:nvPr>
+        </p:nvSpPr>
+        <p:spPr/>
+        <p:txBody>
+          <a:bodyPr/>
+          <a:lstStyle/>
+          <a:p>
+            <a:fld id="{A615E1DC-8E13-4503-89D3-46AAEB115BB1}" type="slidenum">
+              <a:rPr lang="en-CA" smtClean="0"/>
+              <a:pPr/>
+              <a:t>2</a:t>
+            </a:fld>
+            <a:endParaRPr lang="en-CA"/>
+          </a:p>
+        </p:txBody>
+      </p:sp>
+      <p:sp>
+        <p:nvSpPr>
+          <p:cNvPr id="10" name="Footer Placeholder 9"/>
+          <p:cNvSpPr>
+            <a:spLocks noGrp="1"/>
+          </p:cNvSpPr>
+          <p:nvPr>
+            <p:ph type="ftr" sz="quarter" idx="11"/>
+          </p:nvPr>
+        </p:nvSpPr>
+        <p:spPr/>
+        <p:txBody>
+          <a:bodyPr/>
+          <a:lstStyle/>
+          <a:p>
+            <a:r>
+              <a:rPr lang="en-CA" smtClean="0"/>
+              <a:t>Midway Report</a:t>
+            </a:r>
+            <a:endParaRPr lang="en-CA"/>
+          </a:p>
+        </p:txBody>
+      </p:sp>
     </p:spTree>
     <p:extLst>
       <p:ext uri="{BB962C8B-B14F-4D97-AF65-F5344CB8AC3E}">
-        <p14:creationId xmlns:p14="http://schemas.microsoft.com/office/powerpoint/2010/main" val="3075508219"/>
+        <p14:creationId xmlns:p14="http://schemas.microsoft.com/office/powerpoint/2010/main" xmlns="" val="3075508219"/>
       </p:ext>
     </p:extLst>
   </p:cSld>
   <p:clrMapOvr>
     <a:masterClrMapping/>
   </p:clrMapOvr>
+  <p:timing>
+    <p:tnLst>
+      <p:par>
+        <p:cTn id="1" dur="indefinite" restart="never" nodeType="tmRoot"/>
+      </p:par>
+    </p:tnLst>
+  </p:timing>
 </p:sld>
 </file>
 
@@ -4258,7 +5419,7 @@
           <p:cNvPr id="3" name="TextBox 2">
             <a:extLst>
               <a:ext uri="{FF2B5EF4-FFF2-40B4-BE49-F238E27FC236}">
-                <a16:creationId xmlns:a16="http://schemas.microsoft.com/office/drawing/2014/main" id="{877A545C-1DB7-4601-BB25-7F10E7DD44B7}"/>
+                <a16:creationId xmlns:a16="http://schemas.microsoft.com/office/drawing/2014/main" xmlns="" id="{877A545C-1DB7-4601-BB25-7F10E7DD44B7}"/>
               </a:ext>
             </a:extLst>
           </p:cNvPr>
@@ -4267,8 +5428,8 @@
         </p:nvSpPr>
         <p:spPr>
           <a:xfrm>
-            <a:off x="457200" y="266699"/>
-            <a:ext cx="11049000" cy="646331"/>
+            <a:off x="0" y="266699"/>
+            <a:ext cx="12192000" cy="646331"/>
           </a:xfrm>
           <a:prstGeom prst="rect">
             <a:avLst/>
@@ -4295,6 +5456,7 @@
                     </a:srgbClr>
                   </a:outerShdw>
                 </a:effectLst>
+                <a:latin typeface="Constantia" pitchFamily="18" charset="0"/>
               </a:rPr>
               <a:t>Why are Quaternions used in building Neural Networks?</a:t>
             </a:r>
@@ -4310,6 +5472,7 @@
                   </a:srgbClr>
                 </a:outerShdw>
               </a:effectLst>
+              <a:latin typeface="Constantia" pitchFamily="18" charset="0"/>
             </a:endParaRPr>
           </a:p>
         </p:txBody>
@@ -4319,7 +5482,7 @@
           <p:cNvPr id="4" name="Picture 3">
             <a:extLst>
               <a:ext uri="{FF2B5EF4-FFF2-40B4-BE49-F238E27FC236}">
-                <a16:creationId xmlns:a16="http://schemas.microsoft.com/office/drawing/2014/main" id="{7DF82FE1-55B3-45FD-99B0-E9C8C31E1672}"/>
+                <a16:creationId xmlns:a16="http://schemas.microsoft.com/office/drawing/2014/main" xmlns="" id="{7DF82FE1-55B3-45FD-99B0-E9C8C31E1672}"/>
               </a:ext>
             </a:extLst>
           </p:cNvPr>
@@ -4336,7 +5499,7 @@
         </p:blipFill>
         <p:spPr>
           <a:xfrm>
-            <a:off x="2218925" y="1095375"/>
+            <a:off x="2190789" y="1053171"/>
             <a:ext cx="8135148" cy="3683338"/>
           </a:xfrm>
           <a:prstGeom prst="rect">
@@ -4349,7 +5512,7 @@
           <p:cNvPr id="5" name="TextBox 4">
             <a:extLst>
               <a:ext uri="{FF2B5EF4-FFF2-40B4-BE49-F238E27FC236}">
-                <a16:creationId xmlns:a16="http://schemas.microsoft.com/office/drawing/2014/main" id="{C5463A73-9987-43FE-A237-F616D57F0640}"/>
+                <a16:creationId xmlns:a16="http://schemas.microsoft.com/office/drawing/2014/main" xmlns="" id="{C5463A73-9987-43FE-A237-F616D57F0640}"/>
               </a:ext>
             </a:extLst>
           </p:cNvPr>
@@ -4358,8 +5521,8 @@
         </p:nvSpPr>
         <p:spPr>
           <a:xfrm>
-            <a:off x="1852612" y="5441016"/>
-            <a:ext cx="8258175" cy="923330"/>
+            <a:off x="795866" y="5424083"/>
+            <a:ext cx="10566400" cy="707886"/>
           </a:xfrm>
           <a:prstGeom prst="rect">
             <a:avLst/>
@@ -4372,18 +5535,21 @@
           </a:bodyPr>
           <a:lstStyle/>
           <a:p>
-            <a:r>
-              <a:rPr lang="en-IN" dirty="0">
-                <a:solidFill>
-                  <a:schemeClr val="bg1"/>
-                </a:solidFill>
+            <a:pPr algn="just"/>
+            <a:r>
+              <a:rPr lang="en-IN" sz="2000" dirty="0">
+                <a:solidFill>
+                  <a:schemeClr val="bg1"/>
+                </a:solidFill>
+                <a:latin typeface="Constantia" pitchFamily="18" charset="0"/>
               </a:rPr>
               <a:t>They can be used to make almost equally complex models with only 25% of the weights of the real version. This makes prediction whole lot more easier in low end devices.</a:t>
             </a:r>
-            <a:endParaRPr lang="en-CA" dirty="0">
+            <a:endParaRPr lang="en-CA" sz="2000" dirty="0">
               <a:solidFill>
                 <a:schemeClr val="bg1"/>
               </a:solidFill>
+              <a:latin typeface="Constantia" pitchFamily="18" charset="0"/>
             </a:endParaRPr>
           </a:p>
         </p:txBody>
@@ -4393,7 +5559,7 @@
           <p:cNvPr id="2" name="TextBox 1">
             <a:extLst>
               <a:ext uri="{FF2B5EF4-FFF2-40B4-BE49-F238E27FC236}">
-                <a16:creationId xmlns:a16="http://schemas.microsoft.com/office/drawing/2014/main" id="{A1457268-0733-4E2F-943C-64C17C63BBB4}"/>
+                <a16:creationId xmlns:a16="http://schemas.microsoft.com/office/drawing/2014/main" xmlns="" id="{A1457268-0733-4E2F-943C-64C17C63BBB4}"/>
               </a:ext>
             </a:extLst>
           </p:cNvPr>
@@ -4433,7 +5599,7 @@
                 <a:hlinkClick r:id="rId3">
                   <a:extLst>
                     <a:ext uri="{A12FA001-AC4F-418D-AE19-62706E023703}">
-                      <ahyp:hlinkClr xmlns:ahyp="http://schemas.microsoft.com/office/drawing/2018/hyperlinkcolor" val="tx"/>
+                      <ahyp:hlinkClr xmlns:ahyp="http://schemas.microsoft.com/office/drawing/2018/hyperlinkcolor" xmlns="" val="tx"/>
                     </a:ext>
                   </a:extLst>
                 </a:hlinkClick>
@@ -4553,7 +5719,23 @@
                   <a:schemeClr val="bg1"/>
                 </a:solidFill>
               </a:rPr>
-              <a:t>Renato De Mori. 2018. Speech recognition with quaternion neural networks. </a:t>
+              <a:t>Renato De Mori. 2018. </a:t>
+            </a:r>
+            <a:r>
+              <a:rPr lang="en-US" sz="1000" i="1" dirty="0">
+                <a:solidFill>
+                  <a:schemeClr val="bg1"/>
+                </a:solidFill>
+              </a:rPr>
+              <a:t>Speech recognition with quaternion neural networks.</a:t>
+            </a:r>
+            <a:r>
+              <a:rPr lang="en-US" sz="1000" dirty="0">
+                <a:solidFill>
+                  <a:schemeClr val="bg1"/>
+                </a:solidFill>
+              </a:rPr>
+              <a:t> </a:t>
             </a:r>
             <a:endParaRPr lang="en-CA" sz="1000" dirty="0">
               <a:solidFill>
@@ -4563,16 +5745,93 @@
           </a:p>
         </p:txBody>
       </p:sp>
+      <p:sp>
+        <p:nvSpPr>
+          <p:cNvPr id="6" name="Date Placeholder 5"/>
+          <p:cNvSpPr>
+            <a:spLocks noGrp="1"/>
+          </p:cNvSpPr>
+          <p:nvPr>
+            <p:ph type="dt" sz="half" idx="10"/>
+          </p:nvPr>
+        </p:nvSpPr>
+        <p:spPr/>
+        <p:txBody>
+          <a:bodyPr/>
+          <a:lstStyle/>
+          <a:p>
+            <a:r>
+              <a:rPr lang="en-US" smtClean="0"/>
+              <a:t>Adhil &amp; Aritra</a:t>
+            </a:r>
+            <a:endParaRPr lang="en-CA"/>
+          </a:p>
+        </p:txBody>
+      </p:sp>
+      <p:sp>
+        <p:nvSpPr>
+          <p:cNvPr id="7" name="Slide Number Placeholder 6"/>
+          <p:cNvSpPr>
+            <a:spLocks noGrp="1"/>
+          </p:cNvSpPr>
+          <p:nvPr>
+            <p:ph type="sldNum" sz="quarter" idx="12"/>
+          </p:nvPr>
+        </p:nvSpPr>
+        <p:spPr/>
+        <p:txBody>
+          <a:bodyPr/>
+          <a:lstStyle/>
+          <a:p>
+            <a:fld id="{A615E1DC-8E13-4503-89D3-46AAEB115BB1}" type="slidenum">
+              <a:rPr lang="en-CA" smtClean="0"/>
+              <a:pPr/>
+              <a:t>3</a:t>
+            </a:fld>
+            <a:endParaRPr lang="en-CA"/>
+          </a:p>
+        </p:txBody>
+      </p:sp>
+      <p:sp>
+        <p:nvSpPr>
+          <p:cNvPr id="8" name="Footer Placeholder 7"/>
+          <p:cNvSpPr>
+            <a:spLocks noGrp="1"/>
+          </p:cNvSpPr>
+          <p:nvPr>
+            <p:ph type="ftr" sz="quarter" idx="11"/>
+          </p:nvPr>
+        </p:nvSpPr>
+        <p:spPr/>
+        <p:txBody>
+          <a:bodyPr/>
+          <a:lstStyle/>
+          <a:p>
+            <a:r>
+              <a:rPr lang="en-CA" smtClean="0"/>
+              <a:t>Midway Report</a:t>
+            </a:r>
+            <a:endParaRPr lang="en-CA"/>
+          </a:p>
+        </p:txBody>
+      </p:sp>
     </p:spTree>
     <p:extLst>
       <p:ext uri="{BB962C8B-B14F-4D97-AF65-F5344CB8AC3E}">
-        <p14:creationId xmlns:p14="http://schemas.microsoft.com/office/powerpoint/2010/main" val="1863445819"/>
+        <p14:creationId xmlns:p14="http://schemas.microsoft.com/office/powerpoint/2010/main" xmlns="" val="1863445819"/>
       </p:ext>
     </p:extLst>
   </p:cSld>
   <p:clrMapOvr>
     <a:masterClrMapping/>
   </p:clrMapOvr>
+  <p:timing>
+    <p:tnLst>
+      <p:par>
+        <p:cTn id="1" dur="indefinite" restart="never" nodeType="tmRoot"/>
+      </p:par>
+    </p:tnLst>
+  </p:timing>
 </p:sld>
 </file>
 
@@ -4595,10 +5854,121 @@
       </p:grpSpPr>
       <p:sp>
         <p:nvSpPr>
-          <p:cNvPr id="2" name="TextBox 1">
-            <a:extLst>
-              <a:ext uri="{FF2B5EF4-FFF2-40B4-BE49-F238E27FC236}">
-                <a16:creationId xmlns:a16="http://schemas.microsoft.com/office/drawing/2014/main" id="{CE90C6DE-B788-404F-975D-BF118E43CAFF}"/>
+          <p:cNvPr id="6" name="Date Placeholder 5"/>
+          <p:cNvSpPr>
+            <a:spLocks noGrp="1"/>
+          </p:cNvSpPr>
+          <p:nvPr>
+            <p:ph type="dt" sz="half" idx="10"/>
+          </p:nvPr>
+        </p:nvSpPr>
+        <p:spPr/>
+        <p:txBody>
+          <a:bodyPr/>
+          <a:lstStyle/>
+          <a:p>
+            <a:r>
+              <a:rPr lang="en-US" dirty="0" err="1" smtClean="0"/>
+              <a:t>Adhil</a:t>
+            </a:r>
+            <a:r>
+              <a:rPr lang="en-US" dirty="0" smtClean="0"/>
+              <a:t> &amp; </a:t>
+            </a:r>
+            <a:r>
+              <a:rPr lang="en-US" dirty="0" err="1" smtClean="0"/>
+              <a:t>Aritra</a:t>
+            </a:r>
+            <a:endParaRPr lang="en-CA" dirty="0"/>
+          </a:p>
+        </p:txBody>
+      </p:sp>
+      <p:sp>
+        <p:nvSpPr>
+          <p:cNvPr id="7" name="Slide Number Placeholder 6"/>
+          <p:cNvSpPr>
+            <a:spLocks noGrp="1"/>
+          </p:cNvSpPr>
+          <p:nvPr>
+            <p:ph type="sldNum" sz="quarter" idx="12"/>
+          </p:nvPr>
+        </p:nvSpPr>
+        <p:spPr/>
+        <p:txBody>
+          <a:bodyPr/>
+          <a:lstStyle/>
+          <a:p>
+            <a:fld id="{A615E1DC-8E13-4503-89D3-46AAEB115BB1}" type="slidenum">
+              <a:rPr lang="en-CA" smtClean="0"/>
+              <a:pPr/>
+              <a:t>4</a:t>
+            </a:fld>
+            <a:endParaRPr lang="en-CA"/>
+          </a:p>
+        </p:txBody>
+      </p:sp>
+      <p:sp>
+        <p:nvSpPr>
+          <p:cNvPr id="8" name="Footer Placeholder 7"/>
+          <p:cNvSpPr>
+            <a:spLocks noGrp="1"/>
+          </p:cNvSpPr>
+          <p:nvPr>
+            <p:ph type="ftr" sz="quarter" idx="11"/>
+          </p:nvPr>
+        </p:nvSpPr>
+        <p:spPr/>
+        <p:txBody>
+          <a:bodyPr/>
+          <a:lstStyle/>
+          <a:p>
+            <a:r>
+              <a:rPr lang="en-CA" dirty="0" smtClean="0"/>
+              <a:t>Midway Report</a:t>
+            </a:r>
+            <a:endParaRPr lang="en-CA" dirty="0"/>
+          </a:p>
+        </p:txBody>
+      </p:sp>
+      <p:pic>
+        <p:nvPicPr>
+          <p:cNvPr id="1028" name="Picture 4"/>
+          <p:cNvPicPr>
+            <a:picLocks noChangeAspect="1" noChangeArrowheads="1"/>
+          </p:cNvPicPr>
+          <p:nvPr/>
+        </p:nvPicPr>
+        <p:blipFill>
+          <a:blip r:embed="rId2"/>
+          <a:srcRect/>
+          <a:stretch>
+            <a:fillRect/>
+          </a:stretch>
+        </p:blipFill>
+        <p:spPr bwMode="auto">
+          <a:xfrm>
+            <a:off x="355602" y="1121286"/>
+            <a:ext cx="7281927" cy="4940845"/>
+          </a:xfrm>
+          <a:prstGeom prst="rect">
+            <a:avLst/>
+          </a:prstGeom>
+          <a:noFill/>
+          <a:ln w="9525">
+            <a:noFill/>
+            <a:miter lim="800000"/>
+            <a:headEnd/>
+            <a:tailEnd/>
+          </a:ln>
+          <a:effectLst/>
+        </p:spPr>
+      </p:pic>
+      <p:sp>
+        <p:nvSpPr>
+          <p:cNvPr id="10" name="TextBox 9">
+            <a:extLst>
+              <a:ext uri="{FF2B5EF4-FFF2-40B4-BE49-F238E27FC236}">
+                <a16:creationId xmlns:a16="http://schemas.microsoft.com/office/drawing/2014/main" xmlns="" id="{877A545C-1DB7-4601-BB25-7F10E7DD44B7}"/>
               </a:ext>
             </a:extLst>
           </p:cNvPr>
@@ -4607,8 +5977,8 @@
         </p:nvSpPr>
         <p:spPr>
           <a:xfrm>
-            <a:off x="4405312" y="276224"/>
-            <a:ext cx="3381375" cy="646331"/>
+            <a:off x="0" y="300565"/>
+            <a:ext cx="12192000" cy="646331"/>
           </a:xfrm>
           <a:prstGeom prst="rect">
             <a:avLst/>
@@ -4623,7 +5993,7 @@
           <a:p>
             <a:pPr algn="ctr"/>
             <a:r>
-              <a:rPr lang="en-IN" sz="3600" dirty="0">
+              <a:rPr lang="en-IN" sz="3600" dirty="0" smtClean="0">
                 <a:ln w="0"/>
                 <a:solidFill>
                   <a:schemeClr val="accent1"/>
@@ -4635,8 +6005,9 @@
                     </a:srgbClr>
                   </a:outerShdw>
                 </a:effectLst>
-              </a:rPr>
-              <a:t>Our Approach…</a:t>
+                <a:latin typeface="Constantia" pitchFamily="18" charset="0"/>
+              </a:rPr>
+              <a:t>Previous work</a:t>
             </a:r>
             <a:endParaRPr lang="en-CA" sz="3600" dirty="0">
               <a:ln w="0"/>
@@ -4650,16 +6021,17 @@
                   </a:srgbClr>
                 </a:outerShdw>
               </a:effectLst>
+              <a:latin typeface="Constantia" pitchFamily="18" charset="0"/>
             </a:endParaRPr>
           </a:p>
         </p:txBody>
       </p:sp>
       <p:sp>
         <p:nvSpPr>
-          <p:cNvPr id="3" name="TextBox 2">
-            <a:extLst>
-              <a:ext uri="{FF2B5EF4-FFF2-40B4-BE49-F238E27FC236}">
-                <a16:creationId xmlns:a16="http://schemas.microsoft.com/office/drawing/2014/main" id="{E6AD2325-88BD-4C92-A200-73FA91F625B5}"/>
+          <p:cNvPr id="11" name="TextBox 10">
+            <a:extLst>
+              <a:ext uri="{FF2B5EF4-FFF2-40B4-BE49-F238E27FC236}">
+                <a16:creationId xmlns:a16="http://schemas.microsoft.com/office/drawing/2014/main" xmlns="" id="{A1457268-0733-4E2F-943C-64C17C63BBB4}"/>
               </a:ext>
             </a:extLst>
           </p:cNvPr>
@@ -4668,8 +6040,8 @@
         </p:nvSpPr>
         <p:spPr>
           <a:xfrm>
-            <a:off x="1914525" y="1582340"/>
-            <a:ext cx="7915275" cy="3693319"/>
+            <a:off x="7636933" y="5489912"/>
+            <a:ext cx="4250268" cy="646331"/>
           </a:xfrm>
           <a:prstGeom prst="rect">
             <a:avLst/>
@@ -4683,184 +6055,301 @@
           <a:lstStyle/>
           <a:p>
             <a:r>
-              <a:rPr lang="en-IN" dirty="0">
-                <a:solidFill>
-                  <a:schemeClr val="bg1"/>
-                </a:solidFill>
-              </a:rPr>
-              <a:t>We were trying to speed up the quaternion layer calculations. For that we needed to see particularly why was it taking so long time. </a:t>
-            </a:r>
-            <a:r>
-              <a:rPr lang="en-US" dirty="0">
-                <a:solidFill>
-                  <a:schemeClr val="bg1"/>
-                </a:solidFill>
-              </a:rPr>
-              <a:t>We found the three steps of forward propagation. They are:</a:t>
-            </a:r>
-          </a:p>
-          <a:p>
-            <a:endParaRPr lang="en-US" dirty="0">
+              <a:rPr lang="en-US" sz="1200" dirty="0">
+                <a:solidFill>
+                  <a:schemeClr val="bg1"/>
+                </a:solidFill>
+                <a:latin typeface="Constantia" pitchFamily="18" charset="0"/>
+              </a:rPr>
+              <a:t>This image has been taken from </a:t>
+            </a:r>
+            <a:r>
+              <a:rPr lang="en-US" sz="1200" dirty="0">
+                <a:solidFill>
+                  <a:schemeClr val="accent1"/>
+                </a:solidFill>
+                <a:latin typeface="Constantia" pitchFamily="18" charset="0"/>
+                <a:hlinkClick r:id="rId3"/>
+              </a:rPr>
+              <a:t>this</a:t>
+            </a:r>
+            <a:r>
+              <a:rPr lang="en-US" sz="1200" dirty="0">
+                <a:solidFill>
+                  <a:schemeClr val="bg1"/>
+                </a:solidFill>
+                <a:latin typeface="Constantia" pitchFamily="18" charset="0"/>
+              </a:rPr>
+              <a:t> </a:t>
+            </a:r>
+            <a:r>
+              <a:rPr lang="en-US" sz="1200" dirty="0" smtClean="0">
+                <a:solidFill>
+                  <a:schemeClr val="bg1"/>
+                </a:solidFill>
+                <a:latin typeface="Constantia" pitchFamily="18" charset="0"/>
+              </a:rPr>
+              <a:t>paper. Sahel Mohammad </a:t>
+            </a:r>
+            <a:r>
+              <a:rPr lang="en-US" sz="1200" dirty="0" err="1" smtClean="0">
+                <a:solidFill>
+                  <a:schemeClr val="bg1"/>
+                </a:solidFill>
+                <a:latin typeface="Constantia" pitchFamily="18" charset="0"/>
+              </a:rPr>
+              <a:t>Iqbal</a:t>
+            </a:r>
+            <a:r>
+              <a:rPr lang="en-US" sz="1200" dirty="0" smtClean="0">
+                <a:solidFill>
+                  <a:schemeClr val="bg1"/>
+                </a:solidFill>
+                <a:latin typeface="Constantia" pitchFamily="18" charset="0"/>
+              </a:rPr>
+              <a:t> and </a:t>
+            </a:r>
+            <a:r>
+              <a:rPr lang="en-US" sz="1200" dirty="0" err="1" smtClean="0">
+                <a:solidFill>
+                  <a:schemeClr val="bg1"/>
+                </a:solidFill>
+                <a:latin typeface="Constantia" pitchFamily="18" charset="0"/>
+              </a:rPr>
+              <a:t>Subhankar</a:t>
+            </a:r>
+            <a:r>
+              <a:rPr lang="en-US" sz="1200" dirty="0" smtClean="0">
+                <a:solidFill>
+                  <a:schemeClr val="bg1"/>
+                </a:solidFill>
+                <a:latin typeface="Constantia" pitchFamily="18" charset="0"/>
+              </a:rPr>
+              <a:t> </a:t>
+            </a:r>
+            <a:r>
+              <a:rPr lang="en-US" sz="1200" dirty="0" err="1" smtClean="0">
+                <a:solidFill>
+                  <a:schemeClr val="bg1"/>
+                </a:solidFill>
+                <a:latin typeface="Constantia" pitchFamily="18" charset="0"/>
+              </a:rPr>
+              <a:t>Mishra</a:t>
+            </a:r>
+            <a:r>
+              <a:rPr lang="en-US" sz="1200" dirty="0" smtClean="0">
+                <a:solidFill>
+                  <a:schemeClr val="bg1"/>
+                </a:solidFill>
+                <a:latin typeface="Constantia" pitchFamily="18" charset="0"/>
+              </a:rPr>
+              <a:t>. 2023. </a:t>
+            </a:r>
+            <a:r>
+              <a:rPr lang="en-US" sz="1200" i="1" dirty="0" smtClean="0">
+                <a:solidFill>
+                  <a:schemeClr val="bg1"/>
+                </a:solidFill>
+                <a:latin typeface="Constantia" pitchFamily="18" charset="0"/>
+              </a:rPr>
+              <a:t>Neural Networks at a Fraction with Pruned </a:t>
+            </a:r>
+            <a:r>
+              <a:rPr lang="en-US" sz="1200" i="1" dirty="0" err="1" smtClean="0">
+                <a:solidFill>
+                  <a:schemeClr val="bg1"/>
+                </a:solidFill>
+                <a:latin typeface="Constantia" pitchFamily="18" charset="0"/>
+              </a:rPr>
+              <a:t>Quaternions</a:t>
+            </a:r>
+            <a:r>
+              <a:rPr lang="en-US" sz="1200" dirty="0" smtClean="0">
+                <a:solidFill>
+                  <a:schemeClr val="bg1"/>
+                </a:solidFill>
+                <a:latin typeface="Constantia" pitchFamily="18" charset="0"/>
+              </a:rPr>
+              <a:t>.. </a:t>
+            </a:r>
+            <a:endParaRPr lang="en-CA" sz="1200" dirty="0">
               <a:solidFill>
                 <a:schemeClr val="bg1"/>
               </a:solidFill>
+              <a:latin typeface="Constantia" pitchFamily="18" charset="0"/>
             </a:endParaRPr>
           </a:p>
-          <a:p>
-            <a:pPr marL="342900" indent="-342900">
-              <a:buFont typeface="+mj-lt"/>
-              <a:buAutoNum type="arabicPeriod"/>
+        </p:txBody>
+      </p:sp>
+      <p:sp>
+        <p:nvSpPr>
+          <p:cNvPr id="12" name="TextBox 11">
+            <a:extLst>
+              <a:ext uri="{FF2B5EF4-FFF2-40B4-BE49-F238E27FC236}">
+                <a16:creationId xmlns:a16="http://schemas.microsoft.com/office/drawing/2014/main" xmlns="" id="{C5463A73-9987-43FE-A237-F616D57F0640}"/>
+              </a:ext>
+            </a:extLst>
+          </p:cNvPr>
+          <p:cNvSpPr txBox="1"/>
+          <p:nvPr/>
+        </p:nvSpPr>
+        <p:spPr>
+          <a:xfrm>
+            <a:off x="7823199" y="1072216"/>
+            <a:ext cx="4114801" cy="4339650"/>
+          </a:xfrm>
+          <a:prstGeom prst="rect">
+            <a:avLst/>
+          </a:prstGeom>
+          <a:noFill/>
+        </p:spPr>
+        <p:txBody>
+          <a:bodyPr wrap="square" rtlCol="0">
+            <a:spAutoFit/>
+          </a:bodyPr>
+          <a:lstStyle/>
+          <a:p>
+            <a:pPr algn="just">
+              <a:buFont typeface="Arial" pitchFamily="34" charset="0"/>
+              <a:buChar char="•"/>
             </a:pPr>
             <a:r>
-              <a:rPr lang="en-US" dirty="0">
-                <a:solidFill>
-                  <a:schemeClr val="bg1"/>
-                </a:solidFill>
-              </a:rPr>
-              <a:t>building 4×4 Quaternion to real matrix (w)</a:t>
-            </a:r>
-          </a:p>
-          <a:p>
-            <a:pPr marL="342900" indent="-342900">
-              <a:buFont typeface="+mj-lt"/>
-              <a:buAutoNum type="arabicPeriod"/>
-            </a:pPr>
-            <a:r>
-              <a:rPr lang="en-US" dirty="0">
-                <a:solidFill>
-                  <a:schemeClr val="bg1"/>
-                </a:solidFill>
-              </a:rPr>
-              <a:t>Finding </a:t>
-            </a:r>
-            <a:r>
-              <a:rPr lang="en-US" dirty="0" err="1">
-                <a:solidFill>
-                  <a:schemeClr val="bg1"/>
-                </a:solidFill>
-              </a:rPr>
-              <a:t>wx</a:t>
-            </a:r>
-            <a:r>
-              <a:rPr lang="en-US" dirty="0">
-                <a:solidFill>
-                  <a:schemeClr val="bg1"/>
-                </a:solidFill>
-              </a:rPr>
-              <a:t> + b (applying linear function)</a:t>
-            </a:r>
-          </a:p>
-          <a:p>
-            <a:pPr marL="342900" indent="-342900">
-              <a:buFont typeface="+mj-lt"/>
-              <a:buAutoNum type="arabicPeriod"/>
-            </a:pPr>
-            <a:r>
-              <a:rPr lang="en-US" dirty="0">
-                <a:solidFill>
-                  <a:schemeClr val="bg1"/>
-                </a:solidFill>
-              </a:rPr>
-              <a:t>typecasting the output of step 2 to a Quaternion tensor.</a:t>
-            </a:r>
-          </a:p>
-          <a:p>
-            <a:pPr marL="342900" indent="-342900">
-              <a:buFont typeface="+mj-lt"/>
-              <a:buAutoNum type="arabicPeriod"/>
-            </a:pPr>
-            <a:endParaRPr lang="en-US" dirty="0">
+              <a:rPr lang="en-US" sz="2000" dirty="0" smtClean="0">
+                <a:solidFill>
+                  <a:schemeClr val="bg1"/>
+                </a:solidFill>
+                <a:latin typeface="Constantia" pitchFamily="18" charset="0"/>
+              </a:rPr>
+              <a:t>  Graphs on training both real and quaternion models .</a:t>
+            </a:r>
+          </a:p>
+          <a:p>
+            <a:pPr algn="just"/>
+            <a:endParaRPr lang="en-US" sz="800" dirty="0" smtClean="0">
               <a:solidFill>
                 <a:schemeClr val="bg1"/>
               </a:solidFill>
+              <a:latin typeface="Constantia" pitchFamily="18" charset="0"/>
             </a:endParaRPr>
           </a:p>
           <a:p>
-            <a:r>
-              <a:rPr lang="en-US" dirty="0">
-                <a:solidFill>
-                  <a:schemeClr val="bg1"/>
-                </a:solidFill>
-              </a:rPr>
-              <a:t>We found that step </a:t>
-            </a:r>
-            <a:r>
-              <a:rPr lang="en-CA" dirty="0">
-                <a:solidFill>
-                  <a:schemeClr val="bg1"/>
-                </a:solidFill>
-              </a:rPr>
-              <a:t>3 was taking up 95% of the time. Further study revealed This was </a:t>
-            </a:r>
-            <a:r>
-              <a:rPr lang="en-US" dirty="0">
-                <a:solidFill>
-                  <a:schemeClr val="bg1"/>
-                </a:solidFill>
-              </a:rPr>
-              <a:t>because of a line </a:t>
-            </a:r>
-            <a:r>
-              <a:rPr lang="en-US" b="1" dirty="0" err="1">
-                <a:solidFill>
-                  <a:schemeClr val="bg1"/>
-                </a:solidFill>
-              </a:rPr>
-              <a:t>q.cpu</a:t>
-            </a:r>
-            <a:r>
-              <a:rPr lang="en-US" b="1" dirty="0">
-                <a:solidFill>
-                  <a:schemeClr val="bg1"/>
-                </a:solidFill>
-              </a:rPr>
-              <a:t>() </a:t>
-            </a:r>
-            <a:r>
-              <a:rPr lang="en-US" dirty="0">
-                <a:solidFill>
-                  <a:schemeClr val="bg1"/>
-                </a:solidFill>
-              </a:rPr>
-              <a:t>which was needlessly copying the x to the CPU memory (the RAM) after every layer. Being a highly experimental part of library, we changed it to </a:t>
-            </a:r>
-            <a:r>
-              <a:rPr lang="en-US" b="1" dirty="0" err="1">
-                <a:solidFill>
-                  <a:schemeClr val="bg1"/>
-                </a:solidFill>
-              </a:rPr>
-              <a:t>q.cuda</a:t>
-            </a:r>
-            <a:r>
-              <a:rPr lang="en-US" b="1" dirty="0">
-                <a:solidFill>
-                  <a:schemeClr val="bg1"/>
-                </a:solidFill>
-              </a:rPr>
-              <a:t>() </a:t>
-            </a:r>
-            <a:r>
-              <a:rPr lang="en-US" dirty="0">
-                <a:solidFill>
-                  <a:schemeClr val="bg1"/>
-                </a:solidFill>
-              </a:rPr>
-              <a:t>and got rid of the redundant operations. This improved the speed by almost double (22.5 it/s to 57.5 it/s).</a:t>
-            </a:r>
+            <a:pPr algn="just">
+              <a:buFont typeface="Arial" pitchFamily="34" charset="0"/>
+              <a:buChar char="•"/>
+            </a:pPr>
+            <a:r>
+              <a:rPr lang="en-US" sz="2000" dirty="0" smtClean="0">
+                <a:solidFill>
+                  <a:schemeClr val="bg1"/>
+                </a:solidFill>
+                <a:latin typeface="Constantia" pitchFamily="18" charset="0"/>
+              </a:rPr>
+              <a:t> </a:t>
+            </a:r>
+            <a:r>
+              <a:rPr lang="en-US" sz="2000" dirty="0" smtClean="0">
+                <a:solidFill>
+                  <a:schemeClr val="bg1"/>
+                </a:solidFill>
+                <a:latin typeface="Constantia" pitchFamily="18" charset="0"/>
+              </a:rPr>
+              <a:t> For </a:t>
+            </a:r>
+            <a:r>
+              <a:rPr lang="en-US" sz="2000" dirty="0" smtClean="0">
+                <a:solidFill>
+                  <a:schemeClr val="bg1"/>
+                </a:solidFill>
+                <a:latin typeface="Constantia" pitchFamily="18" charset="0"/>
+              </a:rPr>
+              <a:t>the MNIST dataset, the input images are grayscale with only one channel. In Lenet-300-100, each set of four pixels are fed to a quaternion neuron after flattening the </a:t>
+            </a:r>
+            <a:r>
+              <a:rPr lang="en-US" sz="2000" dirty="0" smtClean="0">
+                <a:solidFill>
+                  <a:schemeClr val="bg1"/>
+                </a:solidFill>
+                <a:latin typeface="Constantia" pitchFamily="18" charset="0"/>
+              </a:rPr>
+              <a:t>image.</a:t>
+            </a:r>
+          </a:p>
+          <a:p>
+            <a:pPr algn="just"/>
+            <a:endParaRPr lang="en-US" sz="800" dirty="0" smtClean="0">
+              <a:solidFill>
+                <a:schemeClr val="bg1"/>
+              </a:solidFill>
+              <a:latin typeface="Constantia" pitchFamily="18" charset="0"/>
+            </a:endParaRPr>
+          </a:p>
+          <a:p>
+            <a:pPr algn="just">
+              <a:buFont typeface="Arial" pitchFamily="34" charset="0"/>
+              <a:buChar char="•"/>
+            </a:pPr>
+            <a:r>
+              <a:rPr lang="en-US" sz="2000" dirty="0" smtClean="0">
+                <a:solidFill>
+                  <a:schemeClr val="bg1"/>
+                </a:solidFill>
+                <a:latin typeface="Constantia" pitchFamily="18" charset="0"/>
+              </a:rPr>
+              <a:t> </a:t>
+            </a:r>
+            <a:r>
+              <a:rPr lang="en-US" sz="2000" dirty="0" smtClean="0">
+                <a:solidFill>
+                  <a:schemeClr val="bg1"/>
+                </a:solidFill>
+                <a:latin typeface="Constantia" pitchFamily="18" charset="0"/>
+              </a:rPr>
+              <a:t> For </a:t>
+            </a:r>
+            <a:r>
+              <a:rPr lang="en-US" sz="2000" dirty="0" smtClean="0">
+                <a:solidFill>
+                  <a:schemeClr val="bg1"/>
+                </a:solidFill>
+                <a:latin typeface="Constantia" pitchFamily="18" charset="0"/>
+              </a:rPr>
+              <a:t>color vision tasks such as CIFAR-10, the RGB channels of each pixel are treated as belonging to a single quaternion neuron by adding one more channel to the input </a:t>
+            </a:r>
+            <a:r>
+              <a:rPr lang="en-US" sz="2000" dirty="0" smtClean="0">
+                <a:solidFill>
+                  <a:schemeClr val="bg1"/>
+                </a:solidFill>
+                <a:latin typeface="Constantia" pitchFamily="18" charset="0"/>
+              </a:rPr>
+              <a:t>images, which is grayscale data.</a:t>
+            </a:r>
+            <a:endParaRPr lang="en-CA" sz="2000" dirty="0">
+              <a:solidFill>
+                <a:schemeClr val="bg1"/>
+              </a:solidFill>
+              <a:latin typeface="Constantia" pitchFamily="18" charset="0"/>
+            </a:endParaRPr>
           </a:p>
         </p:txBody>
       </p:sp>
     </p:spTree>
     <p:extLst>
       <p:ext uri="{BB962C8B-B14F-4D97-AF65-F5344CB8AC3E}">
-        <p14:creationId xmlns:p14="http://schemas.microsoft.com/office/powerpoint/2010/main" val="2460172199"/>
+        <p14:creationId xmlns:p14="http://schemas.microsoft.com/office/powerpoint/2010/main" xmlns="" val="1863445819"/>
       </p:ext>
     </p:extLst>
   </p:cSld>
   <p:clrMapOvr>
     <a:masterClrMapping/>
   </p:clrMapOvr>
+  <p:timing>
+    <p:tnLst>
+      <p:par>
+        <p:cTn id="1" dur="indefinite" restart="never" nodeType="tmRoot"/>
+      </p:par>
+    </p:tnLst>
+  </p:timing>
 </p:sld>
 </file>
 
@@ -4886,7 +6375,7 @@
           <p:cNvPr id="3" name="TextBox 2">
             <a:extLst>
               <a:ext uri="{FF2B5EF4-FFF2-40B4-BE49-F238E27FC236}">
-                <a16:creationId xmlns:a16="http://schemas.microsoft.com/office/drawing/2014/main" id="{F299E365-BF60-4BD0-8CB3-388DBD859E64}"/>
+                <a16:creationId xmlns:a16="http://schemas.microsoft.com/office/drawing/2014/main" xmlns="" id="{877A545C-1DB7-4601-BB25-7F10E7DD44B7}"/>
               </a:ext>
             </a:extLst>
           </p:cNvPr>
@@ -4895,8 +6384,8 @@
         </p:nvSpPr>
         <p:spPr>
           <a:xfrm>
-            <a:off x="4405312" y="276224"/>
-            <a:ext cx="3381375" cy="646331"/>
+            <a:off x="0" y="300565"/>
+            <a:ext cx="12192000" cy="646331"/>
           </a:xfrm>
           <a:prstGeom prst="rect">
             <a:avLst/>
@@ -4911,7 +6400,7 @@
           <a:p>
             <a:pPr algn="ctr"/>
             <a:r>
-              <a:rPr lang="en-IN" sz="3600" dirty="0">
+              <a:rPr lang="en-IN" sz="3600" dirty="0" smtClean="0">
                 <a:ln w="0"/>
                 <a:solidFill>
                   <a:schemeClr val="accent1"/>
@@ -4923,8 +6412,9 @@
                     </a:srgbClr>
                   </a:outerShdw>
                 </a:effectLst>
-              </a:rPr>
-              <a:t>Relevant Graphs</a:t>
+                <a:latin typeface="Constantia" pitchFamily="18" charset="0"/>
+              </a:rPr>
+              <a:t>Previous work</a:t>
             </a:r>
             <a:endParaRPr lang="en-CA" sz="3600" dirty="0">
               <a:ln w="0"/>
@@ -4938,90 +6428,413 @@
                   </a:srgbClr>
                 </a:outerShdw>
               </a:effectLst>
+              <a:latin typeface="Constantia" pitchFamily="18" charset="0"/>
             </a:endParaRPr>
           </a:p>
         </p:txBody>
       </p:sp>
-      <p:pic>
-        <p:nvPicPr>
-          <p:cNvPr id="5" name="Picture 4">
-            <a:extLst>
-              <a:ext uri="{FF2B5EF4-FFF2-40B4-BE49-F238E27FC236}">
-                <a16:creationId xmlns:a16="http://schemas.microsoft.com/office/drawing/2014/main" id="{6F1BCDE5-6515-431F-BAEA-8407B00E8827}"/>
-              </a:ext>
-            </a:extLst>
-          </p:cNvPr>
-          <p:cNvPicPr>
-            <a:picLocks noChangeAspect="1"/>
-          </p:cNvPicPr>
+      <p:sp>
+        <p:nvSpPr>
+          <p:cNvPr id="5" name="TextBox 4">
+            <a:extLst>
+              <a:ext uri="{FF2B5EF4-FFF2-40B4-BE49-F238E27FC236}">
+                <a16:creationId xmlns:a16="http://schemas.microsoft.com/office/drawing/2014/main" xmlns="" id="{C5463A73-9987-43FE-A237-F616D57F0640}"/>
+              </a:ext>
+            </a:extLst>
+          </p:cNvPr>
+          <p:cNvSpPr txBox="1"/>
           <p:nvPr/>
-        </p:nvPicPr>
-        <p:blipFill rotWithShape="1">
-          <a:blip r:embed="rId2">
-            <a:extLst>
-              <a:ext uri="{28A0092B-C50C-407E-A947-70E740481C1C}">
-                <a14:useLocalDpi xmlns:a14="http://schemas.microsoft.com/office/drawing/2010/main" val="0"/>
-              </a:ext>
-            </a:extLst>
-          </a:blip>
-          <a:srcRect l="1402" t="29802" r="9454"/>
-          <a:stretch/>
-        </p:blipFill>
+        </p:nvSpPr>
         <p:spPr>
           <a:xfrm>
-            <a:off x="6296024" y="1335851"/>
-            <a:ext cx="5410201" cy="4410431"/>
+            <a:off x="7823199" y="1072216"/>
+            <a:ext cx="4114801" cy="4093428"/>
           </a:xfrm>
           <a:prstGeom prst="rect">
             <a:avLst/>
           </a:prstGeom>
+          <a:noFill/>
         </p:spPr>
-      </p:pic>
-      <p:pic>
-        <p:nvPicPr>
-          <p:cNvPr id="7" name="Picture 6">
-            <a:extLst>
-              <a:ext uri="{FF2B5EF4-FFF2-40B4-BE49-F238E27FC236}">
-                <a16:creationId xmlns:a16="http://schemas.microsoft.com/office/drawing/2014/main" id="{7D95E72B-2C74-4193-9347-8C7D526DA524}"/>
-              </a:ext>
-            </a:extLst>
-          </p:cNvPr>
-          <p:cNvPicPr>
-            <a:picLocks noChangeAspect="1"/>
-          </p:cNvPicPr>
+        <p:txBody>
+          <a:bodyPr wrap="square" rtlCol="0">
+            <a:spAutoFit/>
+          </a:bodyPr>
+          <a:lstStyle/>
+          <a:p>
+            <a:pPr algn="just">
+              <a:buFont typeface="Arial" pitchFamily="34" charset="0"/>
+              <a:buChar char="•"/>
+            </a:pPr>
+            <a:r>
+              <a:rPr lang="en-US" sz="2000" dirty="0" smtClean="0">
+                <a:solidFill>
+                  <a:schemeClr val="bg1"/>
+                </a:solidFill>
+                <a:latin typeface="Constantia" pitchFamily="18" charset="0"/>
+              </a:rPr>
+              <a:t> “pruned quaternion models can be re-trained from scratch to match the original accuracy of the </a:t>
+            </a:r>
+            <a:r>
+              <a:rPr lang="en-US" sz="2000" dirty="0" err="1" smtClean="0">
+                <a:solidFill>
+                  <a:schemeClr val="bg1"/>
+                </a:solidFill>
+                <a:latin typeface="Constantia" pitchFamily="18" charset="0"/>
+              </a:rPr>
+              <a:t>unpruned</a:t>
+            </a:r>
+            <a:r>
+              <a:rPr lang="en-US" sz="2000" dirty="0" smtClean="0">
+                <a:solidFill>
+                  <a:schemeClr val="bg1"/>
+                </a:solidFill>
+                <a:latin typeface="Constantia" pitchFamily="18" charset="0"/>
+              </a:rPr>
+              <a:t> model, showing that lottery tickets exist for quaternion networks as well.” (Sahel et al</a:t>
+            </a:r>
+            <a:r>
+              <a:rPr lang="en-US" sz="2000" dirty="0" smtClean="0">
+                <a:solidFill>
+                  <a:schemeClr val="bg1"/>
+                </a:solidFill>
+                <a:latin typeface="Constantia" pitchFamily="18" charset="0"/>
+              </a:rPr>
+              <a:t>.)</a:t>
+            </a:r>
+          </a:p>
+          <a:p>
+            <a:pPr algn="just"/>
+            <a:endParaRPr lang="en-US" sz="2000" dirty="0" smtClean="0">
+              <a:solidFill>
+                <a:schemeClr val="bg1"/>
+              </a:solidFill>
+              <a:latin typeface="Constantia" pitchFamily="18" charset="0"/>
+            </a:endParaRPr>
+          </a:p>
+          <a:p>
+            <a:pPr algn="just">
+              <a:buFont typeface="Arial" pitchFamily="34" charset="0"/>
+              <a:buChar char="•"/>
+            </a:pPr>
+            <a:r>
+              <a:rPr lang="en-US" sz="2000" dirty="0" smtClean="0">
+                <a:solidFill>
+                  <a:schemeClr val="bg1"/>
+                </a:solidFill>
+                <a:latin typeface="Constantia" pitchFamily="18" charset="0"/>
+              </a:rPr>
+              <a:t> “when pruned to high levels of </a:t>
+            </a:r>
+            <a:r>
+              <a:rPr lang="en-US" sz="2000" dirty="0" err="1" smtClean="0">
+                <a:solidFill>
+                  <a:schemeClr val="bg1"/>
+                </a:solidFill>
+                <a:latin typeface="Constantia" pitchFamily="18" charset="0"/>
+              </a:rPr>
+              <a:t>sparsities</a:t>
+            </a:r>
+            <a:r>
+              <a:rPr lang="en-US" sz="2000" dirty="0" smtClean="0">
+                <a:solidFill>
+                  <a:schemeClr val="bg1"/>
+                </a:solidFill>
+                <a:latin typeface="Constantia" pitchFamily="18" charset="0"/>
+              </a:rPr>
+              <a:t>, quaternion implementations of certain models outperform their complementary real-valued models of equivalent architectures. “</a:t>
+            </a:r>
+            <a:endParaRPr lang="en-CA" sz="2000" dirty="0">
+              <a:solidFill>
+                <a:schemeClr val="bg1"/>
+              </a:solidFill>
+              <a:latin typeface="Constantia" pitchFamily="18" charset="0"/>
+            </a:endParaRPr>
+          </a:p>
+        </p:txBody>
+      </p:sp>
+      <p:sp>
+        <p:nvSpPr>
+          <p:cNvPr id="2" name="TextBox 1">
+            <a:extLst>
+              <a:ext uri="{FF2B5EF4-FFF2-40B4-BE49-F238E27FC236}">
+                <a16:creationId xmlns:a16="http://schemas.microsoft.com/office/drawing/2014/main" xmlns="" id="{A1457268-0733-4E2F-943C-64C17C63BBB4}"/>
+              </a:ext>
+            </a:extLst>
+          </p:cNvPr>
+          <p:cNvSpPr txBox="1"/>
           <p:nvPr/>
-        </p:nvPicPr>
-        <p:blipFill rotWithShape="1">
-          <a:blip r:embed="rId3">
-            <a:extLst>
-              <a:ext uri="{28A0092B-C50C-407E-A947-70E740481C1C}">
-                <a14:useLocalDpi xmlns:a14="http://schemas.microsoft.com/office/drawing/2010/main" val="0"/>
-              </a:ext>
-            </a:extLst>
-          </a:blip>
-          <a:srcRect t="29802" r="6029"/>
-          <a:stretch/>
-        </p:blipFill>
+        </p:nvSpPr>
         <p:spPr>
           <a:xfrm>
-            <a:off x="455630" y="1335851"/>
-            <a:ext cx="5421294" cy="4331524"/>
+            <a:off x="7704667" y="5591512"/>
+            <a:ext cx="4250268" cy="646331"/>
           </a:xfrm>
           <a:prstGeom prst="rect">
             <a:avLst/>
           </a:prstGeom>
+          <a:noFill/>
+        </p:spPr>
+        <p:txBody>
+          <a:bodyPr wrap="square" rtlCol="0">
+            <a:spAutoFit/>
+          </a:bodyPr>
+          <a:lstStyle/>
+          <a:p>
+            <a:r>
+              <a:rPr lang="en-US" sz="1200" dirty="0">
+                <a:solidFill>
+                  <a:schemeClr val="bg1"/>
+                </a:solidFill>
+                <a:latin typeface="Constantia" pitchFamily="18" charset="0"/>
+              </a:rPr>
+              <a:t>This image has been taken from </a:t>
+            </a:r>
+            <a:r>
+              <a:rPr lang="en-US" sz="1200" dirty="0">
+                <a:solidFill>
+                  <a:schemeClr val="accent1"/>
+                </a:solidFill>
+                <a:latin typeface="Constantia" pitchFamily="18" charset="0"/>
+                <a:hlinkClick r:id="rId2"/>
+              </a:rPr>
+              <a:t>this</a:t>
+            </a:r>
+            <a:r>
+              <a:rPr lang="en-US" sz="1200" dirty="0">
+                <a:solidFill>
+                  <a:schemeClr val="bg1"/>
+                </a:solidFill>
+                <a:latin typeface="Constantia" pitchFamily="18" charset="0"/>
+              </a:rPr>
+              <a:t> </a:t>
+            </a:r>
+            <a:r>
+              <a:rPr lang="en-US" sz="1200" dirty="0" smtClean="0">
+                <a:solidFill>
+                  <a:schemeClr val="bg1"/>
+                </a:solidFill>
+                <a:latin typeface="Constantia" pitchFamily="18" charset="0"/>
+              </a:rPr>
+              <a:t>paper. Sahel Mohammad </a:t>
+            </a:r>
+            <a:r>
+              <a:rPr lang="en-US" sz="1200" dirty="0" err="1" smtClean="0">
+                <a:solidFill>
+                  <a:schemeClr val="bg1"/>
+                </a:solidFill>
+                <a:latin typeface="Constantia" pitchFamily="18" charset="0"/>
+              </a:rPr>
+              <a:t>Iqbal</a:t>
+            </a:r>
+            <a:r>
+              <a:rPr lang="en-US" sz="1200" dirty="0" smtClean="0">
+                <a:solidFill>
+                  <a:schemeClr val="bg1"/>
+                </a:solidFill>
+                <a:latin typeface="Constantia" pitchFamily="18" charset="0"/>
+              </a:rPr>
+              <a:t> and </a:t>
+            </a:r>
+            <a:r>
+              <a:rPr lang="en-US" sz="1200" dirty="0" err="1" smtClean="0">
+                <a:solidFill>
+                  <a:schemeClr val="bg1"/>
+                </a:solidFill>
+                <a:latin typeface="Constantia" pitchFamily="18" charset="0"/>
+              </a:rPr>
+              <a:t>Subhankar</a:t>
+            </a:r>
+            <a:r>
+              <a:rPr lang="en-US" sz="1200" dirty="0" smtClean="0">
+                <a:solidFill>
+                  <a:schemeClr val="bg1"/>
+                </a:solidFill>
+                <a:latin typeface="Constantia" pitchFamily="18" charset="0"/>
+              </a:rPr>
+              <a:t> </a:t>
+            </a:r>
+            <a:r>
+              <a:rPr lang="en-US" sz="1200" dirty="0" err="1" smtClean="0">
+                <a:solidFill>
+                  <a:schemeClr val="bg1"/>
+                </a:solidFill>
+                <a:latin typeface="Constantia" pitchFamily="18" charset="0"/>
+              </a:rPr>
+              <a:t>Mishra</a:t>
+            </a:r>
+            <a:r>
+              <a:rPr lang="en-US" sz="1200" dirty="0" smtClean="0">
+                <a:solidFill>
+                  <a:schemeClr val="bg1"/>
+                </a:solidFill>
+                <a:latin typeface="Constantia" pitchFamily="18" charset="0"/>
+              </a:rPr>
+              <a:t>. 2023. </a:t>
+            </a:r>
+            <a:r>
+              <a:rPr lang="en-US" sz="1200" i="1" dirty="0" smtClean="0">
+                <a:solidFill>
+                  <a:schemeClr val="bg1"/>
+                </a:solidFill>
+                <a:latin typeface="Constantia" pitchFamily="18" charset="0"/>
+              </a:rPr>
+              <a:t>Neural Networks at a Fraction with Pruned </a:t>
+            </a:r>
+            <a:r>
+              <a:rPr lang="en-US" sz="1200" i="1" dirty="0" err="1" smtClean="0">
+                <a:solidFill>
+                  <a:schemeClr val="bg1"/>
+                </a:solidFill>
+                <a:latin typeface="Constantia" pitchFamily="18" charset="0"/>
+              </a:rPr>
+              <a:t>Quaternions</a:t>
+            </a:r>
+            <a:r>
+              <a:rPr lang="en-US" sz="1200" dirty="0" smtClean="0">
+                <a:solidFill>
+                  <a:schemeClr val="bg1"/>
+                </a:solidFill>
+                <a:latin typeface="Constantia" pitchFamily="18" charset="0"/>
+              </a:rPr>
+              <a:t>.. </a:t>
+            </a:r>
+            <a:endParaRPr lang="en-CA" sz="1200" dirty="0">
+              <a:solidFill>
+                <a:schemeClr val="bg1"/>
+              </a:solidFill>
+              <a:latin typeface="Constantia" pitchFamily="18" charset="0"/>
+            </a:endParaRPr>
+          </a:p>
+        </p:txBody>
+      </p:sp>
+      <p:sp>
+        <p:nvSpPr>
+          <p:cNvPr id="6" name="Date Placeholder 5"/>
+          <p:cNvSpPr>
+            <a:spLocks noGrp="1"/>
+          </p:cNvSpPr>
+          <p:nvPr>
+            <p:ph type="dt" sz="half" idx="10"/>
+          </p:nvPr>
+        </p:nvSpPr>
+        <p:spPr/>
+        <p:txBody>
+          <a:bodyPr/>
+          <a:lstStyle/>
+          <a:p>
+            <a:r>
+              <a:rPr lang="en-US" dirty="0" err="1" smtClean="0"/>
+              <a:t>Adhil</a:t>
+            </a:r>
+            <a:r>
+              <a:rPr lang="en-US" dirty="0" smtClean="0"/>
+              <a:t> &amp; </a:t>
+            </a:r>
+            <a:r>
+              <a:rPr lang="en-US" dirty="0" err="1" smtClean="0"/>
+              <a:t>Aritra</a:t>
+            </a:r>
+            <a:endParaRPr lang="en-CA" dirty="0"/>
+          </a:p>
+        </p:txBody>
+      </p:sp>
+      <p:sp>
+        <p:nvSpPr>
+          <p:cNvPr id="7" name="Slide Number Placeholder 6"/>
+          <p:cNvSpPr>
+            <a:spLocks noGrp="1"/>
+          </p:cNvSpPr>
+          <p:nvPr>
+            <p:ph type="sldNum" sz="quarter" idx="12"/>
+          </p:nvPr>
+        </p:nvSpPr>
+        <p:spPr/>
+        <p:txBody>
+          <a:bodyPr/>
+          <a:lstStyle/>
+          <a:p>
+            <a:fld id="{A615E1DC-8E13-4503-89D3-46AAEB115BB1}" type="slidenum">
+              <a:rPr lang="en-CA" smtClean="0"/>
+              <a:pPr/>
+              <a:t>5</a:t>
+            </a:fld>
+            <a:endParaRPr lang="en-CA"/>
+          </a:p>
+        </p:txBody>
+      </p:sp>
+      <p:sp>
+        <p:nvSpPr>
+          <p:cNvPr id="8" name="Footer Placeholder 7"/>
+          <p:cNvSpPr>
+            <a:spLocks noGrp="1"/>
+          </p:cNvSpPr>
+          <p:nvPr>
+            <p:ph type="ftr" sz="quarter" idx="11"/>
+          </p:nvPr>
+        </p:nvSpPr>
+        <p:spPr/>
+        <p:txBody>
+          <a:bodyPr/>
+          <a:lstStyle/>
+          <a:p>
+            <a:r>
+              <a:rPr lang="en-CA" dirty="0" smtClean="0"/>
+              <a:t>Midway Report</a:t>
+            </a:r>
+            <a:endParaRPr lang="en-CA" dirty="0"/>
+          </a:p>
+        </p:txBody>
+      </p:sp>
+      <p:pic>
+        <p:nvPicPr>
+          <p:cNvPr id="9" name="Picture 5"/>
+          <p:cNvPicPr>
+            <a:picLocks noChangeAspect="1" noChangeArrowheads="1"/>
+          </p:cNvPicPr>
+          <p:nvPr/>
+        </p:nvPicPr>
+        <p:blipFill>
+          <a:blip r:embed="rId3"/>
+          <a:srcRect/>
+          <a:stretch>
+            <a:fillRect/>
+          </a:stretch>
+        </p:blipFill>
+        <p:spPr bwMode="auto">
+          <a:xfrm>
+            <a:off x="237067" y="1175809"/>
+            <a:ext cx="7437247" cy="5021787"/>
+          </a:xfrm>
+          <a:prstGeom prst="rect">
+            <a:avLst/>
+          </a:prstGeom>
+          <a:noFill/>
+          <a:ln w="9525">
+            <a:noFill/>
+            <a:miter lim="800000"/>
+            <a:headEnd/>
+            <a:tailEnd/>
+          </a:ln>
+          <a:effectLst/>
         </p:spPr>
       </p:pic>
     </p:spTree>
     <p:extLst>
       <p:ext uri="{BB962C8B-B14F-4D97-AF65-F5344CB8AC3E}">
-        <p14:creationId xmlns:p14="http://schemas.microsoft.com/office/powerpoint/2010/main" val="3760547177"/>
+        <p14:creationId xmlns:p14="http://schemas.microsoft.com/office/powerpoint/2010/main" xmlns="" val="1863445819"/>
       </p:ext>
     </p:extLst>
   </p:cSld>
   <p:clrMapOvr>
     <a:masterClrMapping/>
   </p:clrMapOvr>
+  <p:timing>
+    <p:tnLst>
+      <p:par>
+        <p:cTn id="1" dur="indefinite" restart="never" nodeType="tmRoot"/>
+      </p:par>
+    </p:tnLst>
+  </p:timing>
 </p:sld>
 </file>
 
@@ -5047,7 +6860,7 @@
           <p:cNvPr id="2" name="TextBox 1">
             <a:extLst>
               <a:ext uri="{FF2B5EF4-FFF2-40B4-BE49-F238E27FC236}">
-                <a16:creationId xmlns:a16="http://schemas.microsoft.com/office/drawing/2014/main" id="{2C2899EF-C305-4C4D-A39D-AB62F11EE6D4}"/>
+                <a16:creationId xmlns:a16="http://schemas.microsoft.com/office/drawing/2014/main" xmlns="" id="{CE90C6DE-B788-404F-975D-BF118E43CAFF}"/>
               </a:ext>
             </a:extLst>
           </p:cNvPr>
@@ -5056,8 +6869,8 @@
         </p:nvSpPr>
         <p:spPr>
           <a:xfrm>
-            <a:off x="3802856" y="304799"/>
-            <a:ext cx="4586287" cy="646331"/>
+            <a:off x="0" y="276224"/>
+            <a:ext cx="12192000" cy="646331"/>
           </a:xfrm>
           <a:prstGeom prst="rect">
             <a:avLst/>
@@ -5084,8 +6897,9 @@
                     </a:srgbClr>
                   </a:outerShdw>
                 </a:effectLst>
-              </a:rPr>
-              <a:t>Interesting Results</a:t>
+                <a:latin typeface="Constantia" pitchFamily="18" charset="0"/>
+              </a:rPr>
+              <a:t>Our Approach…</a:t>
             </a:r>
             <a:endParaRPr lang="en-CA" sz="3600" dirty="0">
               <a:ln w="0"/>
@@ -5099,146 +6913,27 @@
                   </a:srgbClr>
                 </a:outerShdw>
               </a:effectLst>
+              <a:latin typeface="Constantia" pitchFamily="18" charset="0"/>
             </a:endParaRPr>
           </a:p>
         </p:txBody>
       </p:sp>
-      <p:pic>
-        <p:nvPicPr>
-          <p:cNvPr id="3" name="Picture 2">
-            <a:extLst>
-              <a:ext uri="{FF2B5EF4-FFF2-40B4-BE49-F238E27FC236}">
-                <a16:creationId xmlns:a16="http://schemas.microsoft.com/office/drawing/2014/main" id="{FF1BD1FB-BC98-4BB5-B39F-43F27FC820D2}"/>
-              </a:ext>
-            </a:extLst>
-          </p:cNvPr>
-          <p:cNvPicPr>
-            <a:picLocks noChangeAspect="1"/>
-          </p:cNvPicPr>
+      <p:sp>
+        <p:nvSpPr>
+          <p:cNvPr id="3" name="TextBox 2">
+            <a:extLst>
+              <a:ext uri="{FF2B5EF4-FFF2-40B4-BE49-F238E27FC236}">
+                <a16:creationId xmlns:a16="http://schemas.microsoft.com/office/drawing/2014/main" xmlns="" id="{E6AD2325-88BD-4C92-A200-73FA91F625B5}"/>
+              </a:ext>
+            </a:extLst>
+          </p:cNvPr>
+          <p:cNvSpPr txBox="1"/>
           <p:nvPr/>
-        </p:nvPicPr>
-        <p:blipFill>
-          <a:blip r:embed="rId2"/>
-          <a:stretch>
-            <a:fillRect/>
-          </a:stretch>
-        </p:blipFill>
+        </p:nvSpPr>
         <p:spPr>
           <a:xfrm>
-            <a:off x="1035005" y="1123265"/>
-            <a:ext cx="3327444" cy="2513282"/>
-          </a:xfrm>
-          <a:prstGeom prst="rect">
-            <a:avLst/>
-          </a:prstGeom>
-        </p:spPr>
-      </p:pic>
-      <p:pic>
-        <p:nvPicPr>
-          <p:cNvPr id="4" name="Picture 3">
-            <a:extLst>
-              <a:ext uri="{FF2B5EF4-FFF2-40B4-BE49-F238E27FC236}">
-                <a16:creationId xmlns:a16="http://schemas.microsoft.com/office/drawing/2014/main" id="{66F6A532-888C-4A3C-AF61-DD261294774E}"/>
-              </a:ext>
-            </a:extLst>
-          </p:cNvPr>
-          <p:cNvPicPr>
-            <a:picLocks noChangeAspect="1"/>
-          </p:cNvPicPr>
-          <p:nvPr/>
-        </p:nvPicPr>
-        <p:blipFill>
-          <a:blip r:embed="rId3"/>
-          <a:stretch>
-            <a:fillRect/>
-          </a:stretch>
-        </p:blipFill>
-        <p:spPr>
-          <a:xfrm>
-            <a:off x="8020821" y="1123265"/>
-            <a:ext cx="3327444" cy="2513282"/>
-          </a:xfrm>
-          <a:prstGeom prst="rect">
-            <a:avLst/>
-          </a:prstGeom>
-        </p:spPr>
-      </p:pic>
-      <p:pic>
-        <p:nvPicPr>
-          <p:cNvPr id="5" name="Picture 4">
-            <a:extLst>
-              <a:ext uri="{FF2B5EF4-FFF2-40B4-BE49-F238E27FC236}">
-                <a16:creationId xmlns:a16="http://schemas.microsoft.com/office/drawing/2014/main" id="{F07D0619-7525-43C2-B4F1-72E66E7095CE}"/>
-              </a:ext>
-            </a:extLst>
-          </p:cNvPr>
-          <p:cNvPicPr>
-            <a:picLocks noChangeAspect="1"/>
-          </p:cNvPicPr>
-          <p:nvPr/>
-        </p:nvPicPr>
-        <p:blipFill>
-          <a:blip r:embed="rId4"/>
-          <a:stretch>
-            <a:fillRect/>
-          </a:stretch>
-        </p:blipFill>
-        <p:spPr>
-          <a:xfrm>
-            <a:off x="1035005" y="3776562"/>
-            <a:ext cx="3327445" cy="2513283"/>
-          </a:xfrm>
-          <a:prstGeom prst="rect">
-            <a:avLst/>
-          </a:prstGeom>
-        </p:spPr>
-      </p:pic>
-      <p:pic>
-        <p:nvPicPr>
-          <p:cNvPr id="6" name="Picture 5">
-            <a:extLst>
-              <a:ext uri="{FF2B5EF4-FFF2-40B4-BE49-F238E27FC236}">
-                <a16:creationId xmlns:a16="http://schemas.microsoft.com/office/drawing/2014/main" id="{E9E41BF5-57D4-4D4E-AEB3-566E1055D06C}"/>
-              </a:ext>
-            </a:extLst>
-          </p:cNvPr>
-          <p:cNvPicPr>
-            <a:picLocks noChangeAspect="1"/>
-          </p:cNvPicPr>
-          <p:nvPr/>
-        </p:nvPicPr>
-        <p:blipFill>
-          <a:blip r:embed="rId5"/>
-          <a:stretch>
-            <a:fillRect/>
-          </a:stretch>
-        </p:blipFill>
-        <p:spPr>
-          <a:xfrm>
-            <a:off x="8015285" y="3776561"/>
-            <a:ext cx="3327445" cy="2513283"/>
-          </a:xfrm>
-          <a:prstGeom prst="rect">
-            <a:avLst/>
-          </a:prstGeom>
-        </p:spPr>
-      </p:pic>
-      <p:sp>
-        <p:nvSpPr>
-          <p:cNvPr id="7" name="TextBox 6">
-            <a:extLst>
-              <a:ext uri="{FF2B5EF4-FFF2-40B4-BE49-F238E27FC236}">
-                <a16:creationId xmlns:a16="http://schemas.microsoft.com/office/drawing/2014/main" id="{EA21372C-6658-459C-8207-A74797DCBB54}"/>
-              </a:ext>
-            </a:extLst>
-          </p:cNvPr>
-          <p:cNvSpPr txBox="1"/>
-          <p:nvPr/>
-        </p:nvSpPr>
-        <p:spPr>
-          <a:xfrm>
-            <a:off x="4938711" y="3036382"/>
-            <a:ext cx="2314575" cy="1200329"/>
+            <a:off x="1082692" y="1328340"/>
+            <a:ext cx="9991708" cy="4093428"/>
           </a:xfrm>
           <a:prstGeom prst="rect">
             <a:avLst/>
@@ -5251,33 +6946,309 @@
           </a:bodyPr>
           <a:lstStyle/>
           <a:p>
-            <a:pPr algn="ctr"/>
-            <a:r>
-              <a:rPr lang="en-IN" dirty="0">
-                <a:solidFill>
-                  <a:schemeClr val="bg1"/>
-                </a:solidFill>
-              </a:rPr>
-              <a:t>Real3, Real4 and quaternion perform similar for larger datasets.</a:t>
-            </a:r>
-            <a:endParaRPr lang="en-CA" dirty="0">
+            <a:pPr algn="just"/>
+            <a:r>
+              <a:rPr lang="en-IN" sz="2000" dirty="0">
+                <a:solidFill>
+                  <a:schemeClr val="bg1"/>
+                </a:solidFill>
+                <a:latin typeface="Constantia" pitchFamily="18" charset="0"/>
+              </a:rPr>
+              <a:t>We were trying to speed up the quaternion layer calculations. For that we needed to see particularly why was it taking so long time. </a:t>
+            </a:r>
+            <a:r>
+              <a:rPr lang="en-US" sz="2000" dirty="0">
+                <a:solidFill>
+                  <a:schemeClr val="bg1"/>
+                </a:solidFill>
+                <a:latin typeface="Constantia" pitchFamily="18" charset="0"/>
+              </a:rPr>
+              <a:t>We found the three steps of forward propagation. They are:</a:t>
+            </a:r>
+          </a:p>
+          <a:p>
+            <a:pPr algn="just"/>
+            <a:endParaRPr lang="en-US" sz="2000" dirty="0">
               <a:solidFill>
                 <a:schemeClr val="bg1"/>
               </a:solidFill>
+              <a:latin typeface="Constantia" pitchFamily="18" charset="0"/>
             </a:endParaRPr>
+          </a:p>
+          <a:p>
+            <a:pPr marL="342900" indent="-342900" algn="just">
+              <a:buFont typeface="+mj-lt"/>
+              <a:buAutoNum type="arabicPeriod"/>
+            </a:pPr>
+            <a:r>
+              <a:rPr lang="en-US" sz="2000" dirty="0">
+                <a:solidFill>
+                  <a:schemeClr val="bg1"/>
+                </a:solidFill>
+                <a:latin typeface="Constantia" pitchFamily="18" charset="0"/>
+              </a:rPr>
+              <a:t>building 4×4 Quaternion to real matrix (w)</a:t>
+            </a:r>
+          </a:p>
+          <a:p>
+            <a:pPr marL="342900" indent="-342900" algn="just">
+              <a:buFont typeface="+mj-lt"/>
+              <a:buAutoNum type="arabicPeriod"/>
+            </a:pPr>
+            <a:r>
+              <a:rPr lang="en-US" sz="2000" dirty="0">
+                <a:solidFill>
+                  <a:schemeClr val="bg1"/>
+                </a:solidFill>
+                <a:latin typeface="Constantia" pitchFamily="18" charset="0"/>
+              </a:rPr>
+              <a:t>Finding </a:t>
+            </a:r>
+            <a:r>
+              <a:rPr lang="en-US" sz="2000" dirty="0" err="1">
+                <a:solidFill>
+                  <a:schemeClr val="bg1"/>
+                </a:solidFill>
+                <a:latin typeface="Constantia" pitchFamily="18" charset="0"/>
+              </a:rPr>
+              <a:t>wx</a:t>
+            </a:r>
+            <a:r>
+              <a:rPr lang="en-US" sz="2000" dirty="0">
+                <a:solidFill>
+                  <a:schemeClr val="bg1"/>
+                </a:solidFill>
+                <a:latin typeface="Constantia" pitchFamily="18" charset="0"/>
+              </a:rPr>
+              <a:t> + b (applying linear function)</a:t>
+            </a:r>
+          </a:p>
+          <a:p>
+            <a:pPr marL="342900" indent="-342900" algn="just">
+              <a:buFont typeface="+mj-lt"/>
+              <a:buAutoNum type="arabicPeriod"/>
+            </a:pPr>
+            <a:r>
+              <a:rPr lang="en-US" sz="2000" dirty="0">
+                <a:solidFill>
+                  <a:schemeClr val="bg1"/>
+                </a:solidFill>
+                <a:latin typeface="Constantia" pitchFamily="18" charset="0"/>
+              </a:rPr>
+              <a:t>typecasting the output of step 2 to a Quaternion tensor.</a:t>
+            </a:r>
+          </a:p>
+          <a:p>
+            <a:pPr marL="342900" indent="-342900" algn="just">
+              <a:buFont typeface="+mj-lt"/>
+              <a:buAutoNum type="arabicPeriod"/>
+            </a:pPr>
+            <a:endParaRPr lang="en-US" sz="2000" dirty="0">
+              <a:solidFill>
+                <a:schemeClr val="bg1"/>
+              </a:solidFill>
+              <a:latin typeface="Constantia" pitchFamily="18" charset="0"/>
+            </a:endParaRPr>
+          </a:p>
+          <a:p>
+            <a:pPr algn="just"/>
+            <a:r>
+              <a:rPr lang="en-US" sz="2000" dirty="0">
+                <a:solidFill>
+                  <a:schemeClr val="bg1"/>
+                </a:solidFill>
+                <a:latin typeface="Constantia" pitchFamily="18" charset="0"/>
+              </a:rPr>
+              <a:t>We found that step </a:t>
+            </a:r>
+            <a:r>
+              <a:rPr lang="en-CA" sz="2000" dirty="0">
+                <a:solidFill>
+                  <a:schemeClr val="bg1"/>
+                </a:solidFill>
+                <a:latin typeface="Constantia" pitchFamily="18" charset="0"/>
+              </a:rPr>
+              <a:t>3 was taking up 95% of the time. Further study revealed This was </a:t>
+            </a:r>
+            <a:r>
+              <a:rPr lang="en-US" sz="2000" dirty="0">
+                <a:solidFill>
+                  <a:schemeClr val="bg1"/>
+                </a:solidFill>
+                <a:latin typeface="Constantia" pitchFamily="18" charset="0"/>
+              </a:rPr>
+              <a:t>because of a line </a:t>
+            </a:r>
+            <a:r>
+              <a:rPr lang="en-US" sz="2000" b="1" dirty="0" err="1">
+                <a:solidFill>
+                  <a:schemeClr val="bg2">
+                    <a:lumMod val="75000"/>
+                  </a:schemeClr>
+                </a:solidFill>
+                <a:latin typeface="Constantia" pitchFamily="18" charset="0"/>
+              </a:rPr>
+              <a:t>q.cpu</a:t>
+            </a:r>
+            <a:r>
+              <a:rPr lang="en-US" sz="2000" b="1" dirty="0">
+                <a:solidFill>
+                  <a:schemeClr val="bg2">
+                    <a:lumMod val="75000"/>
+                  </a:schemeClr>
+                </a:solidFill>
+                <a:latin typeface="Constantia" pitchFamily="18" charset="0"/>
+              </a:rPr>
+              <a:t>()</a:t>
+            </a:r>
+            <a:r>
+              <a:rPr lang="en-US" sz="2000" b="1" dirty="0">
+                <a:solidFill>
+                  <a:schemeClr val="bg1"/>
+                </a:solidFill>
+                <a:latin typeface="Constantia" pitchFamily="18" charset="0"/>
+              </a:rPr>
+              <a:t> </a:t>
+            </a:r>
+            <a:r>
+              <a:rPr lang="en-US" sz="2000" dirty="0">
+                <a:solidFill>
+                  <a:schemeClr val="bg1"/>
+                </a:solidFill>
+                <a:latin typeface="Constantia" pitchFamily="18" charset="0"/>
+              </a:rPr>
+              <a:t>which was needlessly copying the x to the CPU memory (the RAM) after every layer. Being a highly experimental part of library, we changed it to </a:t>
+            </a:r>
+            <a:r>
+              <a:rPr lang="en-US" sz="2000" b="1" dirty="0" err="1">
+                <a:solidFill>
+                  <a:schemeClr val="bg2">
+                    <a:lumMod val="75000"/>
+                  </a:schemeClr>
+                </a:solidFill>
+                <a:latin typeface="Constantia" pitchFamily="18" charset="0"/>
+              </a:rPr>
+              <a:t>q.cuda</a:t>
+            </a:r>
+            <a:r>
+              <a:rPr lang="en-US" sz="2000" b="1" dirty="0">
+                <a:solidFill>
+                  <a:schemeClr val="bg2">
+                    <a:lumMod val="75000"/>
+                  </a:schemeClr>
+                </a:solidFill>
+                <a:latin typeface="Constantia" pitchFamily="18" charset="0"/>
+              </a:rPr>
+              <a:t>()</a:t>
+            </a:r>
+            <a:r>
+              <a:rPr lang="en-US" sz="2000" b="1" dirty="0">
+                <a:solidFill>
+                  <a:schemeClr val="bg1"/>
+                </a:solidFill>
+                <a:latin typeface="Constantia" pitchFamily="18" charset="0"/>
+              </a:rPr>
+              <a:t> </a:t>
+            </a:r>
+            <a:r>
+              <a:rPr lang="en-US" sz="2000" dirty="0">
+                <a:solidFill>
+                  <a:schemeClr val="bg1"/>
+                </a:solidFill>
+                <a:latin typeface="Constantia" pitchFamily="18" charset="0"/>
+              </a:rPr>
+              <a:t>and got rid of the redundant operations. This improved the speed by almost double (22.5 it/s to 57.5 it/s).</a:t>
+            </a:r>
+          </a:p>
+        </p:txBody>
+      </p:sp>
+      <p:sp>
+        <p:nvSpPr>
+          <p:cNvPr id="4" name="Date Placeholder 3"/>
+          <p:cNvSpPr>
+            <a:spLocks noGrp="1"/>
+          </p:cNvSpPr>
+          <p:nvPr>
+            <p:ph type="dt" sz="half" idx="10"/>
+          </p:nvPr>
+        </p:nvSpPr>
+        <p:spPr/>
+        <p:txBody>
+          <a:bodyPr/>
+          <a:lstStyle/>
+          <a:p>
+            <a:r>
+              <a:rPr lang="en-US" smtClean="0"/>
+              <a:t>Adhil &amp; Aritra</a:t>
+            </a:r>
+            <a:endParaRPr lang="en-CA"/>
+          </a:p>
+        </p:txBody>
+      </p:sp>
+      <p:sp>
+        <p:nvSpPr>
+          <p:cNvPr id="5" name="Slide Number Placeholder 4"/>
+          <p:cNvSpPr>
+            <a:spLocks noGrp="1"/>
+          </p:cNvSpPr>
+          <p:nvPr>
+            <p:ph type="sldNum" sz="quarter" idx="12"/>
+          </p:nvPr>
+        </p:nvSpPr>
+        <p:spPr/>
+        <p:txBody>
+          <a:bodyPr/>
+          <a:lstStyle/>
+          <a:p>
+            <a:fld id="{A615E1DC-8E13-4503-89D3-46AAEB115BB1}" type="slidenum">
+              <a:rPr lang="en-CA" smtClean="0"/>
+              <a:pPr/>
+              <a:t>6</a:t>
+            </a:fld>
+            <a:endParaRPr lang="en-CA"/>
+          </a:p>
+        </p:txBody>
+      </p:sp>
+      <p:sp>
+        <p:nvSpPr>
+          <p:cNvPr id="6" name="Footer Placeholder 5"/>
+          <p:cNvSpPr>
+            <a:spLocks noGrp="1"/>
+          </p:cNvSpPr>
+          <p:nvPr>
+            <p:ph type="ftr" sz="quarter" idx="11"/>
+          </p:nvPr>
+        </p:nvSpPr>
+        <p:spPr/>
+        <p:txBody>
+          <a:bodyPr/>
+          <a:lstStyle/>
+          <a:p>
+            <a:r>
+              <a:rPr lang="en-CA" smtClean="0"/>
+              <a:t>Midway Report</a:t>
+            </a:r>
+            <a:endParaRPr lang="en-CA"/>
           </a:p>
         </p:txBody>
       </p:sp>
     </p:spTree>
     <p:extLst>
       <p:ext uri="{BB962C8B-B14F-4D97-AF65-F5344CB8AC3E}">
-        <p14:creationId xmlns:p14="http://schemas.microsoft.com/office/powerpoint/2010/main" val="3295717947"/>
+        <p14:creationId xmlns:p14="http://schemas.microsoft.com/office/powerpoint/2010/main" xmlns="" val="2460172199"/>
       </p:ext>
     </p:extLst>
   </p:cSld>
   <p:clrMapOvr>
     <a:masterClrMapping/>
   </p:clrMapOvr>
+  <p:timing>
+    <p:tnLst>
+      <p:par>
+        <p:cTn id="1" dur="indefinite" restart="never" nodeType="tmRoot"/>
+      </p:par>
+    </p:tnLst>
+  </p:timing>
 </p:sld>
 </file>
 
@@ -5298,52 +7269,22 @@
           <a:chExt cx="0" cy="0"/>
         </a:xfrm>
       </p:grpSpPr>
-      <p:pic>
-        <p:nvPicPr>
-          <p:cNvPr id="2" name="Picture 1">
-            <a:extLst>
-              <a:ext uri="{FF2B5EF4-FFF2-40B4-BE49-F238E27FC236}">
-                <a16:creationId xmlns:a16="http://schemas.microsoft.com/office/drawing/2014/main" id="{D7DF8FF5-A44D-4F20-B2FB-A2685D5BA8EB}"/>
-              </a:ext>
-            </a:extLst>
-          </p:cNvPr>
-          <p:cNvPicPr>
-            <a:picLocks noChangeAspect="1"/>
-          </p:cNvPicPr>
+      <p:sp>
+        <p:nvSpPr>
+          <p:cNvPr id="3" name="TextBox 2">
+            <a:extLst>
+              <a:ext uri="{FF2B5EF4-FFF2-40B4-BE49-F238E27FC236}">
+                <a16:creationId xmlns:a16="http://schemas.microsoft.com/office/drawing/2014/main" xmlns="" id="{F299E365-BF60-4BD0-8CB3-388DBD859E64}"/>
+              </a:ext>
+            </a:extLst>
+          </p:cNvPr>
+          <p:cNvSpPr txBox="1"/>
           <p:nvPr/>
-        </p:nvPicPr>
-        <p:blipFill>
-          <a:blip r:embed="rId2"/>
-          <a:stretch>
-            <a:fillRect/>
-          </a:stretch>
-        </p:blipFill>
+        </p:nvSpPr>
         <p:spPr>
           <a:xfrm>
-            <a:off x="3395998" y="1389638"/>
-            <a:ext cx="5400000" cy="4078724"/>
-          </a:xfrm>
-          <a:prstGeom prst="rect">
-            <a:avLst/>
-          </a:prstGeom>
-        </p:spPr>
-      </p:pic>
-      <p:sp>
-        <p:nvSpPr>
-          <p:cNvPr id="3" name="TextBox 2">
-            <a:extLst>
-              <a:ext uri="{FF2B5EF4-FFF2-40B4-BE49-F238E27FC236}">
-                <a16:creationId xmlns:a16="http://schemas.microsoft.com/office/drawing/2014/main" id="{8B7A8430-7936-4631-9062-A960779323BB}"/>
-              </a:ext>
-            </a:extLst>
-          </p:cNvPr>
-          <p:cNvSpPr txBox="1"/>
-          <p:nvPr/>
-        </p:nvSpPr>
-        <p:spPr>
-          <a:xfrm>
-            <a:off x="3802856" y="304799"/>
-            <a:ext cx="4586287" cy="646331"/>
+            <a:off x="0" y="276224"/>
+            <a:ext cx="12192000" cy="646331"/>
           </a:xfrm>
           <a:prstGeom prst="rect">
             <a:avLst/>
@@ -5370,8 +7311,9 @@
                     </a:srgbClr>
                   </a:outerShdw>
                 </a:effectLst>
-              </a:rPr>
-              <a:t>Can you explain this?</a:t>
+                <a:latin typeface="Constantia" pitchFamily="18" charset="0"/>
+              </a:rPr>
+              <a:t>Relevant Graphs</a:t>
             </a:r>
             <a:endParaRPr lang="en-CA" sz="3600" dirty="0">
               <a:ln w="0"/>
@@ -5385,64 +7327,168 @@
                   </a:srgbClr>
                 </a:outerShdw>
               </a:effectLst>
+              <a:latin typeface="Constantia" pitchFamily="18" charset="0"/>
             </a:endParaRPr>
           </a:p>
         </p:txBody>
       </p:sp>
-      <p:sp>
-        <p:nvSpPr>
-          <p:cNvPr id="4" name="TextBox 3">
-            <a:extLst>
-              <a:ext uri="{FF2B5EF4-FFF2-40B4-BE49-F238E27FC236}">
-                <a16:creationId xmlns:a16="http://schemas.microsoft.com/office/drawing/2014/main" id="{0B2A04B2-6374-406D-B552-DEA4333469A6}"/>
-              </a:ext>
-            </a:extLst>
-          </p:cNvPr>
-          <p:cNvSpPr txBox="1"/>
+      <p:pic>
+        <p:nvPicPr>
+          <p:cNvPr id="5" name="Picture 4">
+            <a:extLst>
+              <a:ext uri="{FF2B5EF4-FFF2-40B4-BE49-F238E27FC236}">
+                <a16:creationId xmlns:a16="http://schemas.microsoft.com/office/drawing/2014/main" xmlns="" id="{6F1BCDE5-6515-431F-BAEA-8407B00E8827}"/>
+              </a:ext>
+            </a:extLst>
+          </p:cNvPr>
+          <p:cNvPicPr>
+            <a:picLocks noChangeAspect="1"/>
+          </p:cNvPicPr>
           <p:nvPr/>
-        </p:nvSpPr>
+        </p:nvPicPr>
+        <p:blipFill rotWithShape="1">
+          <a:blip r:embed="rId2">
+            <a:extLst>
+              <a:ext uri="{28A0092B-C50C-407E-A947-70E740481C1C}">
+                <a14:useLocalDpi xmlns:a14="http://schemas.microsoft.com/office/drawing/2010/main" xmlns="" val="0"/>
+              </a:ext>
+            </a:extLst>
+          </a:blip>
+          <a:srcRect l="1402" t="29802" r="9454"/>
+          <a:stretch/>
+        </p:blipFill>
         <p:spPr>
           <a:xfrm>
-            <a:off x="4471985" y="5722204"/>
-            <a:ext cx="3248025" cy="369332"/>
+            <a:off x="6296024" y="1335851"/>
+            <a:ext cx="5410201" cy="4410431"/>
           </a:xfrm>
           <a:prstGeom prst="rect">
             <a:avLst/>
           </a:prstGeom>
-          <a:noFill/>
         </p:spPr>
-        <p:txBody>
-          <a:bodyPr wrap="square" rtlCol="0">
-            <a:spAutoFit/>
-          </a:bodyPr>
-          <a:lstStyle/>
-          <a:p>
-            <a:r>
-              <a:rPr lang="en-IN" dirty="0">
-                <a:solidFill>
-                  <a:schemeClr val="bg1"/>
-                </a:solidFill>
-              </a:rPr>
-              <a:t>Accuracy depends on batch size</a:t>
-            </a:r>
-            <a:endParaRPr lang="en-CA" dirty="0">
-              <a:solidFill>
-                <a:schemeClr val="bg1"/>
-              </a:solidFill>
-            </a:endParaRPr>
+      </p:pic>
+      <p:pic>
+        <p:nvPicPr>
+          <p:cNvPr id="7" name="Picture 6">
+            <a:extLst>
+              <a:ext uri="{FF2B5EF4-FFF2-40B4-BE49-F238E27FC236}">
+                <a16:creationId xmlns:a16="http://schemas.microsoft.com/office/drawing/2014/main" xmlns="" id="{7D95E72B-2C74-4193-9347-8C7D526DA524}"/>
+              </a:ext>
+            </a:extLst>
+          </p:cNvPr>
+          <p:cNvPicPr>
+            <a:picLocks noChangeAspect="1"/>
+          </p:cNvPicPr>
+          <p:nvPr/>
+        </p:nvPicPr>
+        <p:blipFill rotWithShape="1">
+          <a:blip r:embed="rId3">
+            <a:extLst>
+              <a:ext uri="{28A0092B-C50C-407E-A947-70E740481C1C}">
+                <a14:useLocalDpi xmlns:a14="http://schemas.microsoft.com/office/drawing/2010/main" xmlns="" val="0"/>
+              </a:ext>
+            </a:extLst>
+          </a:blip>
+          <a:srcRect t="29802" r="6029"/>
+          <a:stretch/>
+        </p:blipFill>
+        <p:spPr>
+          <a:xfrm>
+            <a:off x="455630" y="1335851"/>
+            <a:ext cx="5421294" cy="4331524"/>
+          </a:xfrm>
+          <a:prstGeom prst="rect">
+            <a:avLst/>
+          </a:prstGeom>
+        </p:spPr>
+      </p:pic>
+      <p:sp>
+        <p:nvSpPr>
+          <p:cNvPr id="6" name="Date Placeholder 5"/>
+          <p:cNvSpPr>
+            <a:spLocks noGrp="1"/>
+          </p:cNvSpPr>
+          <p:nvPr>
+            <p:ph type="dt" sz="half" idx="10"/>
+          </p:nvPr>
+        </p:nvSpPr>
+        <p:spPr/>
+        <p:txBody>
+          <a:bodyPr/>
+          <a:lstStyle/>
+          <a:p>
+            <a:r>
+              <a:rPr lang="en-US" smtClean="0"/>
+              <a:t>Adhil &amp; Aritra</a:t>
+            </a:r>
+            <a:endParaRPr lang="en-CA"/>
+          </a:p>
+        </p:txBody>
+      </p:sp>
+      <p:sp>
+        <p:nvSpPr>
+          <p:cNvPr id="8" name="Slide Number Placeholder 7"/>
+          <p:cNvSpPr>
+            <a:spLocks noGrp="1"/>
+          </p:cNvSpPr>
+          <p:nvPr>
+            <p:ph type="sldNum" sz="quarter" idx="12"/>
+          </p:nvPr>
+        </p:nvSpPr>
+        <p:spPr/>
+        <p:txBody>
+          <a:bodyPr/>
+          <a:lstStyle/>
+          <a:p>
+            <a:fld id="{A615E1DC-8E13-4503-89D3-46AAEB115BB1}" type="slidenum">
+              <a:rPr lang="en-CA" smtClean="0"/>
+              <a:pPr/>
+              <a:t>7</a:t>
+            </a:fld>
+            <a:endParaRPr lang="en-CA"/>
+          </a:p>
+        </p:txBody>
+      </p:sp>
+      <p:sp>
+        <p:nvSpPr>
+          <p:cNvPr id="9" name="Footer Placeholder 8"/>
+          <p:cNvSpPr>
+            <a:spLocks noGrp="1"/>
+          </p:cNvSpPr>
+          <p:nvPr>
+            <p:ph type="ftr" sz="quarter" idx="11"/>
+          </p:nvPr>
+        </p:nvSpPr>
+        <p:spPr/>
+        <p:txBody>
+          <a:bodyPr/>
+          <a:lstStyle/>
+          <a:p>
+            <a:r>
+              <a:rPr lang="en-CA" smtClean="0"/>
+              <a:t>Midway Report</a:t>
+            </a:r>
+            <a:endParaRPr lang="en-CA"/>
           </a:p>
         </p:txBody>
       </p:sp>
     </p:spTree>
     <p:extLst>
       <p:ext uri="{BB962C8B-B14F-4D97-AF65-F5344CB8AC3E}">
-        <p14:creationId xmlns:p14="http://schemas.microsoft.com/office/powerpoint/2010/main" val="2348546770"/>
+        <p14:creationId xmlns:p14="http://schemas.microsoft.com/office/powerpoint/2010/main" xmlns="" val="3760547177"/>
       </p:ext>
     </p:extLst>
   </p:cSld>
   <p:clrMapOvr>
     <a:masterClrMapping/>
   </p:clrMapOvr>
+  <p:timing>
+    <p:tnLst>
+      <p:par>
+        <p:cTn id="1" dur="indefinite" restart="never" nodeType="tmRoot"/>
+      </p:par>
+    </p:tnLst>
+  </p:timing>
 </p:sld>
 </file>
 
@@ -5463,12 +7509,75 @@
           <a:chExt cx="0" cy="0"/>
         </a:xfrm>
       </p:grpSpPr>
+      <p:sp>
+        <p:nvSpPr>
+          <p:cNvPr id="2" name="TextBox 1">
+            <a:extLst>
+              <a:ext uri="{FF2B5EF4-FFF2-40B4-BE49-F238E27FC236}">
+                <a16:creationId xmlns:a16="http://schemas.microsoft.com/office/drawing/2014/main" xmlns="" id="{2C2899EF-C305-4C4D-A39D-AB62F11EE6D4}"/>
+              </a:ext>
+            </a:extLst>
+          </p:cNvPr>
+          <p:cNvSpPr txBox="1"/>
+          <p:nvPr/>
+        </p:nvSpPr>
+        <p:spPr>
+          <a:xfrm>
+            <a:off x="0" y="169335"/>
+            <a:ext cx="12192000" cy="646331"/>
+          </a:xfrm>
+          <a:prstGeom prst="rect">
+            <a:avLst/>
+          </a:prstGeom>
+          <a:noFill/>
+        </p:spPr>
+        <p:txBody>
+          <a:bodyPr wrap="square" rtlCol="0">
+            <a:spAutoFit/>
+          </a:bodyPr>
+          <a:lstStyle/>
+          <a:p>
+            <a:pPr algn="ctr"/>
+            <a:r>
+              <a:rPr lang="en-IN" sz="3600" dirty="0">
+                <a:ln w="0"/>
+                <a:solidFill>
+                  <a:schemeClr val="accent1"/>
+                </a:solidFill>
+                <a:effectLst>
+                  <a:outerShdw blurRad="38100" dist="25400" dir="5400000" algn="ctr" rotWithShape="0">
+                    <a:srgbClr val="6E747A">
+                      <a:alpha val="43000"/>
+                    </a:srgbClr>
+                  </a:outerShdw>
+                </a:effectLst>
+                <a:latin typeface="Constantia" pitchFamily="18" charset="0"/>
+              </a:rPr>
+              <a:t>Interesting Results</a:t>
+            </a:r>
+            <a:endParaRPr lang="en-CA" sz="3600" dirty="0">
+              <a:ln w="0"/>
+              <a:solidFill>
+                <a:schemeClr val="accent1"/>
+              </a:solidFill>
+              <a:effectLst>
+                <a:outerShdw blurRad="38100" dist="25400" dir="5400000" algn="ctr" rotWithShape="0">
+                  <a:srgbClr val="6E747A">
+                    <a:alpha val="43000"/>
+                  </a:srgbClr>
+                </a:outerShdw>
+              </a:effectLst>
+              <a:latin typeface="Constantia" pitchFamily="18" charset="0"/>
+            </a:endParaRPr>
+          </a:p>
+        </p:txBody>
+      </p:sp>
       <p:pic>
         <p:nvPicPr>
           <p:cNvPr id="3" name="Picture 2">
             <a:extLst>
               <a:ext uri="{FF2B5EF4-FFF2-40B4-BE49-F238E27FC236}">
-                <a16:creationId xmlns:a16="http://schemas.microsoft.com/office/drawing/2014/main" id="{84BCAAE3-F876-4AD8-9AF1-CDA3385B7DA6}"/>
+                <a16:creationId xmlns:a16="http://schemas.microsoft.com/office/drawing/2014/main" xmlns="" id="{FF1BD1FB-BC98-4BB5-B39F-43F27FC820D2}"/>
               </a:ext>
             </a:extLst>
           </p:cNvPr>
@@ -5485,20 +7594,110 @@
         </p:blipFill>
         <p:spPr>
           <a:xfrm>
-            <a:off x="3395998" y="1389638"/>
-            <a:ext cx="5400000" cy="4078724"/>
+            <a:off x="474137" y="785377"/>
+            <a:ext cx="3685116" cy="2783438"/>
           </a:xfrm>
           <a:prstGeom prst="rect">
             <a:avLst/>
           </a:prstGeom>
         </p:spPr>
       </p:pic>
-      <p:sp>
-        <p:nvSpPr>
-          <p:cNvPr id="4" name="TextBox 3">
-            <a:extLst>
-              <a:ext uri="{FF2B5EF4-FFF2-40B4-BE49-F238E27FC236}">
-                <a16:creationId xmlns:a16="http://schemas.microsoft.com/office/drawing/2014/main" id="{79AA50AC-ED5D-4E1C-831A-329BC784ED0D}"/>
+      <p:pic>
+        <p:nvPicPr>
+          <p:cNvPr id="4" name="Picture 3">
+            <a:extLst>
+              <a:ext uri="{FF2B5EF4-FFF2-40B4-BE49-F238E27FC236}">
+                <a16:creationId xmlns:a16="http://schemas.microsoft.com/office/drawing/2014/main" xmlns="" id="{66F6A532-888C-4A3C-AF61-DD261294774E}"/>
+              </a:ext>
+            </a:extLst>
+          </p:cNvPr>
+          <p:cNvPicPr>
+            <a:picLocks noChangeAspect="1"/>
+          </p:cNvPicPr>
+          <p:nvPr/>
+        </p:nvPicPr>
+        <p:blipFill>
+          <a:blip r:embed="rId3"/>
+          <a:stretch>
+            <a:fillRect/>
+          </a:stretch>
+        </p:blipFill>
+        <p:spPr>
+          <a:xfrm>
+            <a:off x="8037747" y="733799"/>
+            <a:ext cx="3736435" cy="2822201"/>
+          </a:xfrm>
+          <a:prstGeom prst="rect">
+            <a:avLst/>
+          </a:prstGeom>
+        </p:spPr>
+      </p:pic>
+      <p:pic>
+        <p:nvPicPr>
+          <p:cNvPr id="5" name="Picture 4">
+            <a:extLst>
+              <a:ext uri="{FF2B5EF4-FFF2-40B4-BE49-F238E27FC236}">
+                <a16:creationId xmlns:a16="http://schemas.microsoft.com/office/drawing/2014/main" xmlns="" id="{F07D0619-7525-43C2-B4F1-72E66E7095CE}"/>
+              </a:ext>
+            </a:extLst>
+          </p:cNvPr>
+          <p:cNvPicPr>
+            <a:picLocks noChangeAspect="1"/>
+          </p:cNvPicPr>
+          <p:nvPr/>
+        </p:nvPicPr>
+        <p:blipFill>
+          <a:blip r:embed="rId4"/>
+          <a:stretch>
+            <a:fillRect/>
+          </a:stretch>
+        </p:blipFill>
+        <p:spPr>
+          <a:xfrm>
+            <a:off x="474137" y="3590297"/>
+            <a:ext cx="3685117" cy="2783440"/>
+          </a:xfrm>
+          <a:prstGeom prst="rect">
+            <a:avLst/>
+          </a:prstGeom>
+        </p:spPr>
+      </p:pic>
+      <p:pic>
+        <p:nvPicPr>
+          <p:cNvPr id="6" name="Picture 5">
+            <a:extLst>
+              <a:ext uri="{FF2B5EF4-FFF2-40B4-BE49-F238E27FC236}">
+                <a16:creationId xmlns:a16="http://schemas.microsoft.com/office/drawing/2014/main" xmlns="" id="{E9E41BF5-57D4-4D4E-AEB3-566E1055D06C}"/>
+              </a:ext>
+            </a:extLst>
+          </p:cNvPr>
+          <p:cNvPicPr>
+            <a:picLocks noChangeAspect="1"/>
+          </p:cNvPicPr>
+          <p:nvPr/>
+        </p:nvPicPr>
+        <p:blipFill>
+          <a:blip r:embed="rId5"/>
+          <a:stretch>
+            <a:fillRect/>
+          </a:stretch>
+        </p:blipFill>
+        <p:spPr>
+          <a:xfrm>
+            <a:off x="8032212" y="3556429"/>
+            <a:ext cx="3743371" cy="2827440"/>
+          </a:xfrm>
+          <a:prstGeom prst="rect">
+            <a:avLst/>
+          </a:prstGeom>
+        </p:spPr>
+      </p:pic>
+      <p:sp>
+        <p:nvSpPr>
+          <p:cNvPr id="7" name="TextBox 6">
+            <a:extLst>
+              <a:ext uri="{FF2B5EF4-FFF2-40B4-BE49-F238E27FC236}">
+                <a16:creationId xmlns:a16="http://schemas.microsoft.com/office/drawing/2014/main" xmlns="" id="{EA21372C-6658-459C-8207-A74797DCBB54}"/>
               </a:ext>
             </a:extLst>
           </p:cNvPr>
@@ -5507,8 +7706,8 @@
         </p:nvSpPr>
         <p:spPr>
           <a:xfrm>
-            <a:off x="4471985" y="5543550"/>
-            <a:ext cx="3248025" cy="923330"/>
+            <a:off x="4216400" y="1343048"/>
+            <a:ext cx="3708399" cy="4452501"/>
           </a:xfrm>
           <a:prstGeom prst="rect">
             <a:avLst/>
@@ -5521,94 +7720,346 @@
           </a:bodyPr>
           <a:lstStyle/>
           <a:p>
-            <a:pPr algn="ctr"/>
-            <a:r>
-              <a:rPr lang="en-IN" dirty="0">
-                <a:solidFill>
-                  <a:schemeClr val="bg1"/>
-                </a:solidFill>
-              </a:rPr>
-              <a:t>Quaternion backpropagation is almost 2x fast than real counterpart</a:t>
-            </a:r>
-            <a:endParaRPr lang="en-CA" dirty="0">
+            <a:pPr algn="just">
+              <a:lnSpc>
+                <a:spcPts val="1960"/>
+              </a:lnSpc>
+              <a:buFont typeface="Arial" pitchFamily="34" charset="0"/>
+              <a:buChar char="•"/>
+            </a:pPr>
+            <a:r>
+              <a:rPr lang="en-IN" sz="2000" dirty="0" smtClean="0">
+                <a:solidFill>
+                  <a:schemeClr val="bg1"/>
+                </a:solidFill>
+                <a:latin typeface="Constantia" pitchFamily="18" charset="0"/>
+              </a:rPr>
+              <a:t> Real3</a:t>
+            </a:r>
+            <a:r>
+              <a:rPr lang="en-IN" sz="2000" dirty="0">
+                <a:solidFill>
+                  <a:schemeClr val="bg1"/>
+                </a:solidFill>
+                <a:latin typeface="Constantia" pitchFamily="18" charset="0"/>
+              </a:rPr>
+              <a:t>, Real4 and quaternion perform similar for larger datasets</a:t>
+            </a:r>
+            <a:r>
+              <a:rPr lang="en-IN" sz="2000" dirty="0" smtClean="0">
+                <a:solidFill>
+                  <a:schemeClr val="bg1"/>
+                </a:solidFill>
+                <a:latin typeface="Constantia" pitchFamily="18" charset="0"/>
+              </a:rPr>
+              <a:t>.</a:t>
+            </a:r>
+          </a:p>
+          <a:p>
+            <a:pPr algn="just">
+              <a:lnSpc>
+                <a:spcPts val="1960"/>
+              </a:lnSpc>
+              <a:buFont typeface="Arial" pitchFamily="34" charset="0"/>
+              <a:buChar char="•"/>
+            </a:pPr>
+            <a:endParaRPr lang="en-IN" sz="2000" dirty="0" smtClean="0">
               <a:solidFill>
                 <a:schemeClr val="bg1"/>
               </a:solidFill>
+              <a:latin typeface="Constantia" pitchFamily="18" charset="0"/>
             </a:endParaRPr>
           </a:p>
-        </p:txBody>
-      </p:sp>
-      <p:sp>
-        <p:nvSpPr>
-          <p:cNvPr id="5" name="TextBox 4">
-            <a:extLst>
-              <a:ext uri="{FF2B5EF4-FFF2-40B4-BE49-F238E27FC236}">
-                <a16:creationId xmlns:a16="http://schemas.microsoft.com/office/drawing/2014/main" id="{9F862E52-1BD2-4BCA-A581-C5BD55BE118F}"/>
-              </a:ext>
-            </a:extLst>
-          </p:cNvPr>
-          <p:cNvSpPr txBox="1"/>
-          <p:nvPr/>
-        </p:nvSpPr>
-        <p:spPr>
-          <a:xfrm>
-            <a:off x="3802856" y="304799"/>
-            <a:ext cx="4586287" cy="646331"/>
-          </a:xfrm>
-          <a:prstGeom prst="rect">
-            <a:avLst/>
-          </a:prstGeom>
-          <a:noFill/>
-        </p:spPr>
-        <p:txBody>
-          <a:bodyPr wrap="square" rtlCol="0">
-            <a:spAutoFit/>
-          </a:bodyPr>
-          <a:lstStyle/>
-          <a:p>
-            <a:pPr algn="ctr"/>
-            <a:r>
-              <a:rPr lang="en-IN" sz="3600" dirty="0">
-                <a:ln w="0"/>
-                <a:solidFill>
-                  <a:schemeClr val="accent1"/>
-                </a:solidFill>
-                <a:effectLst>
-                  <a:outerShdw blurRad="38100" dist="25400" dir="5400000" algn="ctr" rotWithShape="0">
-                    <a:srgbClr val="6E747A">
-                      <a:alpha val="43000"/>
-                    </a:srgbClr>
-                  </a:outerShdw>
-                </a:effectLst>
-              </a:rPr>
-              <a:t>Can you explain this?</a:t>
-            </a:r>
-            <a:endParaRPr lang="en-CA" sz="3600" dirty="0">
-              <a:ln w="0"/>
+          <a:p>
+            <a:pPr algn="just">
+              <a:lnSpc>
+                <a:spcPts val="1960"/>
+              </a:lnSpc>
+              <a:buFont typeface="Arial" pitchFamily="34" charset="0"/>
+              <a:buChar char="•"/>
+            </a:pPr>
+            <a:r>
+              <a:rPr lang="en-IN" sz="2000" dirty="0" smtClean="0">
+                <a:solidFill>
+                  <a:schemeClr val="bg1"/>
+                </a:solidFill>
+                <a:latin typeface="Constantia" pitchFamily="18" charset="0"/>
+              </a:rPr>
+              <a:t> In the original paper, the CNNs were trained on </a:t>
+            </a:r>
+            <a:r>
+              <a:rPr lang="en-IN" sz="2000" dirty="0" err="1" smtClean="0">
+                <a:solidFill>
+                  <a:schemeClr val="bg1"/>
+                </a:solidFill>
+                <a:latin typeface="Constantia" pitchFamily="18" charset="0"/>
+              </a:rPr>
+              <a:t>RGBdata</a:t>
+            </a:r>
+            <a:r>
+              <a:rPr lang="en-IN" sz="2000" dirty="0" smtClean="0">
+                <a:solidFill>
+                  <a:schemeClr val="bg1"/>
+                </a:solidFill>
+                <a:latin typeface="Constantia" pitchFamily="18" charset="0"/>
+              </a:rPr>
+              <a:t> as input (say </a:t>
+            </a:r>
+            <a:r>
+              <a:rPr lang="en-IN" sz="2000" b="1" dirty="0" smtClean="0">
+                <a:solidFill>
+                  <a:schemeClr val="bg1"/>
+                </a:solidFill>
+                <a:latin typeface="Constantia" pitchFamily="18" charset="0"/>
+              </a:rPr>
+              <a:t>Real3</a:t>
+            </a:r>
+            <a:r>
+              <a:rPr lang="en-IN" sz="2000" dirty="0" smtClean="0">
+                <a:solidFill>
+                  <a:schemeClr val="bg1"/>
+                </a:solidFill>
+                <a:latin typeface="Constantia" pitchFamily="18" charset="0"/>
+              </a:rPr>
+              <a:t>). But, as the </a:t>
+            </a:r>
+            <a:r>
+              <a:rPr lang="en-IN" sz="2000" dirty="0" err="1" smtClean="0">
+                <a:solidFill>
+                  <a:schemeClr val="bg1"/>
+                </a:solidFill>
+                <a:latin typeface="Constantia" pitchFamily="18" charset="0"/>
+              </a:rPr>
+              <a:t>quaternions</a:t>
+            </a:r>
+            <a:r>
+              <a:rPr lang="en-IN" sz="2000" dirty="0" smtClean="0">
+                <a:solidFill>
+                  <a:schemeClr val="bg1"/>
+                </a:solidFill>
+                <a:latin typeface="Constantia" pitchFamily="18" charset="0"/>
+              </a:rPr>
+              <a:t> needed 4 channels, </a:t>
+            </a:r>
+            <a:r>
+              <a:rPr lang="en-IN" sz="2000" dirty="0" err="1" smtClean="0">
+                <a:solidFill>
+                  <a:schemeClr val="bg1"/>
+                </a:solidFill>
+                <a:latin typeface="Constantia" pitchFamily="18" charset="0"/>
+              </a:rPr>
+              <a:t>RGBdata</a:t>
+            </a:r>
+            <a:r>
+              <a:rPr lang="en-IN" sz="2000" dirty="0" smtClean="0">
+                <a:solidFill>
+                  <a:schemeClr val="bg1"/>
+                </a:solidFill>
+                <a:latin typeface="Constantia" pitchFamily="18" charset="0"/>
+              </a:rPr>
+              <a:t> + </a:t>
+            </a:r>
+            <a:r>
+              <a:rPr lang="en-IN" sz="2000" dirty="0" err="1" smtClean="0">
+                <a:solidFill>
+                  <a:schemeClr val="bg1"/>
+                </a:solidFill>
+                <a:latin typeface="Constantia" pitchFamily="18" charset="0"/>
+              </a:rPr>
+              <a:t>grayscaledata</a:t>
+            </a:r>
+            <a:r>
+              <a:rPr lang="en-IN" sz="2000" dirty="0" smtClean="0">
+                <a:solidFill>
+                  <a:schemeClr val="bg1"/>
+                </a:solidFill>
+                <a:latin typeface="Constantia" pitchFamily="18" charset="0"/>
+              </a:rPr>
+              <a:t> of the same image was used together. The real and quaternion comparison is less fair so. </a:t>
+            </a:r>
+          </a:p>
+          <a:p>
+            <a:pPr algn="just">
+              <a:lnSpc>
+                <a:spcPts val="1960"/>
+              </a:lnSpc>
+              <a:buFont typeface="Arial" pitchFamily="34" charset="0"/>
+              <a:buChar char="•"/>
+            </a:pPr>
+            <a:endParaRPr lang="en-IN" sz="2000" dirty="0" smtClean="0">
               <a:solidFill>
-                <a:schemeClr val="accent1"/>
+                <a:schemeClr val="bg1"/>
               </a:solidFill>
-              <a:effectLst>
-                <a:outerShdw blurRad="38100" dist="25400" dir="5400000" algn="ctr" rotWithShape="0">
-                  <a:srgbClr val="6E747A">
-                    <a:alpha val="43000"/>
-                  </a:srgbClr>
-                </a:outerShdw>
-              </a:effectLst>
+              <a:latin typeface="Constantia" pitchFamily="18" charset="0"/>
             </a:endParaRPr>
+          </a:p>
+          <a:p>
+            <a:pPr algn="just">
+              <a:lnSpc>
+                <a:spcPts val="1960"/>
+              </a:lnSpc>
+              <a:buFont typeface="Arial" pitchFamily="34" charset="0"/>
+              <a:buChar char="•"/>
+            </a:pPr>
+            <a:r>
+              <a:rPr lang="en-IN" sz="2000" dirty="0" smtClean="0">
+                <a:solidFill>
+                  <a:schemeClr val="bg1"/>
+                </a:solidFill>
+                <a:latin typeface="Constantia" pitchFamily="18" charset="0"/>
+              </a:rPr>
+              <a:t> We implemented the real model with </a:t>
+            </a:r>
+            <a:r>
+              <a:rPr lang="en-IN" sz="2000" dirty="0" err="1" smtClean="0">
+                <a:solidFill>
+                  <a:schemeClr val="bg1"/>
+                </a:solidFill>
+                <a:latin typeface="Constantia" pitchFamily="18" charset="0"/>
+              </a:rPr>
+              <a:t>RGBdata</a:t>
+            </a:r>
+            <a:r>
+              <a:rPr lang="en-IN" sz="2000" dirty="0" smtClean="0">
+                <a:solidFill>
+                  <a:schemeClr val="bg1"/>
+                </a:solidFill>
+                <a:latin typeface="Constantia" pitchFamily="18" charset="0"/>
+              </a:rPr>
+              <a:t> + </a:t>
+            </a:r>
+            <a:r>
+              <a:rPr lang="en-IN" sz="2000" dirty="0" err="1" smtClean="0">
+                <a:solidFill>
+                  <a:schemeClr val="bg1"/>
+                </a:solidFill>
+                <a:latin typeface="Constantia" pitchFamily="18" charset="0"/>
+              </a:rPr>
+              <a:t>grayscaledata</a:t>
+            </a:r>
+            <a:r>
+              <a:rPr lang="en-IN" sz="2000" dirty="0" smtClean="0">
+                <a:solidFill>
+                  <a:schemeClr val="bg1"/>
+                </a:solidFill>
+                <a:latin typeface="Constantia" pitchFamily="18" charset="0"/>
+              </a:rPr>
+              <a:t> for a fair analysis. This is </a:t>
+            </a:r>
+            <a:r>
+              <a:rPr lang="en-IN" sz="2000" b="1" dirty="0" smtClean="0">
+                <a:solidFill>
+                  <a:schemeClr val="bg1"/>
+                </a:solidFill>
+                <a:latin typeface="Constantia" pitchFamily="18" charset="0"/>
+              </a:rPr>
+              <a:t>Real4</a:t>
+            </a:r>
+            <a:r>
+              <a:rPr lang="en-IN" sz="2000" dirty="0" smtClean="0">
+                <a:solidFill>
+                  <a:schemeClr val="bg1"/>
+                </a:solidFill>
+                <a:latin typeface="Constantia" pitchFamily="18" charset="0"/>
+              </a:rPr>
+              <a:t>.</a:t>
+            </a:r>
+            <a:endParaRPr lang="en-CA" sz="2000" dirty="0">
+              <a:solidFill>
+                <a:schemeClr val="bg1"/>
+              </a:solidFill>
+              <a:latin typeface="Constantia" pitchFamily="18" charset="0"/>
+            </a:endParaRPr>
+          </a:p>
+        </p:txBody>
+      </p:sp>
+      <p:sp>
+        <p:nvSpPr>
+          <p:cNvPr id="8" name="Date Placeholder 7"/>
+          <p:cNvSpPr>
+            <a:spLocks noGrp="1"/>
+          </p:cNvSpPr>
+          <p:nvPr>
+            <p:ph type="dt" sz="half" idx="10"/>
+          </p:nvPr>
+        </p:nvSpPr>
+        <p:spPr/>
+        <p:txBody>
+          <a:bodyPr/>
+          <a:lstStyle/>
+          <a:p>
+            <a:r>
+              <a:rPr lang="en-US" smtClean="0"/>
+              <a:t>Adhil &amp; Aritra</a:t>
+            </a:r>
+            <a:endParaRPr lang="en-CA"/>
+          </a:p>
+        </p:txBody>
+      </p:sp>
+      <p:sp>
+        <p:nvSpPr>
+          <p:cNvPr id="9" name="Slide Number Placeholder 8"/>
+          <p:cNvSpPr>
+            <a:spLocks noGrp="1"/>
+          </p:cNvSpPr>
+          <p:nvPr>
+            <p:ph type="sldNum" sz="quarter" idx="12"/>
+          </p:nvPr>
+        </p:nvSpPr>
+        <p:spPr/>
+        <p:txBody>
+          <a:bodyPr/>
+          <a:lstStyle/>
+          <a:p>
+            <a:fld id="{A615E1DC-8E13-4503-89D3-46AAEB115BB1}" type="slidenum">
+              <a:rPr lang="en-CA" smtClean="0"/>
+              <a:pPr/>
+              <a:t>8</a:t>
+            </a:fld>
+            <a:endParaRPr lang="en-CA"/>
+          </a:p>
+        </p:txBody>
+      </p:sp>
+      <p:sp>
+        <p:nvSpPr>
+          <p:cNvPr id="10" name="Footer Placeholder 9"/>
+          <p:cNvSpPr>
+            <a:spLocks noGrp="1"/>
+          </p:cNvSpPr>
+          <p:nvPr>
+            <p:ph type="ftr" sz="quarter" idx="11"/>
+          </p:nvPr>
+        </p:nvSpPr>
+        <p:spPr/>
+        <p:txBody>
+          <a:bodyPr/>
+          <a:lstStyle/>
+          <a:p>
+            <a:r>
+              <a:rPr lang="en-CA" smtClean="0"/>
+              <a:t>Midway Report</a:t>
+            </a:r>
+            <a:endParaRPr lang="en-CA"/>
           </a:p>
         </p:txBody>
       </p:sp>
     </p:spTree>
     <p:extLst>
       <p:ext uri="{BB962C8B-B14F-4D97-AF65-F5344CB8AC3E}">
-        <p14:creationId xmlns:p14="http://schemas.microsoft.com/office/powerpoint/2010/main" val="2856987548"/>
+        <p14:creationId xmlns:p14="http://schemas.microsoft.com/office/powerpoint/2010/main" xmlns="" val="3295717947"/>
       </p:ext>
     </p:extLst>
   </p:cSld>
   <p:clrMapOvr>
     <a:masterClrMapping/>
   </p:clrMapOvr>
+  <p:timing>
+    <p:tnLst>
+      <p:par>
+        <p:cTn id="1" dur="indefinite" restart="never" nodeType="tmRoot"/>
+      </p:par>
+    </p:tnLst>
+  </p:timing>
 </p:sld>
 </file>
 
@@ -5634,7 +8085,7 @@
           <p:cNvPr id="3" name="Picture 2">
             <a:extLst>
               <a:ext uri="{FF2B5EF4-FFF2-40B4-BE49-F238E27FC236}">
-                <a16:creationId xmlns:a16="http://schemas.microsoft.com/office/drawing/2014/main" id="{023C8F37-8A73-49DF-8C44-4718877FD49D}"/>
+                <a16:creationId xmlns:a16="http://schemas.microsoft.com/office/drawing/2014/main" xmlns="" id="{84BCAAE3-F876-4AD8-9AF1-CDA3385B7DA6}"/>
               </a:ext>
             </a:extLst>
           </p:cNvPr>
@@ -5645,14 +8096,15 @@
         </p:nvPicPr>
         <p:blipFill>
           <a:blip r:embed="rId2"/>
+          <a:srcRect l="3745" r="8240"/>
           <a:stretch>
             <a:fillRect/>
           </a:stretch>
         </p:blipFill>
         <p:spPr>
           <a:xfrm>
-            <a:off x="3395998" y="1389638"/>
-            <a:ext cx="5400000" cy="4078723"/>
+            <a:off x="8060259" y="1220303"/>
+            <a:ext cx="3810008" cy="3269637"/>
           </a:xfrm>
           <a:prstGeom prst="rect">
             <a:avLst/>
@@ -5664,7 +8116,7 @@
           <p:cNvPr id="4" name="TextBox 3">
             <a:extLst>
               <a:ext uri="{FF2B5EF4-FFF2-40B4-BE49-F238E27FC236}">
-                <a16:creationId xmlns:a16="http://schemas.microsoft.com/office/drawing/2014/main" id="{279413F1-EC79-41F3-B452-886252F35367}"/>
+                <a16:creationId xmlns:a16="http://schemas.microsoft.com/office/drawing/2014/main" xmlns="" id="{79AA50AC-ED5D-4E1C-831A-329BC784ED0D}"/>
               </a:ext>
             </a:extLst>
           </p:cNvPr>
@@ -5673,8 +8125,55 @@
         </p:nvSpPr>
         <p:spPr>
           <a:xfrm>
-            <a:off x="3802856" y="304799"/>
-            <a:ext cx="4586287" cy="646331"/>
+            <a:off x="4250267" y="5526612"/>
+            <a:ext cx="3740677" cy="646331"/>
+          </a:xfrm>
+          <a:prstGeom prst="rect">
+            <a:avLst/>
+          </a:prstGeom>
+          <a:noFill/>
+        </p:spPr>
+        <p:txBody>
+          <a:bodyPr wrap="square" rtlCol="0">
+            <a:spAutoFit/>
+          </a:bodyPr>
+          <a:lstStyle/>
+          <a:p>
+            <a:pPr algn="ctr"/>
+            <a:r>
+              <a:rPr lang="en-IN" dirty="0">
+                <a:solidFill>
+                  <a:schemeClr val="bg1"/>
+                </a:solidFill>
+                <a:latin typeface="Constantia" pitchFamily="18" charset="0"/>
+              </a:rPr>
+              <a:t>Quaternion backpropagation is almost 2x fast than real counterpart</a:t>
+            </a:r>
+            <a:endParaRPr lang="en-CA" dirty="0">
+              <a:solidFill>
+                <a:schemeClr val="bg1"/>
+              </a:solidFill>
+              <a:latin typeface="Constantia" pitchFamily="18" charset="0"/>
+            </a:endParaRPr>
+          </a:p>
+        </p:txBody>
+      </p:sp>
+      <p:sp>
+        <p:nvSpPr>
+          <p:cNvPr id="5" name="TextBox 4">
+            <a:extLst>
+              <a:ext uri="{FF2B5EF4-FFF2-40B4-BE49-F238E27FC236}">
+                <a16:creationId xmlns:a16="http://schemas.microsoft.com/office/drawing/2014/main" xmlns="" id="{9F862E52-1BD2-4BCA-A581-C5BD55BE118F}"/>
+              </a:ext>
+            </a:extLst>
+          </p:cNvPr>
+          <p:cNvSpPr txBox="1"/>
+          <p:nvPr/>
+        </p:nvSpPr>
+        <p:spPr>
+          <a:xfrm>
+            <a:off x="0" y="304799"/>
+            <a:ext cx="12192000" cy="646331"/>
           </a:xfrm>
           <a:prstGeom prst="rect">
             <a:avLst/>
@@ -5701,8 +8200,26 @@
                     </a:srgbClr>
                   </a:outerShdw>
                 </a:effectLst>
-              </a:rPr>
-              <a:t>Can you explain this?</a:t>
+                <a:latin typeface="Constantia" pitchFamily="18" charset="0"/>
+              </a:rPr>
+              <a:t>Can you explain </a:t>
+            </a:r>
+            <a:r>
+              <a:rPr lang="en-IN" sz="3600" dirty="0" smtClean="0">
+                <a:ln w="0"/>
+                <a:solidFill>
+                  <a:schemeClr val="accent1"/>
+                </a:solidFill>
+                <a:effectLst>
+                  <a:outerShdw blurRad="38100" dist="25400" dir="5400000" algn="ctr" rotWithShape="0">
+                    <a:srgbClr val="6E747A">
+                      <a:alpha val="43000"/>
+                    </a:srgbClr>
+                  </a:outerShdw>
+                </a:effectLst>
+                <a:latin typeface="Constantia" pitchFamily="18" charset="0"/>
+              </a:rPr>
+              <a:t>these?</a:t>
             </a:r>
             <a:endParaRPr lang="en-CA" sz="3600" dirty="0">
               <a:ln w="0"/>
@@ -5716,16 +8233,118 @@
                   </a:srgbClr>
                 </a:outerShdw>
               </a:effectLst>
+              <a:latin typeface="Constantia" pitchFamily="18" charset="0"/>
             </a:endParaRPr>
           </a:p>
         </p:txBody>
       </p:sp>
       <p:sp>
         <p:nvSpPr>
-          <p:cNvPr id="5" name="TextBox 4">
-            <a:extLst>
-              <a:ext uri="{FF2B5EF4-FFF2-40B4-BE49-F238E27FC236}">
-                <a16:creationId xmlns:a16="http://schemas.microsoft.com/office/drawing/2014/main" id="{15C82FC7-EC5D-46C6-9C05-27B68718666D}"/>
+          <p:cNvPr id="6" name="Date Placeholder 5"/>
+          <p:cNvSpPr>
+            <a:spLocks noGrp="1"/>
+          </p:cNvSpPr>
+          <p:nvPr>
+            <p:ph type="dt" sz="half" idx="10"/>
+          </p:nvPr>
+        </p:nvSpPr>
+        <p:spPr/>
+        <p:txBody>
+          <a:bodyPr/>
+          <a:lstStyle/>
+          <a:p>
+            <a:r>
+              <a:rPr lang="en-US" smtClean="0"/>
+              <a:t>Adhil &amp; Aritra</a:t>
+            </a:r>
+            <a:endParaRPr lang="en-CA"/>
+          </a:p>
+        </p:txBody>
+      </p:sp>
+      <p:sp>
+        <p:nvSpPr>
+          <p:cNvPr id="7" name="Slide Number Placeholder 6"/>
+          <p:cNvSpPr>
+            <a:spLocks noGrp="1"/>
+          </p:cNvSpPr>
+          <p:nvPr>
+            <p:ph type="sldNum" sz="quarter" idx="12"/>
+          </p:nvPr>
+        </p:nvSpPr>
+        <p:spPr/>
+        <p:txBody>
+          <a:bodyPr/>
+          <a:lstStyle/>
+          <a:p>
+            <a:fld id="{A615E1DC-8E13-4503-89D3-46AAEB115BB1}" type="slidenum">
+              <a:rPr lang="en-CA" smtClean="0"/>
+              <a:pPr/>
+              <a:t>9</a:t>
+            </a:fld>
+            <a:endParaRPr lang="en-CA"/>
+          </a:p>
+        </p:txBody>
+      </p:sp>
+      <p:sp>
+        <p:nvSpPr>
+          <p:cNvPr id="8" name="Footer Placeholder 7"/>
+          <p:cNvSpPr>
+            <a:spLocks noGrp="1"/>
+          </p:cNvSpPr>
+          <p:nvPr>
+            <p:ph type="ftr" sz="quarter" idx="11"/>
+          </p:nvPr>
+        </p:nvSpPr>
+        <p:spPr/>
+        <p:txBody>
+          <a:bodyPr/>
+          <a:lstStyle/>
+          <a:p>
+            <a:r>
+              <a:rPr lang="en-CA" smtClean="0"/>
+              <a:t>Midway Report</a:t>
+            </a:r>
+            <a:endParaRPr lang="en-CA"/>
+          </a:p>
+        </p:txBody>
+      </p:sp>
+      <p:pic>
+        <p:nvPicPr>
+          <p:cNvPr id="9" name="Picture 8">
+            <a:extLst>
+              <a:ext uri="{FF2B5EF4-FFF2-40B4-BE49-F238E27FC236}">
+                <a16:creationId xmlns:a16="http://schemas.microsoft.com/office/drawing/2014/main" xmlns="" id="{023C8F37-8A73-49DF-8C44-4718877FD49D}"/>
+              </a:ext>
+            </a:extLst>
+          </p:cNvPr>
+          <p:cNvPicPr>
+            <a:picLocks noChangeAspect="1"/>
+          </p:cNvPicPr>
+          <p:nvPr/>
+        </p:nvPicPr>
+        <p:blipFill>
+          <a:blip r:embed="rId3"/>
+          <a:srcRect l="2805" r="8665"/>
+          <a:stretch>
+            <a:fillRect/>
+          </a:stretch>
+        </p:blipFill>
+        <p:spPr>
+          <a:xfrm>
+            <a:off x="4131713" y="2083889"/>
+            <a:ext cx="3849086" cy="3283960"/>
+          </a:xfrm>
+          <a:prstGeom prst="rect">
+            <a:avLst/>
+          </a:prstGeom>
+        </p:spPr>
+      </p:pic>
+      <p:sp>
+        <p:nvSpPr>
+          <p:cNvPr id="10" name="TextBox 9">
+            <a:extLst>
+              <a:ext uri="{FF2B5EF4-FFF2-40B4-BE49-F238E27FC236}">
+                <a16:creationId xmlns:a16="http://schemas.microsoft.com/office/drawing/2014/main" xmlns="" id="{15C82FC7-EC5D-46C6-9C05-27B68718666D}"/>
               </a:ext>
             </a:extLst>
           </p:cNvPr>
@@ -5734,8 +8353,8 @@
         </p:nvSpPr>
         <p:spPr>
           <a:xfrm>
-            <a:off x="4471985" y="5629871"/>
-            <a:ext cx="3248025" cy="923330"/>
+            <a:off x="7790918" y="4596937"/>
+            <a:ext cx="4180948" cy="646331"/>
           </a:xfrm>
           <a:prstGeom prst="rect">
             <a:avLst/>
@@ -5754,6 +8373,7 @@
                 <a:solidFill>
                   <a:schemeClr val="bg1"/>
                 </a:solidFill>
+                <a:latin typeface="Constantia" pitchFamily="18" charset="0"/>
               </a:rPr>
               <a:t>Forward speed changes like a step function as a function of batch size</a:t>
             </a:r>
@@ -5761,6 +8381,85 @@
               <a:solidFill>
                 <a:schemeClr val="bg1"/>
               </a:solidFill>
+              <a:latin typeface="Constantia" pitchFamily="18" charset="0"/>
+            </a:endParaRPr>
+          </a:p>
+        </p:txBody>
+      </p:sp>
+      <p:pic>
+        <p:nvPicPr>
+          <p:cNvPr id="11" name="Picture 10">
+            <a:extLst>
+              <a:ext uri="{FF2B5EF4-FFF2-40B4-BE49-F238E27FC236}">
+                <a16:creationId xmlns:a16="http://schemas.microsoft.com/office/drawing/2014/main" xmlns="" id="{D7DF8FF5-A44D-4F20-B2FB-A2685D5BA8EB}"/>
+              </a:ext>
+            </a:extLst>
+          </p:cNvPr>
+          <p:cNvPicPr>
+            <a:picLocks noChangeAspect="1"/>
+          </p:cNvPicPr>
+          <p:nvPr/>
+        </p:nvPicPr>
+        <p:blipFill>
+          <a:blip r:embed="rId4"/>
+          <a:srcRect l="2649" r="8921"/>
+          <a:stretch>
+            <a:fillRect/>
+          </a:stretch>
+        </p:blipFill>
+        <p:spPr>
+          <a:xfrm>
+            <a:off x="282912" y="1220307"/>
+            <a:ext cx="3785249" cy="3233160"/>
+          </a:xfrm>
+          <a:prstGeom prst="rect">
+            <a:avLst/>
+          </a:prstGeom>
+        </p:spPr>
+      </p:pic>
+      <p:sp>
+        <p:nvSpPr>
+          <p:cNvPr id="12" name="TextBox 11">
+            <a:extLst>
+              <a:ext uri="{FF2B5EF4-FFF2-40B4-BE49-F238E27FC236}">
+                <a16:creationId xmlns:a16="http://schemas.microsoft.com/office/drawing/2014/main" xmlns="" id="{0B2A04B2-6374-406D-B552-DEA4333469A6}"/>
+              </a:ext>
+            </a:extLst>
+          </p:cNvPr>
+          <p:cNvSpPr txBox="1"/>
+          <p:nvPr/>
+        </p:nvSpPr>
+        <p:spPr>
+          <a:xfrm>
+            <a:off x="-16933" y="4690533"/>
+            <a:ext cx="4504267" cy="369332"/>
+          </a:xfrm>
+          <a:prstGeom prst="rect">
+            <a:avLst/>
+          </a:prstGeom>
+          <a:noFill/>
+        </p:spPr>
+        <p:txBody>
+          <a:bodyPr wrap="square" rtlCol="0">
+            <a:spAutoFit/>
+          </a:bodyPr>
+          <a:lstStyle/>
+          <a:p>
+            <a:pPr algn="ctr"/>
+            <a:r>
+              <a:rPr lang="en-IN" dirty="0">
+                <a:solidFill>
+                  <a:schemeClr val="bg1"/>
+                </a:solidFill>
+                <a:latin typeface="Constantia" pitchFamily="18" charset="0"/>
+              </a:rPr>
+              <a:t>Accuracy depends on batch size</a:t>
+            </a:r>
+            <a:endParaRPr lang="en-CA" dirty="0">
+              <a:solidFill>
+                <a:schemeClr val="bg1"/>
+              </a:solidFill>
+              <a:latin typeface="Constantia" pitchFamily="18" charset="0"/>
             </a:endParaRPr>
           </a:p>
         </p:txBody>
@@ -5768,13 +8467,20 @@
     </p:spTree>
     <p:extLst>
       <p:ext uri="{BB962C8B-B14F-4D97-AF65-F5344CB8AC3E}">
-        <p14:creationId xmlns:p14="http://schemas.microsoft.com/office/powerpoint/2010/main" val="2008169597"/>
+        <p14:creationId xmlns:p14="http://schemas.microsoft.com/office/powerpoint/2010/main" xmlns="" val="2856987548"/>
       </p:ext>
     </p:extLst>
   </p:cSld>
   <p:clrMapOvr>
     <a:masterClrMapping/>
   </p:clrMapOvr>
+  <p:timing>
+    <p:tnLst>
+      <p:par>
+        <p:cTn id="1" dur="indefinite" restart="never" nodeType="tmRoot"/>
+      </p:par>
+    </p:tnLst>
+  </p:timing>
 </p:sld>
 </file>
 
@@ -5821,7 +8527,7 @@
     </a:clrScheme>
     <a:fontScheme name="Office">
       <a:majorFont>
-        <a:latin typeface="Calibri Light" panose="020F0302020204030204"/>
+        <a:latin typeface="Calibri Light"/>
         <a:ea typeface=""/>
         <a:cs typeface=""/>
         <a:font script="Jpan" typeface="游ゴシック Light"/>
@@ -5873,7 +8579,7 @@
         <a:font script="Tfng" typeface="Ebrima"/>
       </a:majorFont>
       <a:minorFont>
-        <a:latin typeface="Calibri" panose="020F0502020204030204"/>
+        <a:latin typeface="Calibri"/>
         <a:ea typeface=""/>
         <a:cs typeface=""/>
         <a:font script="Jpan" typeface="游ゴシック"/>
@@ -6067,8 +8773,291 @@
   <a:extraClrSchemeLst/>
   <a:extLst>
     <a:ext uri="{05A4C25C-085E-4340-85A3-A5531E510DB2}">
-      <thm15:themeFamily xmlns:thm15="http://schemas.microsoft.com/office/thememl/2012/main" name="Office Theme" id="{62F939B6-93AF-4DB8-9C6B-D6C7DFDC589F}" vid="{4A3C46E8-61CC-4603-A589-7422A47A8E4A}"/>
+      <thm15:themeFamily xmlns:thm15="http://schemas.microsoft.com/office/thememl/2012/main" xmlns="" name="Office Theme" id="{62F939B6-93AF-4DB8-9C6B-D6C7DFDC589F}" vid="{4A3C46E8-61CC-4603-A589-7422A47A8E4A}"/>
     </a:ext>
   </a:extLst>
 </a:theme>
+</file>
+
+<file path=ppt/theme/theme2.xml><?xml version="1.0" encoding="utf-8"?>
+<a:theme xmlns:a="http://schemas.openxmlformats.org/drawingml/2006/main" name="Office Theme">
+  <a:themeElements>
+    <a:clrScheme name="Office">
+      <a:dk1>
+        <a:sysClr val="windowText" lastClr="000000"/>
+      </a:dk1>
+      <a:lt1>
+        <a:sysClr val="window" lastClr="FFFFFF"/>
+      </a:lt1>
+      <a:dk2>
+        <a:srgbClr val="1F497D"/>
+      </a:dk2>
+      <a:lt2>
+        <a:srgbClr val="EEECE1"/>
+      </a:lt2>
+      <a:accent1>
+        <a:srgbClr val="4F81BD"/>
+      </a:accent1>
+      <a:accent2>
+        <a:srgbClr val="C0504D"/>
+      </a:accent2>
+      <a:accent3>
+        <a:srgbClr val="9BBB59"/>
+      </a:accent3>
+      <a:accent4>
+        <a:srgbClr val="8064A2"/>
+      </a:accent4>
+      <a:accent5>
+        <a:srgbClr val="4BACC6"/>
+      </a:accent5>
+      <a:accent6>
+        <a:srgbClr val="F79646"/>
+      </a:accent6>
+      <a:hlink>
+        <a:srgbClr val="0000FF"/>
+      </a:hlink>
+      <a:folHlink>
+        <a:srgbClr val="800080"/>
+      </a:folHlink>
+    </a:clrScheme>
+    <a:fontScheme name="Office">
+      <a:majorFont>
+        <a:latin typeface="Calibri"/>
+        <a:ea typeface=""/>
+        <a:cs typeface=""/>
+        <a:font script="Jpan" typeface="ＭＳ Ｐゴシック"/>
+        <a:font script="Hang" typeface="맑은 고딕"/>
+        <a:font script="Hans" typeface="宋体"/>
+        <a:font script="Hant" typeface="新細明體"/>
+        <a:font script="Arab" typeface="Times New Roman"/>
+        <a:font script="Hebr" typeface="Times New Roman"/>
+        <a:font script="Thai" typeface="Angsana New"/>
+        <a:font script="Ethi" typeface="Nyala"/>
+        <a:font script="Beng" typeface="Vrinda"/>
+        <a:font script="Gujr" typeface="Shruti"/>
+        <a:font script="Khmr" typeface="MoolBoran"/>
+        <a:font script="Knda" typeface="Tunga"/>
+        <a:font script="Guru" typeface="Raavi"/>
+        <a:font script="Cans" typeface="Euphemia"/>
+        <a:font script="Cher" typeface="Plantagenet Cherokee"/>
+        <a:font script="Yiii" typeface="Microsoft Yi Baiti"/>
+        <a:font script="Tibt" typeface="Microsoft Himalaya"/>
+        <a:font script="Thaa" typeface="MV Boli"/>
+        <a:font script="Deva" typeface="Mangal"/>
+        <a:font script="Telu" typeface="Gautami"/>
+        <a:font script="Taml" typeface="Latha"/>
+        <a:font script="Syrc" typeface="Estrangelo Edessa"/>
+        <a:font script="Orya" typeface="Kalinga"/>
+        <a:font script="Mlym" typeface="Kartika"/>
+        <a:font script="Laoo" typeface="DokChampa"/>
+        <a:font script="Sinh" typeface="Iskoola Pota"/>
+        <a:font script="Mong" typeface="Mongolian Baiti"/>
+        <a:font script="Viet" typeface="Times New Roman"/>
+        <a:font script="Uigh" typeface="Microsoft Uighur"/>
+      </a:majorFont>
+      <a:minorFont>
+        <a:latin typeface="Calibri"/>
+        <a:ea typeface=""/>
+        <a:cs typeface=""/>
+        <a:font script="Jpan" typeface="ＭＳ Ｐゴシック"/>
+        <a:font script="Hang" typeface="맑은 고딕"/>
+        <a:font script="Hans" typeface="宋体"/>
+        <a:font script="Hant" typeface="新細明體"/>
+        <a:font script="Arab" typeface="Arial"/>
+        <a:font script="Hebr" typeface="Arial"/>
+        <a:font script="Thai" typeface="Cordia New"/>
+        <a:font script="Ethi" typeface="Nyala"/>
+        <a:font script="Beng" typeface="Vrinda"/>
+        <a:font script="Gujr" typeface="Shruti"/>
+        <a:font script="Khmr" typeface="DaunPenh"/>
+        <a:font script="Knda" typeface="Tunga"/>
+        <a:font script="Guru" typeface="Raavi"/>
+        <a:font script="Cans" typeface="Euphemia"/>
+        <a:font script="Cher" typeface="Plantagenet Cherokee"/>
+        <a:font script="Yiii" typeface="Microsoft Yi Baiti"/>
+        <a:font script="Tibt" typeface="Microsoft Himalaya"/>
+        <a:font script="Thaa" typeface="MV Boli"/>
+        <a:font script="Deva" typeface="Mangal"/>
+        <a:font script="Telu" typeface="Gautami"/>
+        <a:font script="Taml" typeface="Latha"/>
+        <a:font script="Syrc" typeface="Estrangelo Edessa"/>
+        <a:font script="Orya" typeface="Kalinga"/>
+        <a:font script="Mlym" typeface="Kartika"/>
+        <a:font script="Laoo" typeface="DokChampa"/>
+        <a:font script="Sinh" typeface="Iskoola Pota"/>
+        <a:font script="Mong" typeface="Mongolian Baiti"/>
+        <a:font script="Viet" typeface="Arial"/>
+        <a:font script="Uigh" typeface="Microsoft Uighur"/>
+      </a:minorFont>
+    </a:fontScheme>
+    <a:fmtScheme name="Office">
+      <a:fillStyleLst>
+        <a:solidFill>
+          <a:schemeClr val="phClr"/>
+        </a:solidFill>
+        <a:gradFill rotWithShape="1">
+          <a:gsLst>
+            <a:gs pos="0">
+              <a:schemeClr val="phClr">
+                <a:tint val="50000"/>
+                <a:satMod val="300000"/>
+              </a:schemeClr>
+            </a:gs>
+            <a:gs pos="35000">
+              <a:schemeClr val="phClr">
+                <a:tint val="37000"/>
+                <a:satMod val="300000"/>
+              </a:schemeClr>
+            </a:gs>
+            <a:gs pos="100000">
+              <a:schemeClr val="phClr">
+                <a:tint val="15000"/>
+                <a:satMod val="350000"/>
+              </a:schemeClr>
+            </a:gs>
+          </a:gsLst>
+          <a:lin ang="16200000" scaled="1"/>
+        </a:gradFill>
+        <a:gradFill rotWithShape="1">
+          <a:gsLst>
+            <a:gs pos="0">
+              <a:schemeClr val="phClr">
+                <a:shade val="51000"/>
+                <a:satMod val="130000"/>
+              </a:schemeClr>
+            </a:gs>
+            <a:gs pos="80000">
+              <a:schemeClr val="phClr">
+                <a:shade val="93000"/>
+                <a:satMod val="130000"/>
+              </a:schemeClr>
+            </a:gs>
+            <a:gs pos="100000">
+              <a:schemeClr val="phClr">
+                <a:shade val="94000"/>
+                <a:satMod val="135000"/>
+              </a:schemeClr>
+            </a:gs>
+          </a:gsLst>
+          <a:lin ang="16200000" scaled="0"/>
+        </a:gradFill>
+      </a:fillStyleLst>
+      <a:lnStyleLst>
+        <a:ln w="9525" cap="flat" cmpd="sng" algn="ctr">
+          <a:solidFill>
+            <a:schemeClr val="phClr">
+              <a:shade val="95000"/>
+              <a:satMod val="105000"/>
+            </a:schemeClr>
+          </a:solidFill>
+          <a:prstDash val="solid"/>
+        </a:ln>
+        <a:ln w="25400" cap="flat" cmpd="sng" algn="ctr">
+          <a:solidFill>
+            <a:schemeClr val="phClr"/>
+          </a:solidFill>
+          <a:prstDash val="solid"/>
+        </a:ln>
+        <a:ln w="38100" cap="flat" cmpd="sng" algn="ctr">
+          <a:solidFill>
+            <a:schemeClr val="phClr"/>
+          </a:solidFill>
+          <a:prstDash val="solid"/>
+        </a:ln>
+      </a:lnStyleLst>
+      <a:effectStyleLst>
+        <a:effectStyle>
+          <a:effectLst>
+            <a:outerShdw blurRad="40000" dist="20000" dir="5400000" rotWithShape="0">
+              <a:srgbClr val="000000">
+                <a:alpha val="38000"/>
+              </a:srgbClr>
+            </a:outerShdw>
+          </a:effectLst>
+        </a:effectStyle>
+        <a:effectStyle>
+          <a:effectLst>
+            <a:outerShdw blurRad="40000" dist="23000" dir="5400000" rotWithShape="0">
+              <a:srgbClr val="000000">
+                <a:alpha val="35000"/>
+              </a:srgbClr>
+            </a:outerShdw>
+          </a:effectLst>
+        </a:effectStyle>
+        <a:effectStyle>
+          <a:effectLst>
+            <a:outerShdw blurRad="40000" dist="23000" dir="5400000" rotWithShape="0">
+              <a:srgbClr val="000000">
+                <a:alpha val="35000"/>
+              </a:srgbClr>
+            </a:outerShdw>
+          </a:effectLst>
+          <a:scene3d>
+            <a:camera prst="orthographicFront">
+              <a:rot lat="0" lon="0" rev="0"/>
+            </a:camera>
+            <a:lightRig rig="threePt" dir="t">
+              <a:rot lat="0" lon="0" rev="1200000"/>
+            </a:lightRig>
+          </a:scene3d>
+          <a:sp3d>
+            <a:bevelT w="63500" h="25400"/>
+          </a:sp3d>
+        </a:effectStyle>
+      </a:effectStyleLst>
+      <a:bgFillStyleLst>
+        <a:solidFill>
+          <a:schemeClr val="phClr"/>
+        </a:solidFill>
+        <a:gradFill rotWithShape="1">
+          <a:gsLst>
+            <a:gs pos="0">
+              <a:schemeClr val="phClr">
+                <a:tint val="40000"/>
+                <a:satMod val="350000"/>
+              </a:schemeClr>
+            </a:gs>
+            <a:gs pos="40000">
+              <a:schemeClr val="phClr">
+                <a:tint val="45000"/>
+                <a:shade val="99000"/>
+                <a:satMod val="350000"/>
+              </a:schemeClr>
+            </a:gs>
+            <a:gs pos="100000">
+              <a:schemeClr val="phClr">
+                <a:shade val="20000"/>
+                <a:satMod val="255000"/>
+              </a:schemeClr>
+            </a:gs>
+          </a:gsLst>
+          <a:path path="circle">
+            <a:fillToRect l="50000" t="-80000" r="50000" b="180000"/>
+          </a:path>
+        </a:gradFill>
+        <a:gradFill rotWithShape="1">
+          <a:gsLst>
+            <a:gs pos="0">
+              <a:schemeClr val="phClr">
+                <a:tint val="80000"/>
+                <a:satMod val="300000"/>
+              </a:schemeClr>
+            </a:gs>
+            <a:gs pos="100000">
+              <a:schemeClr val="phClr">
+                <a:shade val="30000"/>
+                <a:satMod val="200000"/>
+              </a:schemeClr>
+            </a:gs>
+          </a:gsLst>
+          <a:path path="circle">
+            <a:fillToRect l="50000" t="50000" r="50000" b="50000"/>
+          </a:path>
+        </a:gradFill>
+      </a:bgFillStyleLst>
+    </a:fmtScheme>
+  </a:themeElements>
+  <a:objectDefaults/>
+  <a:extraClrSchemeLst/>
+</a:theme>
 </file>